--- a/prepare/从crud, pattern, ooad到ddd-软件设计进阶之路.pptx
+++ b/prepare/从crud, pattern, ooad到ddd-软件设计进阶之路.pptx
@@ -5,37 +5,40 @@
     <p:sldMasterId id="2147483648" r:id="rId1"/>
   </p:sldMasterIdLst>
   <p:notesMasterIdLst>
-    <p:notesMasterId r:id="rId30"/>
+    <p:notesMasterId r:id="rId33"/>
   </p:notesMasterIdLst>
   <p:sldIdLst>
     <p:sldId id="256" r:id="rId2"/>
     <p:sldId id="269" r:id="rId3"/>
-    <p:sldId id="257" r:id="rId4"/>
-    <p:sldId id="258" r:id="rId5"/>
-    <p:sldId id="273" r:id="rId6"/>
-    <p:sldId id="263" r:id="rId7"/>
-    <p:sldId id="259" r:id="rId8"/>
-    <p:sldId id="271" r:id="rId9"/>
-    <p:sldId id="264" r:id="rId10"/>
-    <p:sldId id="278" r:id="rId11"/>
-    <p:sldId id="260" r:id="rId12"/>
-    <p:sldId id="265" r:id="rId13"/>
-    <p:sldId id="274" r:id="rId14"/>
-    <p:sldId id="276" r:id="rId15"/>
-    <p:sldId id="261" r:id="rId16"/>
-    <p:sldId id="279" r:id="rId17"/>
-    <p:sldId id="280" r:id="rId18"/>
-    <p:sldId id="281" r:id="rId19"/>
-    <p:sldId id="282" r:id="rId20"/>
-    <p:sldId id="262" r:id="rId21"/>
-    <p:sldId id="277" r:id="rId22"/>
-    <p:sldId id="283" r:id="rId23"/>
-    <p:sldId id="266" r:id="rId24"/>
-    <p:sldId id="267" r:id="rId25"/>
-    <p:sldId id="268" r:id="rId26"/>
-    <p:sldId id="270" r:id="rId27"/>
-    <p:sldId id="275" r:id="rId28"/>
-    <p:sldId id="272" r:id="rId29"/>
+    <p:sldId id="285" r:id="rId4"/>
+    <p:sldId id="257" r:id="rId5"/>
+    <p:sldId id="258" r:id="rId6"/>
+    <p:sldId id="273" r:id="rId7"/>
+    <p:sldId id="263" r:id="rId8"/>
+    <p:sldId id="259" r:id="rId9"/>
+    <p:sldId id="271" r:id="rId10"/>
+    <p:sldId id="264" r:id="rId11"/>
+    <p:sldId id="278" r:id="rId12"/>
+    <p:sldId id="260" r:id="rId13"/>
+    <p:sldId id="284" r:id="rId14"/>
+    <p:sldId id="265" r:id="rId15"/>
+    <p:sldId id="274" r:id="rId16"/>
+    <p:sldId id="276" r:id="rId17"/>
+    <p:sldId id="261" r:id="rId18"/>
+    <p:sldId id="279" r:id="rId19"/>
+    <p:sldId id="280" r:id="rId20"/>
+    <p:sldId id="281" r:id="rId21"/>
+    <p:sldId id="282" r:id="rId22"/>
+    <p:sldId id="262" r:id="rId23"/>
+    <p:sldId id="277" r:id="rId24"/>
+    <p:sldId id="286" r:id="rId25"/>
+    <p:sldId id="283" r:id="rId26"/>
+    <p:sldId id="266" r:id="rId27"/>
+    <p:sldId id="268" r:id="rId28"/>
+    <p:sldId id="270" r:id="rId29"/>
+    <p:sldId id="287" r:id="rId30"/>
+    <p:sldId id="275" r:id="rId31"/>
+    <p:sldId id="272" r:id="rId32"/>
   </p:sldIdLst>
   <p:sldSz cx="12192000" cy="6858000"/>
   <p:notesSz cx="6858000" cy="9144000"/>
@@ -224,7 +227,7 @@
           <a:p>
             <a:fld id="{FF62E736-B084-4564-9889-93C7BB0F70F6}" type="datetimeFigureOut">
               <a:rPr lang="zh-CN" altLang="en-US" smtClean="0"/>
-              <a:t>2020/9/13</a:t>
+              <a:t>2020/9/14</a:t>
             </a:fld>
             <a:endParaRPr lang="zh-CN" altLang="en-US"/>
           </a:p>
@@ -537,14 +540,7 @@
           <a:p>
             <a:r>
               <a:rPr lang="zh-CN" altLang="en-US" dirty="0"/>
-              <a:t>代码大全</a:t>
-            </a:r>
-            <a:endParaRPr lang="en-US" altLang="zh-CN" dirty="0"/>
-          </a:p>
-          <a:p>
-            <a:r>
-              <a:rPr lang="zh-CN" altLang="en-US" dirty="0"/>
-              <a:t>禅师：别多写，</a:t>
+              <a:t>开发过程：分析，设计，实现，</a:t>
             </a:r>
           </a:p>
         </p:txBody>
@@ -566,7 +562,7 @@
           <a:p>
             <a:fld id="{81EB798F-FCE7-4FC5-861E-D54DB0B79715}" type="slidenum">
               <a:rPr lang="zh-CN" altLang="en-US" smtClean="0"/>
-              <a:t>2</a:t>
+              <a:t>1</a:t>
             </a:fld>
             <a:endParaRPr lang="zh-CN" altLang="en-US"/>
           </a:p>
@@ -575,7 +571,7 @@
     </p:spTree>
     <p:extLst>
       <p:ext uri="{BB962C8B-B14F-4D97-AF65-F5344CB8AC3E}">
-        <p14:creationId xmlns:p14="http://schemas.microsoft.com/office/powerpoint/2010/main" val="1891247252"/>
+        <p14:creationId xmlns:p14="http://schemas.microsoft.com/office/powerpoint/2010/main" val="1018801312"/>
       </p:ext>
     </p:extLst>
   </p:cSld>
@@ -631,7 +627,14 @@
           <a:p>
             <a:r>
               <a:rPr lang="zh-CN" altLang="en-US" dirty="0"/>
-              <a:t>软件设计哲学那本书为主要内存。</a:t>
+              <a:t>代码大全</a:t>
+            </a:r>
+            <a:endParaRPr lang="en-US" altLang="zh-CN" dirty="0"/>
+          </a:p>
+          <a:p>
+            <a:r>
+              <a:rPr lang="zh-CN" altLang="en-US" dirty="0"/>
+              <a:t>禅师：别多写，</a:t>
             </a:r>
           </a:p>
         </p:txBody>
@@ -653,7 +656,7 @@
           <a:p>
             <a:fld id="{81EB798F-FCE7-4FC5-861E-D54DB0B79715}" type="slidenum">
               <a:rPr lang="zh-CN" altLang="en-US" smtClean="0"/>
-              <a:t>4</a:t>
+              <a:t>2</a:t>
             </a:fld>
             <a:endParaRPr lang="zh-CN" altLang="en-US"/>
           </a:p>
@@ -662,7 +665,7 @@
     </p:spTree>
     <p:extLst>
       <p:ext uri="{BB962C8B-B14F-4D97-AF65-F5344CB8AC3E}">
-        <p14:creationId xmlns:p14="http://schemas.microsoft.com/office/powerpoint/2010/main" val="3544903145"/>
+        <p14:creationId xmlns:p14="http://schemas.microsoft.com/office/powerpoint/2010/main" val="1891247252"/>
       </p:ext>
     </p:extLst>
   </p:cSld>
@@ -717,13 +720,47 @@
           <a:lstStyle/>
           <a:p>
             <a:r>
-              <a:rPr lang="en-US" altLang="zh-CN" dirty="0"/>
-              <a:t>OOAD</a:t>
-            </a:r>
-            <a:r>
-              <a:rPr lang="zh-CN" altLang="en-US" dirty="0"/>
-              <a:t>书和</a:t>
-            </a:r>
+              <a:rPr lang="zh-CN" altLang="en-US" dirty="0"/>
+              <a:t>软件设计哲学那本书为主要内存。</a:t>
+            </a:r>
+            <a:endParaRPr lang="en-US" altLang="zh-CN" dirty="0"/>
+          </a:p>
+          <a:p>
+            <a:endParaRPr lang="en-US" altLang="zh-CN" dirty="0"/>
+          </a:p>
+          <a:p>
+            <a:r>
+              <a:rPr lang="en-US" altLang="zh-CN" dirty="0" err="1"/>
+              <a:t>ThreadFactoryUtil</a:t>
+            </a:r>
+            <a:r>
+              <a:rPr lang="zh-CN" altLang="en-US" dirty="0"/>
+              <a:t>：</a:t>
+            </a:r>
+            <a:endParaRPr lang="en-US" altLang="zh-CN" dirty="0"/>
+          </a:p>
+          <a:p>
+            <a:r>
+              <a:rPr lang="en-US" altLang="zh-CN" dirty="0" err="1"/>
+              <a:t>FixedThreadBoundedQueueFactoryUtil</a:t>
+            </a:r>
+            <a:r>
+              <a:rPr lang="en-US" altLang="zh-CN" dirty="0" err="1">
+                <a:solidFill>
+                  <a:srgbClr val="FF0000"/>
+                </a:solidFill>
+              </a:rPr>
+              <a:t>s</a:t>
+            </a:r>
+            <a:r>
+              <a:rPr lang="zh-CN" altLang="en-US" dirty="0">
+                <a:solidFill>
+                  <a:srgbClr val="FF0000"/>
+                </a:solidFill>
+              </a:rPr>
+              <a:t>：固定线程？</a:t>
+            </a:r>
+            <a:endParaRPr lang="zh-CN" altLang="en-US" dirty="0"/>
           </a:p>
         </p:txBody>
       </p:sp>
@@ -744,7 +781,7 @@
           <a:p>
             <a:fld id="{81EB798F-FCE7-4FC5-861E-D54DB0B79715}" type="slidenum">
               <a:rPr lang="zh-CN" altLang="en-US" smtClean="0"/>
-              <a:t>12</a:t>
+              <a:t>5</a:t>
             </a:fld>
             <a:endParaRPr lang="zh-CN" altLang="en-US"/>
           </a:p>
@@ -753,7 +790,7 @@
     </p:spTree>
     <p:extLst>
       <p:ext uri="{BB962C8B-B14F-4D97-AF65-F5344CB8AC3E}">
-        <p14:creationId xmlns:p14="http://schemas.microsoft.com/office/powerpoint/2010/main" val="2222039526"/>
+        <p14:creationId xmlns:p14="http://schemas.microsoft.com/office/powerpoint/2010/main" val="3544903145"/>
       </p:ext>
     </p:extLst>
   </p:cSld>
@@ -807,10 +844,7 @@
           <a:bodyPr/>
           <a:lstStyle/>
           <a:p>
-            <a:r>
-              <a:rPr lang="zh-CN" altLang="en-US" dirty="0"/>
-              <a:t>面向对象</a:t>
-            </a:r>
+            <a:endParaRPr lang="zh-CN" altLang="en-US" dirty="0"/>
           </a:p>
         </p:txBody>
       </p:sp>
@@ -831,7 +865,185 @@
           <a:p>
             <a:fld id="{81EB798F-FCE7-4FC5-861E-D54DB0B79715}" type="slidenum">
               <a:rPr lang="zh-CN" altLang="en-US" smtClean="0"/>
-              <a:t>13</a:t>
+              <a:t>6</a:t>
+            </a:fld>
+            <a:endParaRPr lang="zh-CN" altLang="en-US"/>
+          </a:p>
+        </p:txBody>
+      </p:sp>
+    </p:spTree>
+    <p:extLst>
+      <p:ext uri="{BB962C8B-B14F-4D97-AF65-F5344CB8AC3E}">
+        <p14:creationId xmlns:p14="http://schemas.microsoft.com/office/powerpoint/2010/main" val="3870238928"/>
+      </p:ext>
+    </p:extLst>
+  </p:cSld>
+  <p:clrMapOvr>
+    <a:masterClrMapping/>
+  </p:clrMapOvr>
+</p:notes>
+</file>
+
+<file path=ppt/notesSlides/notesSlide5.xml><?xml version="1.0" encoding="utf-8"?>
+<p:notes xmlns:a="http://schemas.openxmlformats.org/drawingml/2006/main" xmlns:r="http://schemas.openxmlformats.org/officeDocument/2006/relationships" xmlns:p="http://schemas.openxmlformats.org/presentationml/2006/main">
+  <p:cSld>
+    <p:spTree>
+      <p:nvGrpSpPr>
+        <p:cNvPr id="1" name=""/>
+        <p:cNvGrpSpPr/>
+        <p:nvPr/>
+      </p:nvGrpSpPr>
+      <p:grpSpPr>
+        <a:xfrm>
+          <a:off x="0" y="0"/>
+          <a:ext cx="0" cy="0"/>
+          <a:chOff x="0" y="0"/>
+          <a:chExt cx="0" cy="0"/>
+        </a:xfrm>
+      </p:grpSpPr>
+      <p:sp>
+        <p:nvSpPr>
+          <p:cNvPr id="2" name="幻灯片图像占位符 1"/>
+          <p:cNvSpPr>
+            <a:spLocks noGrp="1" noRot="1" noChangeAspect="1"/>
+          </p:cNvSpPr>
+          <p:nvPr>
+            <p:ph type="sldImg"/>
+          </p:nvPr>
+        </p:nvSpPr>
+        <p:spPr/>
+      </p:sp>
+      <p:sp>
+        <p:nvSpPr>
+          <p:cNvPr id="3" name="备注占位符 2"/>
+          <p:cNvSpPr>
+            <a:spLocks noGrp="1"/>
+          </p:cNvSpPr>
+          <p:nvPr>
+            <p:ph type="body" idx="1"/>
+          </p:nvPr>
+        </p:nvSpPr>
+        <p:spPr/>
+        <p:txBody>
+          <a:bodyPr/>
+          <a:lstStyle/>
+          <a:p>
+            <a:r>
+              <a:rPr lang="en-US" altLang="zh-CN" dirty="0"/>
+              <a:t>OOAD</a:t>
+            </a:r>
+            <a:r>
+              <a:rPr lang="zh-CN" altLang="en-US" dirty="0"/>
+              <a:t>书和</a:t>
+            </a:r>
+          </a:p>
+        </p:txBody>
+      </p:sp>
+      <p:sp>
+        <p:nvSpPr>
+          <p:cNvPr id="4" name="灯片编号占位符 3"/>
+          <p:cNvSpPr>
+            <a:spLocks noGrp="1"/>
+          </p:cNvSpPr>
+          <p:nvPr>
+            <p:ph type="sldNum" sz="quarter" idx="5"/>
+          </p:nvPr>
+        </p:nvSpPr>
+        <p:spPr/>
+        <p:txBody>
+          <a:bodyPr/>
+          <a:lstStyle/>
+          <a:p>
+            <a:fld id="{81EB798F-FCE7-4FC5-861E-D54DB0B79715}" type="slidenum">
+              <a:rPr lang="zh-CN" altLang="en-US" smtClean="0"/>
+              <a:t>14</a:t>
+            </a:fld>
+            <a:endParaRPr lang="zh-CN" altLang="en-US"/>
+          </a:p>
+        </p:txBody>
+      </p:sp>
+    </p:spTree>
+    <p:extLst>
+      <p:ext uri="{BB962C8B-B14F-4D97-AF65-F5344CB8AC3E}">
+        <p14:creationId xmlns:p14="http://schemas.microsoft.com/office/powerpoint/2010/main" val="2222039526"/>
+      </p:ext>
+    </p:extLst>
+  </p:cSld>
+  <p:clrMapOvr>
+    <a:masterClrMapping/>
+  </p:clrMapOvr>
+</p:notes>
+</file>
+
+<file path=ppt/notesSlides/notesSlide6.xml><?xml version="1.0" encoding="utf-8"?>
+<p:notes xmlns:a="http://schemas.openxmlformats.org/drawingml/2006/main" xmlns:r="http://schemas.openxmlformats.org/officeDocument/2006/relationships" xmlns:p="http://schemas.openxmlformats.org/presentationml/2006/main">
+  <p:cSld>
+    <p:spTree>
+      <p:nvGrpSpPr>
+        <p:cNvPr id="1" name=""/>
+        <p:cNvGrpSpPr/>
+        <p:nvPr/>
+      </p:nvGrpSpPr>
+      <p:grpSpPr>
+        <a:xfrm>
+          <a:off x="0" y="0"/>
+          <a:ext cx="0" cy="0"/>
+          <a:chOff x="0" y="0"/>
+          <a:chExt cx="0" cy="0"/>
+        </a:xfrm>
+      </p:grpSpPr>
+      <p:sp>
+        <p:nvSpPr>
+          <p:cNvPr id="2" name="幻灯片图像占位符 1"/>
+          <p:cNvSpPr>
+            <a:spLocks noGrp="1" noRot="1" noChangeAspect="1"/>
+          </p:cNvSpPr>
+          <p:nvPr>
+            <p:ph type="sldImg"/>
+          </p:nvPr>
+        </p:nvSpPr>
+        <p:spPr/>
+      </p:sp>
+      <p:sp>
+        <p:nvSpPr>
+          <p:cNvPr id="3" name="备注占位符 2"/>
+          <p:cNvSpPr>
+            <a:spLocks noGrp="1"/>
+          </p:cNvSpPr>
+          <p:nvPr>
+            <p:ph type="body" idx="1"/>
+          </p:nvPr>
+        </p:nvSpPr>
+        <p:spPr/>
+        <p:txBody>
+          <a:bodyPr/>
+          <a:lstStyle/>
+          <a:p>
+            <a:r>
+              <a:rPr lang="zh-CN" altLang="en-US" dirty="0"/>
+              <a:t>面向对象</a:t>
+            </a:r>
+          </a:p>
+        </p:txBody>
+      </p:sp>
+      <p:sp>
+        <p:nvSpPr>
+          <p:cNvPr id="4" name="灯片编号占位符 3"/>
+          <p:cNvSpPr>
+            <a:spLocks noGrp="1"/>
+          </p:cNvSpPr>
+          <p:nvPr>
+            <p:ph type="sldNum" sz="quarter" idx="5"/>
+          </p:nvPr>
+        </p:nvSpPr>
+        <p:spPr/>
+        <p:txBody>
+          <a:bodyPr/>
+          <a:lstStyle/>
+          <a:p>
+            <a:fld id="{81EB798F-FCE7-4FC5-861E-D54DB0B79715}" type="slidenum">
+              <a:rPr lang="zh-CN" altLang="en-US" smtClean="0"/>
+              <a:t>15</a:t>
             </a:fld>
             <a:endParaRPr lang="zh-CN" altLang="en-US"/>
           </a:p>
@@ -997,7 +1209,7 @@
           <a:p>
             <a:fld id="{1398570D-3A48-4B43-9C1E-4ADCDDDFDFEA}" type="datetimeFigureOut">
               <a:rPr lang="zh-CN" altLang="en-US" smtClean="0"/>
-              <a:t>2020/9/13</a:t>
+              <a:t>2020/9/14</a:t>
             </a:fld>
             <a:endParaRPr lang="zh-CN" altLang="en-US"/>
           </a:p>
@@ -1195,7 +1407,7 @@
           <a:p>
             <a:fld id="{1398570D-3A48-4B43-9C1E-4ADCDDDFDFEA}" type="datetimeFigureOut">
               <a:rPr lang="zh-CN" altLang="en-US" smtClean="0"/>
-              <a:t>2020/9/13</a:t>
+              <a:t>2020/9/14</a:t>
             </a:fld>
             <a:endParaRPr lang="zh-CN" altLang="en-US"/>
           </a:p>
@@ -1403,7 +1615,7 @@
           <a:p>
             <a:fld id="{1398570D-3A48-4B43-9C1E-4ADCDDDFDFEA}" type="datetimeFigureOut">
               <a:rPr lang="zh-CN" altLang="en-US" smtClean="0"/>
-              <a:t>2020/9/13</a:t>
+              <a:t>2020/9/14</a:t>
             </a:fld>
             <a:endParaRPr lang="zh-CN" altLang="en-US"/>
           </a:p>
@@ -1601,7 +1813,7 @@
           <a:p>
             <a:fld id="{1398570D-3A48-4B43-9C1E-4ADCDDDFDFEA}" type="datetimeFigureOut">
               <a:rPr lang="zh-CN" altLang="en-US" smtClean="0"/>
-              <a:t>2020/9/13</a:t>
+              <a:t>2020/9/14</a:t>
             </a:fld>
             <a:endParaRPr lang="zh-CN" altLang="en-US"/>
           </a:p>
@@ -1876,7 +2088,7 @@
           <a:p>
             <a:fld id="{1398570D-3A48-4B43-9C1E-4ADCDDDFDFEA}" type="datetimeFigureOut">
               <a:rPr lang="zh-CN" altLang="en-US" smtClean="0"/>
-              <a:t>2020/9/13</a:t>
+              <a:t>2020/9/14</a:t>
             </a:fld>
             <a:endParaRPr lang="zh-CN" altLang="en-US"/>
           </a:p>
@@ -2141,7 +2353,7 @@
           <a:p>
             <a:fld id="{1398570D-3A48-4B43-9C1E-4ADCDDDFDFEA}" type="datetimeFigureOut">
               <a:rPr lang="zh-CN" altLang="en-US" smtClean="0"/>
-              <a:t>2020/9/13</a:t>
+              <a:t>2020/9/14</a:t>
             </a:fld>
             <a:endParaRPr lang="zh-CN" altLang="en-US"/>
           </a:p>
@@ -2553,7 +2765,7 @@
           <a:p>
             <a:fld id="{1398570D-3A48-4B43-9C1E-4ADCDDDFDFEA}" type="datetimeFigureOut">
               <a:rPr lang="zh-CN" altLang="en-US" smtClean="0"/>
-              <a:t>2020/9/13</a:t>
+              <a:t>2020/9/14</a:t>
             </a:fld>
             <a:endParaRPr lang="zh-CN" altLang="en-US"/>
           </a:p>
@@ -2694,7 +2906,7 @@
           <a:p>
             <a:fld id="{1398570D-3A48-4B43-9C1E-4ADCDDDFDFEA}" type="datetimeFigureOut">
               <a:rPr lang="zh-CN" altLang="en-US" smtClean="0"/>
-              <a:t>2020/9/13</a:t>
+              <a:t>2020/9/14</a:t>
             </a:fld>
             <a:endParaRPr lang="zh-CN" altLang="en-US"/>
           </a:p>
@@ -2807,7 +3019,7 @@
           <a:p>
             <a:fld id="{1398570D-3A48-4B43-9C1E-4ADCDDDFDFEA}" type="datetimeFigureOut">
               <a:rPr lang="zh-CN" altLang="en-US" smtClean="0"/>
-              <a:t>2020/9/13</a:t>
+              <a:t>2020/9/14</a:t>
             </a:fld>
             <a:endParaRPr lang="zh-CN" altLang="en-US"/>
           </a:p>
@@ -3118,7 +3330,7 @@
           <a:p>
             <a:fld id="{1398570D-3A48-4B43-9C1E-4ADCDDDFDFEA}" type="datetimeFigureOut">
               <a:rPr lang="zh-CN" altLang="en-US" smtClean="0"/>
-              <a:t>2020/9/13</a:t>
+              <a:t>2020/9/14</a:t>
             </a:fld>
             <a:endParaRPr lang="zh-CN" altLang="en-US"/>
           </a:p>
@@ -3406,7 +3618,7 @@
           <a:p>
             <a:fld id="{1398570D-3A48-4B43-9C1E-4ADCDDDFDFEA}" type="datetimeFigureOut">
               <a:rPr lang="zh-CN" altLang="en-US" smtClean="0"/>
-              <a:t>2020/9/13</a:t>
+              <a:t>2020/9/14</a:t>
             </a:fld>
             <a:endParaRPr lang="zh-CN" altLang="en-US"/>
           </a:p>
@@ -3647,7 +3859,7 @@
           <a:p>
             <a:fld id="{1398570D-3A48-4B43-9C1E-4ADCDDDFDFEA}" type="datetimeFigureOut">
               <a:rPr lang="zh-CN" altLang="en-US" smtClean="0"/>
-              <a:t>2020/9/13</a:t>
+              <a:t>2020/9/14</a:t>
             </a:fld>
             <a:endParaRPr lang="zh-CN" altLang="en-US"/>
           </a:p>
@@ -4147,8 +4359,13 @@
             </a:r>
             <a:r>
               <a:rPr lang="en-US" altLang="zh-CN" dirty="0"/>
-              <a:t>-2020-09-23</a:t>
-            </a:r>
+              <a:t>-2020-09-24</a:t>
+            </a:r>
+          </a:p>
+          <a:p>
+            <a:endParaRPr lang="en-US" altLang="zh-CN" dirty="0"/>
+          </a:p>
+          <a:p>
             <a:endParaRPr lang="zh-CN" altLang="en-US" dirty="0"/>
           </a:p>
         </p:txBody>
@@ -4188,7 +4405,7 @@
           <p:cNvPr id="2" name="标题 1">
             <a:extLst>
               <a:ext uri="{FF2B5EF4-FFF2-40B4-BE49-F238E27FC236}">
-                <a16:creationId xmlns:a16="http://schemas.microsoft.com/office/drawing/2014/main" id="{4BC9CF7B-F16A-4232-B903-9E181D1E8514}"/>
+                <a16:creationId xmlns:a16="http://schemas.microsoft.com/office/drawing/2014/main" id="{4670CB31-53FB-4E0F-9B3E-C7AF918280AC}"/>
               </a:ext>
             </a:extLst>
           </p:cNvPr>
@@ -4226,9 +4443,16 @@
                   <a:srgbClr val="FF0000"/>
                 </a:solidFill>
               </a:rPr>
-              <a:t>3</a:t>
-            </a:r>
-            <a:endParaRPr lang="zh-CN" altLang="en-US" dirty="0"/>
+              <a:t>2-</a:t>
+            </a:r>
+            <a:r>
+              <a:rPr lang="zh-CN" altLang="en-US" dirty="0">
+                <a:solidFill>
+                  <a:srgbClr val="FF0000"/>
+                </a:solidFill>
+              </a:rPr>
+              <a:t>资源管理</a:t>
+            </a:r>
           </a:p>
         </p:txBody>
       </p:sp>
@@ -4237,7 +4461,7 @@
           <p:cNvPr id="3" name="内容占位符 2">
             <a:extLst>
               <a:ext uri="{FF2B5EF4-FFF2-40B4-BE49-F238E27FC236}">
-                <a16:creationId xmlns:a16="http://schemas.microsoft.com/office/drawing/2014/main" id="{B34E759B-6DE0-4811-8073-14D41EA41DAB}"/>
+                <a16:creationId xmlns:a16="http://schemas.microsoft.com/office/drawing/2014/main" id="{3C22F3F7-213F-4065-AADB-E80E5448D7BB}"/>
               </a:ext>
             </a:extLst>
           </p:cNvPr>
@@ -4255,82 +4479,23 @@
           <a:p>
             <a:r>
               <a:rPr lang="en-US" altLang="zh-CN" dirty="0"/>
-              <a:t>GOF 23</a:t>
-            </a:r>
-          </a:p>
-          <a:p>
-            <a:pPr lvl="1"/>
-            <a:r>
-              <a:rPr lang="zh-CN" altLang="en-US" sz="2400" dirty="0"/>
-              <a:t>为什么你想不到模式呢？</a:t>
-            </a:r>
-            <a:r>
-              <a:rPr lang="en-US" altLang="zh-CN" sz="2400" dirty="0"/>
-              <a:t>1 </a:t>
-            </a:r>
-            <a:r>
-              <a:rPr lang="zh-CN" altLang="en-US" sz="2400" dirty="0"/>
-              <a:t>缺少抽象，没有建模思想  </a:t>
-            </a:r>
-            <a:r>
-              <a:rPr lang="en-US" altLang="zh-CN" sz="2400" dirty="0"/>
-              <a:t>2 </a:t>
-            </a:r>
-            <a:r>
-              <a:rPr lang="zh-CN" altLang="en-US" sz="2400" dirty="0"/>
-              <a:t>对</a:t>
-            </a:r>
-            <a:r>
-              <a:rPr lang="en-US" altLang="zh-CN" sz="2400" dirty="0"/>
-              <a:t>23</a:t>
-            </a:r>
-            <a:r>
-              <a:rPr lang="zh-CN" altLang="en-US" sz="2400" dirty="0"/>
-              <a:t>种设计模式不熟悉 </a:t>
-            </a:r>
-            <a:endParaRPr lang="en-US" altLang="zh-CN" sz="2400" dirty="0"/>
-          </a:p>
-          <a:p>
-            <a:pPr lvl="1"/>
-            <a:r>
-              <a:rPr lang="zh-CN" altLang="en-US" sz="2400" dirty="0"/>
-              <a:t>加密机创建是单例，调用加密机和</a:t>
-            </a:r>
-            <a:r>
-              <a:rPr lang="en-US" altLang="zh-CN" sz="2400" dirty="0" err="1"/>
-              <a:t>hicoin</a:t>
-            </a:r>
-            <a:r>
-              <a:rPr lang="zh-CN" altLang="en-US" sz="2400" dirty="0"/>
-              <a:t>是</a:t>
-            </a:r>
-            <a:r>
-              <a:rPr lang="en-US" altLang="zh-CN" sz="2400" dirty="0"/>
-              <a:t>facade</a:t>
-            </a:r>
-          </a:p>
-          <a:p>
-            <a:pPr lvl="1"/>
-            <a:r>
-              <a:rPr lang="zh-CN" altLang="en-US" sz="2400" dirty="0"/>
-              <a:t>口诀：</a:t>
-            </a:r>
-            <a:endParaRPr lang="en-US" altLang="zh-CN" sz="2400" dirty="0"/>
-          </a:p>
-          <a:p>
-            <a:pPr lvl="1"/>
-            <a:r>
-              <a:rPr lang="en-US" altLang="zh-CN" sz="2400" dirty="0"/>
-              <a:t>23</a:t>
-            </a:r>
-            <a:r>
-              <a:rPr lang="zh-CN" altLang="en-US" sz="2400" dirty="0"/>
-              <a:t>种设计模式使用场景全部背下来，别去理解。</a:t>
-            </a:r>
-            <a:endParaRPr lang="en-US" altLang="zh-CN" sz="2400" dirty="0"/>
-          </a:p>
-          <a:p>
-            <a:pPr lvl="1"/>
+              <a:t>Resource Pattern</a:t>
+            </a:r>
+          </a:p>
+          <a:p>
+            <a:endParaRPr lang="en-US" altLang="zh-CN" dirty="0"/>
+          </a:p>
+          <a:p>
+            <a:endParaRPr lang="en-US" altLang="zh-CN" dirty="0"/>
+          </a:p>
+          <a:p>
+            <a:endParaRPr lang="en-US" altLang="zh-CN" dirty="0"/>
+          </a:p>
+          <a:p>
+            <a:r>
+              <a:rPr lang="en-US" altLang="zh-CN" dirty="0"/>
+              <a:t>Cache Pattern</a:t>
+            </a:r>
             <a:endParaRPr lang="zh-CN" altLang="en-US" dirty="0"/>
           </a:p>
         </p:txBody>
@@ -4338,7 +4503,7 @@
     </p:spTree>
     <p:extLst>
       <p:ext uri="{BB962C8B-B14F-4D97-AF65-F5344CB8AC3E}">
-        <p14:creationId xmlns:p14="http://schemas.microsoft.com/office/powerpoint/2010/main" val="808817118"/>
+        <p14:creationId xmlns:p14="http://schemas.microsoft.com/office/powerpoint/2010/main" val="180097172"/>
       </p:ext>
     </p:extLst>
   </p:cSld>
@@ -4370,7 +4535,7 @@
           <p:cNvPr id="2" name="标题 1">
             <a:extLst>
               <a:ext uri="{FF2B5EF4-FFF2-40B4-BE49-F238E27FC236}">
-                <a16:creationId xmlns:a16="http://schemas.microsoft.com/office/drawing/2014/main" id="{81C915D7-3C1E-4E5A-86F1-CDADE45C0203}"/>
+                <a16:creationId xmlns:a16="http://schemas.microsoft.com/office/drawing/2014/main" id="{4BC9CF7B-F16A-4232-B903-9E181D1E8514}"/>
               </a:ext>
             </a:extLst>
           </p:cNvPr>
@@ -4392,13 +4557,33 @@
                   <a:srgbClr val="FF0000"/>
                 </a:solidFill>
               </a:rPr>
-              <a:t>OOAD</a:t>
-            </a:r>
-            <a:endParaRPr lang="zh-CN" altLang="en-US" dirty="0">
-              <a:solidFill>
-                <a:srgbClr val="FF0000"/>
-              </a:solidFill>
-            </a:endParaRPr>
+              <a:t>Pattern</a:t>
+            </a:r>
+            <a:r>
+              <a:rPr lang="zh-CN" altLang="en-US" dirty="0">
+                <a:solidFill>
+                  <a:srgbClr val="FF0000"/>
+                </a:solidFill>
+              </a:rPr>
+              <a:t>场景</a:t>
+            </a:r>
+            <a:r>
+              <a:rPr lang="en-US" altLang="zh-CN" dirty="0">
+                <a:solidFill>
+                  <a:srgbClr val="FF0000"/>
+                </a:solidFill>
+              </a:rPr>
+              <a:t>3-</a:t>
+            </a:r>
+            <a:r>
+              <a:rPr lang="zh-CN" altLang="en-US" dirty="0">
+                <a:solidFill>
+                  <a:srgbClr val="FF0000"/>
+                </a:solidFill>
+              </a:rPr>
+              <a:t>设计模式</a:t>
+            </a:r>
+            <a:endParaRPr lang="zh-CN" altLang="en-US" dirty="0"/>
           </a:p>
         </p:txBody>
       </p:sp>
@@ -4407,7 +4592,7 @@
           <p:cNvPr id="3" name="内容占位符 2">
             <a:extLst>
               <a:ext uri="{FF2B5EF4-FFF2-40B4-BE49-F238E27FC236}">
-                <a16:creationId xmlns:a16="http://schemas.microsoft.com/office/drawing/2014/main" id="{6FEE6E2C-6CE0-4C29-9BFD-BDAA8E279F0A}"/>
+                <a16:creationId xmlns:a16="http://schemas.microsoft.com/office/drawing/2014/main" id="{B34E759B-6DE0-4811-8073-14D41EA41DAB}"/>
               </a:ext>
             </a:extLst>
           </p:cNvPr>
@@ -4423,64 +4608,92 @@
           <a:bodyPr/>
           <a:lstStyle/>
           <a:p>
-            <a:pPr marL="0" indent="0">
-              <a:buNone/>
-            </a:pPr>
-            <a:r>
-              <a:rPr lang="zh-CN" altLang="en-US" dirty="0"/>
-              <a:t>思想：</a:t>
-            </a:r>
-            <a:endParaRPr lang="en-US" altLang="zh-CN" dirty="0"/>
-          </a:p>
-          <a:p>
-            <a:r>
-              <a:rPr lang="en-US" altLang="zh-CN" dirty="0"/>
-              <a:t>1   </a:t>
-            </a:r>
-            <a:r>
-              <a:rPr lang="zh-CN" altLang="en-US" dirty="0"/>
-              <a:t>抽象</a:t>
-            </a:r>
-            <a:endParaRPr lang="en-US" altLang="zh-CN" dirty="0"/>
-          </a:p>
-          <a:p>
-            <a:r>
-              <a:rPr lang="en-US" altLang="zh-CN" dirty="0"/>
-              <a:t>2   </a:t>
-            </a:r>
-            <a:r>
-              <a:rPr lang="zh-CN" altLang="en-US" dirty="0"/>
-              <a:t>封装</a:t>
-            </a:r>
-            <a:endParaRPr lang="en-US" altLang="zh-CN" dirty="0"/>
-          </a:p>
-          <a:p>
-            <a:r>
-              <a:rPr lang="en-US" altLang="zh-CN" dirty="0"/>
-              <a:t>3   </a:t>
-            </a:r>
-            <a:r>
-              <a:rPr lang="zh-CN" altLang="en-US" dirty="0"/>
-              <a:t>模块化</a:t>
-            </a:r>
-            <a:endParaRPr lang="en-US" altLang="zh-CN" dirty="0"/>
-          </a:p>
-          <a:p>
-            <a:r>
-              <a:rPr lang="en-US" altLang="zh-CN" dirty="0"/>
-              <a:t>4   </a:t>
-            </a:r>
-            <a:r>
-              <a:rPr lang="zh-CN" altLang="en-US" dirty="0"/>
-              <a:t>层次化</a:t>
-            </a:r>
+            <a:r>
+              <a:rPr lang="en-US" altLang="zh-CN" dirty="0"/>
+              <a:t>GOF 23</a:t>
+            </a:r>
+          </a:p>
+          <a:p>
+            <a:pPr lvl="1"/>
+            <a:r>
+              <a:rPr lang="zh-CN" altLang="en-US" sz="2400" dirty="0"/>
+              <a:t>为什么你想不到模式呢？</a:t>
+            </a:r>
+            <a:r>
+              <a:rPr lang="en-US" altLang="zh-CN" sz="2400" dirty="0"/>
+              <a:t>1 </a:t>
+            </a:r>
+            <a:r>
+              <a:rPr lang="zh-CN" altLang="en-US" sz="2400" dirty="0"/>
+              <a:t>缺少抽象，没有建模思想  </a:t>
+            </a:r>
+            <a:r>
+              <a:rPr lang="en-US" altLang="zh-CN" sz="2400" dirty="0"/>
+              <a:t>2 </a:t>
+            </a:r>
+            <a:r>
+              <a:rPr lang="zh-CN" altLang="en-US" sz="2400" dirty="0"/>
+              <a:t>对</a:t>
+            </a:r>
+            <a:r>
+              <a:rPr lang="en-US" altLang="zh-CN" sz="2400" dirty="0"/>
+              <a:t>23</a:t>
+            </a:r>
+            <a:r>
+              <a:rPr lang="zh-CN" altLang="en-US" sz="2400" dirty="0"/>
+              <a:t>种设计模式不熟悉 </a:t>
+            </a:r>
+            <a:endParaRPr lang="en-US" altLang="zh-CN" sz="2400" dirty="0"/>
+          </a:p>
+          <a:p>
+            <a:pPr lvl="1"/>
+            <a:r>
+              <a:rPr lang="zh-CN" altLang="en-US" sz="2400" dirty="0"/>
+              <a:t>加密机创建是单例，调用加密机和</a:t>
+            </a:r>
+            <a:r>
+              <a:rPr lang="en-US" altLang="zh-CN" sz="2400" dirty="0" err="1"/>
+              <a:t>hicoin</a:t>
+            </a:r>
+            <a:r>
+              <a:rPr lang="zh-CN" altLang="en-US" sz="2400" dirty="0"/>
+              <a:t>是</a:t>
+            </a:r>
+            <a:r>
+              <a:rPr lang="en-US" altLang="zh-CN" sz="2400" dirty="0"/>
+              <a:t>facade</a:t>
+            </a:r>
+          </a:p>
+          <a:p>
+            <a:pPr lvl="1"/>
+            <a:r>
+              <a:rPr lang="zh-CN" altLang="en-US" sz="2400" dirty="0"/>
+              <a:t>口诀：</a:t>
+            </a:r>
+            <a:endParaRPr lang="en-US" altLang="zh-CN" sz="2400" dirty="0"/>
+          </a:p>
+          <a:p>
+            <a:pPr lvl="1"/>
+            <a:r>
+              <a:rPr lang="en-US" altLang="zh-CN" sz="2400" dirty="0"/>
+              <a:t>23</a:t>
+            </a:r>
+            <a:r>
+              <a:rPr lang="zh-CN" altLang="en-US" sz="2400" dirty="0"/>
+              <a:t>种设计模式使用场景全部背下来，别去理解。</a:t>
+            </a:r>
+            <a:endParaRPr lang="en-US" altLang="zh-CN" sz="2400" dirty="0"/>
+          </a:p>
+          <a:p>
+            <a:pPr lvl="1"/>
+            <a:endParaRPr lang="zh-CN" altLang="en-US" dirty="0"/>
           </a:p>
         </p:txBody>
       </p:sp>
     </p:spTree>
     <p:extLst>
       <p:ext uri="{BB962C8B-B14F-4D97-AF65-F5344CB8AC3E}">
-        <p14:creationId xmlns:p14="http://schemas.microsoft.com/office/powerpoint/2010/main" val="1929298803"/>
+        <p14:creationId xmlns:p14="http://schemas.microsoft.com/office/powerpoint/2010/main" val="808817118"/>
       </p:ext>
     </p:extLst>
   </p:cSld>
@@ -4512,7 +4725,7 @@
           <p:cNvPr id="2" name="标题 1">
             <a:extLst>
               <a:ext uri="{FF2B5EF4-FFF2-40B4-BE49-F238E27FC236}">
-                <a16:creationId xmlns:a16="http://schemas.microsoft.com/office/drawing/2014/main" id="{855D5FD8-7AE2-4BFA-8003-6A82D9C666C7}"/>
+                <a16:creationId xmlns:a16="http://schemas.microsoft.com/office/drawing/2014/main" id="{81C915D7-3C1E-4E5A-86F1-CDADE45C0203}"/>
               </a:ext>
             </a:extLst>
           </p:cNvPr>
@@ -4536,22 +4749,6 @@
               </a:rPr>
               <a:t>OOAD</a:t>
             </a:r>
-            <a:r>
-              <a:rPr lang="zh-CN" altLang="en-US" dirty="0">
-                <a:solidFill>
-                  <a:srgbClr val="FF0000"/>
-                </a:solidFill>
-              </a:rPr>
-              <a:t>场景</a:t>
-            </a:r>
-            <a:r>
-              <a:rPr lang="en-US" altLang="zh-CN" dirty="0">
-                <a:solidFill>
-                  <a:srgbClr val="FF0000"/>
-                </a:solidFill>
-              </a:rPr>
-              <a:t>1</a:t>
-            </a:r>
             <a:endParaRPr lang="zh-CN" altLang="en-US" dirty="0">
               <a:solidFill>
                 <a:srgbClr val="FF0000"/>
@@ -4565,7 +4762,7 @@
           <p:cNvPr id="3" name="内容占位符 2">
             <a:extLst>
               <a:ext uri="{FF2B5EF4-FFF2-40B4-BE49-F238E27FC236}">
-                <a16:creationId xmlns:a16="http://schemas.microsoft.com/office/drawing/2014/main" id="{D017DDCF-3972-4D9F-A03D-0144BB666B0D}"/>
+                <a16:creationId xmlns:a16="http://schemas.microsoft.com/office/drawing/2014/main" id="{6FEE6E2C-6CE0-4C29-9BFD-BDAA8E279F0A}"/>
               </a:ext>
             </a:extLst>
           </p:cNvPr>
@@ -4578,53 +4775,155 @@
         </p:nvSpPr>
         <p:spPr/>
         <p:txBody>
-          <a:bodyPr/>
-          <a:lstStyle/>
-          <a:p>
-            <a:r>
-              <a:rPr lang="en-US" altLang="zh-CN" dirty="0"/>
-              <a:t>@Refactor Project</a:t>
-            </a:r>
-          </a:p>
-          <a:p>
-            <a:r>
-              <a:rPr lang="en-US" altLang="zh-CN" dirty="0" err="1"/>
-              <a:t>OOA:Peter</a:t>
-            </a:r>
-            <a:r>
-              <a:rPr lang="en-US" altLang="zh-CN" dirty="0"/>
-              <a:t> Code</a:t>
-            </a:r>
-            <a:r>
-              <a:rPr lang="zh-CN" altLang="en-US" dirty="0"/>
-              <a:t>四色模型，</a:t>
-            </a:r>
-            <a:r>
-              <a:rPr lang="en-US" altLang="zh-CN" dirty="0"/>
-              <a:t>CRC</a:t>
-            </a:r>
-            <a:r>
-              <a:rPr lang="zh-CN" altLang="en-US" dirty="0"/>
-              <a:t>卡</a:t>
+          <a:bodyPr>
+            <a:normAutofit fontScale="92500" lnSpcReduction="20000"/>
+          </a:bodyPr>
+          <a:lstStyle/>
+          <a:p>
+            <a:pPr marL="0" indent="0">
+              <a:buNone/>
+            </a:pPr>
+            <a:r>
+              <a:rPr lang="zh-CN" altLang="en-US" dirty="0"/>
+              <a:t>思想核心：分类思想</a:t>
             </a:r>
             <a:endParaRPr lang="en-US" altLang="zh-CN" dirty="0"/>
           </a:p>
           <a:p>
             <a:r>
-              <a:rPr lang="en-US" altLang="zh-CN" dirty="0"/>
-              <a:t>OOD</a:t>
-            </a:r>
-            <a:r>
-              <a:rPr lang="zh-CN" altLang="en-US"/>
-              <a:t>：设计模式</a:t>
-            </a:r>
+              <a:rPr lang="en-US" altLang="zh-CN" sz="2000" dirty="0"/>
+              <a:t>1   </a:t>
+            </a:r>
+            <a:r>
+              <a:rPr lang="zh-CN" altLang="en-US" sz="2000" dirty="0"/>
+              <a:t>抽象</a:t>
+            </a:r>
+            <a:endParaRPr lang="en-US" altLang="zh-CN" sz="2000" dirty="0"/>
+          </a:p>
+          <a:p>
+            <a:r>
+              <a:rPr lang="en-US" altLang="zh-CN" sz="2000" dirty="0"/>
+              <a:t>2   </a:t>
+            </a:r>
+            <a:r>
+              <a:rPr lang="zh-CN" altLang="en-US" sz="2000" dirty="0"/>
+              <a:t>封装</a:t>
+            </a:r>
+            <a:endParaRPr lang="en-US" altLang="zh-CN" sz="2000" dirty="0"/>
+          </a:p>
+          <a:p>
+            <a:r>
+              <a:rPr lang="en-US" altLang="zh-CN" sz="2000" dirty="0"/>
+              <a:t>3   </a:t>
+            </a:r>
+            <a:r>
+              <a:rPr lang="zh-CN" altLang="en-US" sz="2000" dirty="0"/>
+              <a:t>模块化</a:t>
+            </a:r>
+            <a:endParaRPr lang="en-US" altLang="zh-CN" sz="2000" dirty="0"/>
+          </a:p>
+          <a:p>
+            <a:r>
+              <a:rPr lang="en-US" altLang="zh-CN" sz="2000" dirty="0"/>
+              <a:t>4   </a:t>
+            </a:r>
+            <a:r>
+              <a:rPr lang="zh-CN" altLang="en-US" sz="2000" dirty="0"/>
+              <a:t>层次化</a:t>
+            </a:r>
+            <a:endParaRPr lang="en-US" altLang="zh-CN" sz="2000" dirty="0"/>
+          </a:p>
+          <a:p>
+            <a:endParaRPr lang="en-US" altLang="zh-CN" sz="2000" dirty="0"/>
+          </a:p>
+          <a:p>
+            <a:r>
+              <a:rPr lang="en-US" altLang="zh-CN" sz="2000" dirty="0"/>
+              <a:t>OO</a:t>
+            </a:r>
+          </a:p>
+          <a:p>
+            <a:r>
+              <a:rPr lang="zh-CN" altLang="en-US" sz="2000" dirty="0"/>
+              <a:t>封装，继承，多态，组合</a:t>
+            </a:r>
+            <a:endParaRPr lang="en-US" altLang="zh-CN" sz="2000" dirty="0"/>
+          </a:p>
+          <a:p>
+            <a:endParaRPr lang="en-US" altLang="zh-CN" sz="2000" dirty="0"/>
+          </a:p>
+          <a:p>
+            <a:r>
+              <a:rPr lang="en-US" altLang="zh-CN" sz="2000" dirty="0"/>
+              <a:t>OOA</a:t>
+            </a:r>
+            <a:r>
+              <a:rPr lang="zh-CN" altLang="en-US" sz="2000" dirty="0"/>
+              <a:t>：从问题域词汇表确定类</a:t>
+            </a:r>
+            <a:r>
+              <a:rPr lang="en-US" altLang="zh-CN" sz="2000" dirty="0"/>
+              <a:t>(</a:t>
+            </a:r>
+            <a:r>
+              <a:rPr lang="zh-CN" altLang="en-US" sz="2000" dirty="0"/>
+              <a:t>关键抽象</a:t>
+            </a:r>
+            <a:r>
+              <a:rPr lang="en-US" altLang="zh-CN" sz="2000" dirty="0"/>
+              <a:t>)</a:t>
+            </a:r>
+            <a:r>
+              <a:rPr lang="zh-CN" altLang="en-US" sz="2000" dirty="0"/>
+              <a:t>，创建协作结构</a:t>
+            </a:r>
+            <a:r>
+              <a:rPr lang="en-US" altLang="zh-CN" sz="2000" dirty="0"/>
+              <a:t>(</a:t>
+            </a:r>
+            <a:r>
+              <a:rPr lang="zh-CN" altLang="en-US" sz="2000" dirty="0"/>
+              <a:t>机制</a:t>
+            </a:r>
+            <a:r>
+              <a:rPr lang="en-US" altLang="zh-CN" sz="2000" dirty="0"/>
+              <a:t>)</a:t>
+            </a:r>
+            <a:r>
+              <a:rPr lang="zh-CN" altLang="en-US" sz="2000" dirty="0"/>
+              <a:t>，多组对象一起工作，满足需求，</a:t>
+            </a:r>
+            <a:endParaRPr lang="en-US" altLang="zh-CN" sz="2000" dirty="0"/>
+          </a:p>
+          <a:p>
+            <a:endParaRPr lang="en-US" altLang="zh-CN" sz="2000" dirty="0"/>
+          </a:p>
+          <a:p>
+            <a:r>
+              <a:rPr lang="en-US" altLang="zh-CN" sz="2000" dirty="0"/>
+              <a:t>OOP:</a:t>
+            </a:r>
+          </a:p>
+          <a:p>
+            <a:r>
+              <a:rPr lang="zh-CN" altLang="en-US" sz="2000" dirty="0"/>
+              <a:t>类，接口，抽象类</a:t>
+            </a:r>
+            <a:endParaRPr lang="en-US" altLang="zh-CN" sz="2000" dirty="0"/>
+          </a:p>
+          <a:p>
+            <a:endParaRPr lang="en-US" altLang="zh-CN" sz="2000" dirty="0"/>
+          </a:p>
+          <a:p>
+            <a:pPr marL="0" indent="0">
+              <a:buNone/>
+            </a:pPr>
+            <a:endParaRPr lang="en-US" altLang="zh-CN" sz="2000" dirty="0"/>
+          </a:p>
+          <a:p>
             <a:endParaRPr lang="en-US" altLang="zh-CN" dirty="0"/>
           </a:p>
           <a:p>
-            <a:r>
-              <a:rPr lang="en-US" altLang="zh-CN" dirty="0"/>
-              <a:t>OOP</a:t>
-            </a:r>
             <a:endParaRPr lang="zh-CN" altLang="en-US" dirty="0"/>
           </a:p>
         </p:txBody>
@@ -4632,7 +4931,7 @@
     </p:spTree>
     <p:extLst>
       <p:ext uri="{BB962C8B-B14F-4D97-AF65-F5344CB8AC3E}">
-        <p14:creationId xmlns:p14="http://schemas.microsoft.com/office/powerpoint/2010/main" val="3646179414"/>
+        <p14:creationId xmlns:p14="http://schemas.microsoft.com/office/powerpoint/2010/main" val="1929298803"/>
       </p:ext>
     </p:extLst>
   </p:cSld>
@@ -4664,7 +4963,7 @@
           <p:cNvPr id="2" name="标题 1">
             <a:extLst>
               <a:ext uri="{FF2B5EF4-FFF2-40B4-BE49-F238E27FC236}">
-                <a16:creationId xmlns:a16="http://schemas.microsoft.com/office/drawing/2014/main" id="{477F4DC3-A261-454F-8FF6-9308A049EFBE}"/>
+                <a16:creationId xmlns:a16="http://schemas.microsoft.com/office/drawing/2014/main" id="{0CB71D8E-4B1C-4417-812A-5FF35F14D2C2}"/>
               </a:ext>
             </a:extLst>
           </p:cNvPr>
@@ -4681,28 +4980,8 @@
           <a:lstStyle/>
           <a:p>
             <a:r>
-              <a:rPr lang="en-US" altLang="zh-CN" dirty="0">
-                <a:solidFill>
-                  <a:srgbClr val="FF0000"/>
-                </a:solidFill>
-              </a:rPr>
-              <a:t>OOAD</a:t>
-            </a:r>
-            <a:r>
-              <a:rPr lang="zh-CN" altLang="en-US" dirty="0">
-                <a:solidFill>
-                  <a:srgbClr val="FF0000"/>
-                </a:solidFill>
-              </a:rPr>
-              <a:t>场景</a:t>
-            </a:r>
-            <a:r>
-              <a:rPr lang="en-US" altLang="zh-CN" dirty="0">
-                <a:solidFill>
-                  <a:srgbClr val="FF0000"/>
-                </a:solidFill>
-              </a:rPr>
-              <a:t>2</a:t>
+              <a:rPr lang="en-US" altLang="zh-CN" dirty="0"/>
+              <a:t>OOA</a:t>
             </a:r>
             <a:endParaRPr lang="zh-CN" altLang="en-US" dirty="0"/>
           </a:p>
@@ -4713,7 +4992,7 @@
           <p:cNvPr id="3" name="内容占位符 2">
             <a:extLst>
               <a:ext uri="{FF2B5EF4-FFF2-40B4-BE49-F238E27FC236}">
-                <a16:creationId xmlns:a16="http://schemas.microsoft.com/office/drawing/2014/main" id="{E1DC7A37-F20A-4993-97DC-6590A5691A78}"/>
+                <a16:creationId xmlns:a16="http://schemas.microsoft.com/office/drawing/2014/main" id="{68FDA2F3-AEDA-4DF5-9327-9B95DBB64A37}"/>
               </a:ext>
             </a:extLst>
           </p:cNvPr>
@@ -4731,14 +5010,48 @@
           <a:p>
             <a:r>
               <a:rPr lang="zh-CN" altLang="en-US" dirty="0"/>
-              <a:t>书和书架？</a:t>
+              <a:t>经典方法</a:t>
             </a:r>
             <a:endParaRPr lang="en-US" altLang="zh-CN" dirty="0"/>
           </a:p>
           <a:p>
             <a:r>
               <a:rPr lang="zh-CN" altLang="en-US" dirty="0"/>
-              <a:t>把大象放进冰箱有几步？</a:t>
+              <a:t>行为分析</a:t>
+            </a:r>
+            <a:endParaRPr lang="en-US" altLang="zh-CN" dirty="0"/>
+          </a:p>
+          <a:p>
+            <a:r>
+              <a:rPr lang="zh-CN" altLang="en-US" dirty="0"/>
+              <a:t>领域分析</a:t>
+            </a:r>
+            <a:endParaRPr lang="en-US" altLang="zh-CN" dirty="0"/>
+          </a:p>
+          <a:p>
+            <a:r>
+              <a:rPr lang="zh-CN" altLang="en-US" dirty="0"/>
+              <a:t>用例分析</a:t>
+            </a:r>
+            <a:endParaRPr lang="en-US" altLang="zh-CN" dirty="0"/>
+          </a:p>
+          <a:p>
+            <a:r>
+              <a:rPr lang="en-US" altLang="zh-CN" dirty="0"/>
+              <a:t>CRC</a:t>
+            </a:r>
+          </a:p>
+          <a:p>
+            <a:r>
+              <a:rPr lang="zh-CN" altLang="en-US" dirty="0"/>
+              <a:t>非正式描述</a:t>
+            </a:r>
+            <a:endParaRPr lang="en-US" altLang="zh-CN" dirty="0"/>
+          </a:p>
+          <a:p>
+            <a:r>
+              <a:rPr lang="zh-CN" altLang="en-US" dirty="0"/>
+              <a:t>结构化分析</a:t>
             </a:r>
           </a:p>
         </p:txBody>
@@ -4746,7 +5059,7 @@
     </p:spTree>
     <p:extLst>
       <p:ext uri="{BB962C8B-B14F-4D97-AF65-F5344CB8AC3E}">
-        <p14:creationId xmlns:p14="http://schemas.microsoft.com/office/powerpoint/2010/main" val="423398469"/>
+        <p14:creationId xmlns:p14="http://schemas.microsoft.com/office/powerpoint/2010/main" val="1604052164"/>
       </p:ext>
     </p:extLst>
   </p:cSld>
@@ -4778,7 +5091,7 @@
           <p:cNvPr id="2" name="标题 1">
             <a:extLst>
               <a:ext uri="{FF2B5EF4-FFF2-40B4-BE49-F238E27FC236}">
-                <a16:creationId xmlns:a16="http://schemas.microsoft.com/office/drawing/2014/main" id="{B3E13A93-E12A-4A96-B0FC-2AC75B306E49}"/>
+                <a16:creationId xmlns:a16="http://schemas.microsoft.com/office/drawing/2014/main" id="{855D5FD8-7AE2-4BFA-8003-6A82D9C666C7}"/>
               </a:ext>
             </a:extLst>
           </p:cNvPr>
@@ -4816,9 +5129,16 @@
                   <a:srgbClr val="FF0000"/>
                 </a:solidFill>
               </a:rPr>
-              <a:t>3</a:t>
-            </a:r>
-            <a:endParaRPr lang="zh-CN" altLang="en-US" dirty="0"/>
+              <a:t>1-</a:t>
+            </a:r>
+            <a:r>
+              <a:rPr lang="zh-CN" altLang="en-US" dirty="0">
+                <a:solidFill>
+                  <a:srgbClr val="FF0000"/>
+                </a:solidFill>
+              </a:rPr>
+              <a:t>重构</a:t>
+            </a:r>
           </a:p>
         </p:txBody>
       </p:sp>
@@ -4827,7 +5147,7 @@
           <p:cNvPr id="3" name="内容占位符 2">
             <a:extLst>
               <a:ext uri="{FF2B5EF4-FFF2-40B4-BE49-F238E27FC236}">
-                <a16:creationId xmlns:a16="http://schemas.microsoft.com/office/drawing/2014/main" id="{4934ECD7-8E2F-4846-8EAE-4809BA2CE033}"/>
+                <a16:creationId xmlns:a16="http://schemas.microsoft.com/office/drawing/2014/main" id="{D017DDCF-3972-4D9F-A03D-0144BB666B0D}"/>
               </a:ext>
             </a:extLst>
           </p:cNvPr>
@@ -4840,20 +5160,134 @@
         </p:nvSpPr>
         <p:spPr/>
         <p:txBody>
-          <a:bodyPr/>
-          <a:lstStyle/>
-          <a:p>
-            <a:r>
-              <a:rPr lang="zh-CN" altLang="en-US" dirty="0"/>
-              <a:t>模块化</a:t>
-            </a:r>
+          <a:bodyPr>
+            <a:normAutofit fontScale="92500" lnSpcReduction="20000"/>
+          </a:bodyPr>
+          <a:lstStyle/>
+          <a:p>
+            <a:r>
+              <a:rPr lang="en-US" altLang="zh-CN" dirty="0"/>
+              <a:t>@Refactor Project </a:t>
+            </a:r>
+          </a:p>
+          <a:p>
+            <a:r>
+              <a:rPr lang="en-US" altLang="zh-CN" dirty="0">
+                <a:hlinkClick r:id="rId3"/>
+              </a:rPr>
+              <a:t>https://github.com/xiaozhiliaoo/refactor</a:t>
+            </a:r>
+            <a:endParaRPr lang="en-US" altLang="zh-CN" dirty="0"/>
+          </a:p>
+          <a:p>
+            <a:r>
+              <a:rPr lang="en-US" altLang="zh-CN" dirty="0"/>
+              <a:t>&lt;dependency&gt;</a:t>
+            </a:r>
+          </a:p>
+          <a:p>
+            <a:r>
+              <a:rPr lang="en-US" altLang="zh-CN" dirty="0"/>
+              <a:t>    &lt;</a:t>
+            </a:r>
+            <a:r>
+              <a:rPr lang="en-US" altLang="zh-CN" dirty="0" err="1"/>
+              <a:t>groupId</a:t>
+            </a:r>
+            <a:r>
+              <a:rPr lang="en-US" altLang="zh-CN" dirty="0"/>
+              <a:t>&gt;</a:t>
+            </a:r>
+            <a:r>
+              <a:rPr lang="en-US" altLang="zh-CN" dirty="0" err="1"/>
+              <a:t>com.github.xiaozhiliaoo</a:t>
+            </a:r>
+            <a:r>
+              <a:rPr lang="en-US" altLang="zh-CN" dirty="0"/>
+              <a:t>&lt;/</a:t>
+            </a:r>
+            <a:r>
+              <a:rPr lang="en-US" altLang="zh-CN" dirty="0" err="1"/>
+              <a:t>groupId</a:t>
+            </a:r>
+            <a:r>
+              <a:rPr lang="en-US" altLang="zh-CN" dirty="0"/>
+              <a:t>&gt;</a:t>
+            </a:r>
+          </a:p>
+          <a:p>
+            <a:r>
+              <a:rPr lang="en-US" altLang="zh-CN" dirty="0"/>
+              <a:t>    &lt;</a:t>
+            </a:r>
+            <a:r>
+              <a:rPr lang="en-US" altLang="zh-CN" dirty="0" err="1"/>
+              <a:t>artifactId</a:t>
+            </a:r>
+            <a:r>
+              <a:rPr lang="en-US" altLang="zh-CN" dirty="0"/>
+              <a:t>&gt;refactor&lt;/</a:t>
+            </a:r>
+            <a:r>
+              <a:rPr lang="en-US" altLang="zh-CN" dirty="0" err="1"/>
+              <a:t>artifactId</a:t>
+            </a:r>
+            <a:r>
+              <a:rPr lang="en-US" altLang="zh-CN" dirty="0"/>
+              <a:t>&gt;</a:t>
+            </a:r>
+          </a:p>
+          <a:p>
+            <a:r>
+              <a:rPr lang="en-US" altLang="zh-CN" dirty="0"/>
+              <a:t>    &lt;version&gt;0.0.2&lt;/version&gt;</a:t>
+            </a:r>
+          </a:p>
+          <a:p>
+            <a:r>
+              <a:rPr lang="en-US" altLang="zh-CN" dirty="0"/>
+              <a:t>&lt;/dependency&gt;</a:t>
+            </a:r>
+          </a:p>
+          <a:p>
+            <a:endParaRPr lang="en-US" altLang="zh-CN" dirty="0"/>
+          </a:p>
+          <a:p>
+            <a:r>
+              <a:rPr lang="zh-CN" altLang="en-US" dirty="0"/>
+              <a:t>重复抽象：</a:t>
+            </a:r>
+            <a:r>
+              <a:rPr lang="en-US" altLang="zh-CN" dirty="0" err="1"/>
+              <a:t>pc+app+open</a:t>
+            </a:r>
+            <a:r>
+              <a:rPr lang="en-US" altLang="zh-CN" dirty="0"/>
+              <a:t> format </a:t>
+            </a:r>
+            <a:r>
+              <a:rPr lang="zh-CN" altLang="en-US" dirty="0"/>
+              <a:t>三份代码</a:t>
+            </a:r>
+            <a:endParaRPr lang="en-US" altLang="zh-CN" dirty="0"/>
+          </a:p>
+          <a:p>
+            <a:r>
+              <a:rPr lang="zh-CN" altLang="en-US" dirty="0"/>
+              <a:t>大泥球：</a:t>
+            </a:r>
+            <a:r>
+              <a:rPr lang="en-US" altLang="zh-CN" dirty="0" err="1"/>
+              <a:t>PublicInfo</a:t>
+            </a:r>
+            <a:endParaRPr lang="en-US" altLang="zh-CN" dirty="0"/>
           </a:p>
         </p:txBody>
       </p:sp>
     </p:spTree>
     <p:extLst>
       <p:ext uri="{BB962C8B-B14F-4D97-AF65-F5344CB8AC3E}">
-        <p14:creationId xmlns:p14="http://schemas.microsoft.com/office/powerpoint/2010/main" val="2352643573"/>
+        <p14:creationId xmlns:p14="http://schemas.microsoft.com/office/powerpoint/2010/main" val="3646179414"/>
       </p:ext>
     </p:extLst>
   </p:cSld>
@@ -4885,7 +5319,7 @@
           <p:cNvPr id="2" name="标题 1">
             <a:extLst>
               <a:ext uri="{FF2B5EF4-FFF2-40B4-BE49-F238E27FC236}">
-                <a16:creationId xmlns:a16="http://schemas.microsoft.com/office/drawing/2014/main" id="{05F55633-2EA8-471A-99B3-41F101CA0E07}"/>
+                <a16:creationId xmlns:a16="http://schemas.microsoft.com/office/drawing/2014/main" id="{477F4DC3-A261-454F-8FF6-9308A049EFBE}"/>
               </a:ext>
             </a:extLst>
           </p:cNvPr>
@@ -4907,13 +5341,33 @@
                   <a:srgbClr val="FF0000"/>
                 </a:solidFill>
               </a:rPr>
-              <a:t>DDD</a:t>
-            </a:r>
-            <a:endParaRPr lang="zh-CN" altLang="en-US" dirty="0">
-              <a:solidFill>
-                <a:srgbClr val="FF0000"/>
-              </a:solidFill>
-            </a:endParaRPr>
+              <a:t>OOAD</a:t>
+            </a:r>
+            <a:r>
+              <a:rPr lang="zh-CN" altLang="en-US" dirty="0">
+                <a:solidFill>
+                  <a:srgbClr val="FF0000"/>
+                </a:solidFill>
+              </a:rPr>
+              <a:t>场景</a:t>
+            </a:r>
+            <a:r>
+              <a:rPr lang="en-US" altLang="zh-CN" dirty="0">
+                <a:solidFill>
+                  <a:srgbClr val="FF0000"/>
+                </a:solidFill>
+              </a:rPr>
+              <a:t>2-</a:t>
+            </a:r>
+            <a:r>
+              <a:rPr lang="zh-CN" altLang="en-US" dirty="0">
+                <a:solidFill>
+                  <a:srgbClr val="FF0000"/>
+                </a:solidFill>
+              </a:rPr>
+              <a:t>建模</a:t>
+            </a:r>
+            <a:endParaRPr lang="zh-CN" altLang="en-US" dirty="0"/>
           </a:p>
         </p:txBody>
       </p:sp>
@@ -4922,7 +5376,7 @@
           <p:cNvPr id="3" name="内容占位符 2">
             <a:extLst>
               <a:ext uri="{FF2B5EF4-FFF2-40B4-BE49-F238E27FC236}">
-                <a16:creationId xmlns:a16="http://schemas.microsoft.com/office/drawing/2014/main" id="{619F342B-AF9C-4351-9EC8-8FF006B7A0AF}"/>
+                <a16:creationId xmlns:a16="http://schemas.microsoft.com/office/drawing/2014/main" id="{E1DC7A37-F20A-4993-97DC-6590A5691A78}"/>
               </a:ext>
             </a:extLst>
           </p:cNvPr>
@@ -4939,43 +5393,22 @@
           <a:lstStyle/>
           <a:p>
             <a:r>
-              <a:rPr lang="en-US" altLang="zh-CN" dirty="0"/>
-              <a:t>1  </a:t>
-            </a:r>
-            <a:r>
-              <a:rPr lang="zh-CN" altLang="en-US" dirty="0"/>
-              <a:t>思想</a:t>
+              <a:rPr lang="zh-CN" altLang="en-US" dirty="0"/>
+              <a:t>书和书架关系是什么？</a:t>
             </a:r>
             <a:endParaRPr lang="en-US" altLang="zh-CN" dirty="0"/>
           </a:p>
           <a:p>
+            <a:r>
+              <a:rPr lang="zh-CN" altLang="en-US" dirty="0"/>
+              <a:t>把大象放进冰箱有几步？</a:t>
+            </a:r>
             <a:endParaRPr lang="en-US" altLang="zh-CN" dirty="0"/>
           </a:p>
           <a:p>
             <a:r>
-              <a:rPr lang="en-US" altLang="zh-CN" dirty="0"/>
-              <a:t>2 </a:t>
-            </a:r>
-            <a:r>
-              <a:rPr lang="zh-CN" altLang="en-US" dirty="0"/>
-              <a:t>战略设计</a:t>
-            </a:r>
-            <a:endParaRPr lang="en-US" altLang="zh-CN" dirty="0"/>
-          </a:p>
-          <a:p>
-            <a:pPr marL="0" indent="0">
-              <a:buNone/>
-            </a:pPr>
-            <a:endParaRPr lang="en-US" altLang="zh-CN" dirty="0"/>
-          </a:p>
-          <a:p>
-            <a:r>
-              <a:rPr lang="en-US" altLang="zh-CN" dirty="0"/>
-              <a:t>3  </a:t>
-            </a:r>
-            <a:r>
-              <a:rPr lang="zh-CN" altLang="en-US" dirty="0"/>
-              <a:t>战术设计</a:t>
+              <a:rPr lang="zh-CN" altLang="en-US" dirty="0"/>
+              <a:t>棉花糖是糖，不是棉花。</a:t>
             </a:r>
           </a:p>
         </p:txBody>
@@ -4983,7 +5416,7 @@
     </p:spTree>
     <p:extLst>
       <p:ext uri="{BB962C8B-B14F-4D97-AF65-F5344CB8AC3E}">
-        <p14:creationId xmlns:p14="http://schemas.microsoft.com/office/powerpoint/2010/main" val="2262979625"/>
+        <p14:creationId xmlns:p14="http://schemas.microsoft.com/office/powerpoint/2010/main" val="423398469"/>
       </p:ext>
     </p:extLst>
   </p:cSld>
@@ -5015,7 +5448,7 @@
           <p:cNvPr id="2" name="标题 1">
             <a:extLst>
               <a:ext uri="{FF2B5EF4-FFF2-40B4-BE49-F238E27FC236}">
-                <a16:creationId xmlns:a16="http://schemas.microsoft.com/office/drawing/2014/main" id="{4BC5F6CF-C154-48D6-A821-B664D59FEFB3}"/>
+                <a16:creationId xmlns:a16="http://schemas.microsoft.com/office/drawing/2014/main" id="{B3E13A93-E12A-4A96-B0FC-2AC75B306E49}"/>
               </a:ext>
             </a:extLst>
           </p:cNvPr>
@@ -5032,45 +5465,250 @@
           <a:lstStyle/>
           <a:p>
             <a:r>
+              <a:rPr lang="en-US" altLang="zh-CN" dirty="0">
+                <a:solidFill>
+                  <a:srgbClr val="FF0000"/>
+                </a:solidFill>
+              </a:rPr>
+              <a:t>OOAD</a:t>
+            </a:r>
+            <a:r>
+              <a:rPr lang="zh-CN" altLang="en-US" dirty="0">
+                <a:solidFill>
+                  <a:srgbClr val="FF0000"/>
+                </a:solidFill>
+              </a:rPr>
+              <a:t>场景</a:t>
+            </a:r>
+            <a:r>
+              <a:rPr lang="en-US" altLang="zh-CN" dirty="0">
+                <a:solidFill>
+                  <a:srgbClr val="FF0000"/>
+                </a:solidFill>
+              </a:rPr>
+              <a:t>3-Redis</a:t>
+            </a:r>
+            <a:r>
+              <a:rPr lang="zh-CN" altLang="en-US" dirty="0">
+                <a:solidFill>
+                  <a:srgbClr val="FF0000"/>
+                </a:solidFill>
+              </a:rPr>
+              <a:t>的扩展</a:t>
+            </a:r>
+            <a:endParaRPr lang="zh-CN" altLang="en-US" dirty="0"/>
+          </a:p>
+        </p:txBody>
+      </p:sp>
+      <p:sp>
+        <p:nvSpPr>
+          <p:cNvPr id="3" name="内容占位符 2">
+            <a:extLst>
+              <a:ext uri="{FF2B5EF4-FFF2-40B4-BE49-F238E27FC236}">
+                <a16:creationId xmlns:a16="http://schemas.microsoft.com/office/drawing/2014/main" id="{4934ECD7-8E2F-4846-8EAE-4809BA2CE033}"/>
+              </a:ext>
+            </a:extLst>
+          </p:cNvPr>
+          <p:cNvSpPr>
+            <a:spLocks noGrp="1"/>
+          </p:cNvSpPr>
+          <p:nvPr>
+            <p:ph idx="1"/>
+          </p:nvPr>
+        </p:nvSpPr>
+        <p:spPr/>
+        <p:txBody>
+          <a:bodyPr>
+            <a:normAutofit fontScale="70000" lnSpcReduction="20000"/>
+          </a:bodyPr>
+          <a:lstStyle/>
+          <a:p>
+            <a:r>
+              <a:rPr lang="zh-CN" altLang="en-US" dirty="0"/>
+              <a:t>从</a:t>
+            </a:r>
+            <a:r>
+              <a:rPr lang="en-US" altLang="zh-CN" dirty="0" err="1"/>
+              <a:t>RedisClientTemplate</a:t>
+            </a:r>
+            <a:r>
+              <a:rPr lang="en-US" altLang="zh-CN" dirty="0"/>
+              <a:t> -&gt; </a:t>
+            </a:r>
+            <a:r>
+              <a:rPr lang="en-US" altLang="zh-CN" dirty="0" err="1"/>
+              <a:t>RedisClientTemplate+RedisClientTemplateProxy</a:t>
+            </a:r>
+            <a:r>
+              <a:rPr lang="en-US" altLang="zh-CN" dirty="0"/>
+              <a:t>-&gt; </a:t>
+            </a:r>
+            <a:r>
+              <a:rPr lang="en-US" altLang="zh-CN" dirty="0" err="1"/>
+              <a:t>RedisClientTemplate+RedisClientTemplateProxy+KeyProcessor</a:t>
+            </a:r>
+            <a:r>
+              <a:rPr lang="en-US" altLang="zh-CN" dirty="0"/>
+              <a:t>-&gt;??? </a:t>
+            </a:r>
+            <a:r>
+              <a:rPr lang="zh-CN" altLang="en-US" dirty="0"/>
+              <a:t>依旧很差的设计，缺少机制的设计</a:t>
+            </a:r>
+            <a:r>
+              <a:rPr lang="en-US" altLang="zh-CN" dirty="0"/>
+              <a:t>Proxy</a:t>
+            </a:r>
+            <a:r>
+              <a:rPr lang="zh-CN" altLang="en-US" dirty="0"/>
+              <a:t>和</a:t>
+            </a:r>
+            <a:r>
+              <a:rPr lang="en-US" altLang="zh-CN" dirty="0"/>
+              <a:t>Processor</a:t>
+            </a:r>
+            <a:r>
+              <a:rPr lang="zh-CN" altLang="en-US" dirty="0"/>
+              <a:t>的交互没设计好，拦截器模式是否更好？</a:t>
+            </a:r>
+            <a:endParaRPr lang="en-US" altLang="zh-CN" dirty="0"/>
+          </a:p>
+          <a:p>
+            <a:endParaRPr lang="en-US" altLang="zh-CN" dirty="0"/>
+          </a:p>
+          <a:p>
+            <a:r>
+              <a:rPr lang="zh-CN" altLang="en-US" dirty="0"/>
+              <a:t>实现思考：</a:t>
+            </a:r>
+            <a:endParaRPr lang="en-US" altLang="zh-CN" dirty="0"/>
+          </a:p>
+          <a:p>
+            <a:r>
+              <a:rPr lang="en-US" altLang="zh-CN" dirty="0"/>
+              <a:t>OOA</a:t>
+            </a:r>
+            <a:r>
+              <a:rPr lang="zh-CN" altLang="en-US" dirty="0"/>
+              <a:t>：</a:t>
+            </a:r>
+            <a:r>
+              <a:rPr lang="en-US" altLang="zh-CN" dirty="0"/>
+              <a:t>CRC</a:t>
+            </a:r>
+            <a:r>
+              <a:rPr lang="zh-CN" altLang="en-US" dirty="0"/>
+              <a:t>卡，用例</a:t>
+            </a:r>
+            <a:endParaRPr lang="en-US" altLang="zh-CN" dirty="0"/>
+          </a:p>
+          <a:p>
+            <a:r>
+              <a:rPr lang="en-US" altLang="zh-CN" dirty="0"/>
+              <a:t>OOD</a:t>
+            </a:r>
+            <a:r>
+              <a:rPr lang="zh-CN" altLang="en-US" dirty="0"/>
+              <a:t>：</a:t>
+            </a:r>
+            <a:endParaRPr lang="en-US" altLang="zh-CN" dirty="0"/>
+          </a:p>
+          <a:p>
+            <a:pPr lvl="1"/>
+            <a:r>
               <a:rPr lang="en-US" altLang="zh-CN" dirty="0"/>
               <a:t>1 </a:t>
             </a:r>
             <a:r>
               <a:rPr lang="zh-CN" altLang="en-US" dirty="0"/>
-              <a:t>思想</a:t>
-            </a:r>
-          </a:p>
-        </p:txBody>
-      </p:sp>
-      <p:sp>
-        <p:nvSpPr>
-          <p:cNvPr id="3" name="内容占位符 2">
-            <a:extLst>
-              <a:ext uri="{FF2B5EF4-FFF2-40B4-BE49-F238E27FC236}">
-                <a16:creationId xmlns:a16="http://schemas.microsoft.com/office/drawing/2014/main" id="{92CA505E-0DC5-4952-8AA7-15610F9EEB24}"/>
-              </a:ext>
-            </a:extLst>
-          </p:cNvPr>
-          <p:cNvSpPr>
-            <a:spLocks noGrp="1"/>
-          </p:cNvSpPr>
-          <p:nvPr>
-            <p:ph idx="1"/>
-          </p:nvPr>
-        </p:nvSpPr>
-        <p:spPr/>
-        <p:txBody>
-          <a:bodyPr/>
-          <a:lstStyle/>
-          <a:p>
-            <a:endParaRPr lang="zh-CN" altLang="en-US"/>
+              <a:t>确定关键抽象</a:t>
+            </a:r>
+            <a:endParaRPr lang="en-US" altLang="zh-CN" dirty="0"/>
+          </a:p>
+          <a:p>
+            <a:pPr lvl="2"/>
+            <a:r>
+              <a:rPr lang="en-US" altLang="zh-CN" dirty="0"/>
+              <a:t>1.1  </a:t>
+            </a:r>
+            <a:r>
+              <a:rPr lang="zh-CN" altLang="en-US" dirty="0"/>
+              <a:t>细化关键抽象</a:t>
+            </a:r>
+            <a:endParaRPr lang="en-US" altLang="zh-CN" dirty="0"/>
+          </a:p>
+          <a:p>
+            <a:pPr lvl="2"/>
+            <a:r>
+              <a:rPr lang="en-US" altLang="zh-CN" dirty="0"/>
+              <a:t>1.2 </a:t>
+            </a:r>
+            <a:r>
+              <a:rPr lang="zh-CN" altLang="en-US" dirty="0"/>
+              <a:t>命名关键抽象</a:t>
+            </a:r>
+            <a:endParaRPr lang="en-US" altLang="zh-CN" dirty="0"/>
+          </a:p>
+          <a:p>
+            <a:pPr lvl="1"/>
+            <a:r>
+              <a:rPr lang="en-US" altLang="zh-CN" dirty="0"/>
+              <a:t>2 </a:t>
+            </a:r>
+            <a:r>
+              <a:rPr lang="zh-CN" altLang="en-US" dirty="0"/>
+              <a:t>识别机制</a:t>
+            </a:r>
+            <a:endParaRPr lang="en-US" altLang="zh-CN" dirty="0"/>
+          </a:p>
+          <a:p>
+            <a:pPr lvl="2"/>
+            <a:r>
+              <a:rPr lang="en-US" altLang="zh-CN" dirty="0"/>
+              <a:t>2,1</a:t>
+            </a:r>
+            <a:r>
+              <a:rPr lang="zh-CN" altLang="en-US" dirty="0"/>
+              <a:t> 机制即模式，设计的灵魂</a:t>
+            </a:r>
+            <a:endParaRPr lang="en-US" altLang="zh-CN" dirty="0"/>
+          </a:p>
+          <a:p>
+            <a:pPr lvl="1"/>
+            <a:r>
+              <a:rPr lang="en-US" altLang="zh-CN" dirty="0"/>
+              <a:t>3 </a:t>
+            </a:r>
+            <a:r>
+              <a:rPr lang="zh-CN" altLang="en-US" dirty="0"/>
+              <a:t>评估抽象</a:t>
+            </a:r>
+            <a:endParaRPr lang="en-US" altLang="zh-CN" dirty="0"/>
+          </a:p>
+          <a:p>
+            <a:pPr lvl="2"/>
+            <a:r>
+              <a:rPr lang="zh-CN" altLang="en-US" dirty="0"/>
+              <a:t>耦合，内聚，充分，完整，基础</a:t>
+            </a:r>
+            <a:endParaRPr lang="en-US" altLang="zh-CN" dirty="0"/>
+          </a:p>
+          <a:p>
+            <a:r>
+              <a:rPr lang="zh-CN" altLang="en-US" dirty="0"/>
+              <a:t>框架设计精髓</a:t>
+            </a:r>
+            <a:r>
+              <a:rPr lang="en-US" altLang="zh-CN" dirty="0"/>
+              <a:t>-Junit4</a:t>
+            </a:r>
           </a:p>
         </p:txBody>
       </p:sp>
     </p:spTree>
     <p:extLst>
       <p:ext uri="{BB962C8B-B14F-4D97-AF65-F5344CB8AC3E}">
-        <p14:creationId xmlns:p14="http://schemas.microsoft.com/office/powerpoint/2010/main" val="249766088"/>
+        <p14:creationId xmlns:p14="http://schemas.microsoft.com/office/powerpoint/2010/main" val="2352643573"/>
       </p:ext>
     </p:extLst>
   </p:cSld>
@@ -5102,7 +5740,7 @@
           <p:cNvPr id="2" name="标题 1">
             <a:extLst>
               <a:ext uri="{FF2B5EF4-FFF2-40B4-BE49-F238E27FC236}">
-                <a16:creationId xmlns:a16="http://schemas.microsoft.com/office/drawing/2014/main" id="{315ABCB3-3377-4B9D-8C1C-9A051DA760FA}"/>
+                <a16:creationId xmlns:a16="http://schemas.microsoft.com/office/drawing/2014/main" id="{05F55633-2EA8-471A-99B3-41F101CA0E07}"/>
               </a:ext>
             </a:extLst>
           </p:cNvPr>
@@ -5119,6 +5757,57 @@
           <a:lstStyle/>
           <a:p>
             <a:r>
+              <a:rPr lang="en-US" altLang="zh-CN" dirty="0">
+                <a:solidFill>
+                  <a:srgbClr val="FF0000"/>
+                </a:solidFill>
+              </a:rPr>
+              <a:t>DDD</a:t>
+            </a:r>
+            <a:endParaRPr lang="zh-CN" altLang="en-US" dirty="0">
+              <a:solidFill>
+                <a:srgbClr val="FF0000"/>
+              </a:solidFill>
+            </a:endParaRPr>
+          </a:p>
+        </p:txBody>
+      </p:sp>
+      <p:sp>
+        <p:nvSpPr>
+          <p:cNvPr id="3" name="内容占位符 2">
+            <a:extLst>
+              <a:ext uri="{FF2B5EF4-FFF2-40B4-BE49-F238E27FC236}">
+                <a16:creationId xmlns:a16="http://schemas.microsoft.com/office/drawing/2014/main" id="{619F342B-AF9C-4351-9EC8-8FF006B7A0AF}"/>
+              </a:ext>
+            </a:extLst>
+          </p:cNvPr>
+          <p:cNvSpPr>
+            <a:spLocks noGrp="1"/>
+          </p:cNvSpPr>
+          <p:nvPr>
+            <p:ph idx="1"/>
+          </p:nvPr>
+        </p:nvSpPr>
+        <p:spPr/>
+        <p:txBody>
+          <a:bodyPr/>
+          <a:lstStyle/>
+          <a:p>
+            <a:r>
+              <a:rPr lang="en-US" altLang="zh-CN" dirty="0"/>
+              <a:t>1  </a:t>
+            </a:r>
+            <a:r>
+              <a:rPr lang="zh-CN" altLang="en-US" dirty="0"/>
+              <a:t>思想</a:t>
+            </a:r>
+            <a:endParaRPr lang="en-US" altLang="zh-CN" dirty="0"/>
+          </a:p>
+          <a:p>
+            <a:endParaRPr lang="en-US" altLang="zh-CN" dirty="0"/>
+          </a:p>
+          <a:p>
+            <a:r>
               <a:rPr lang="en-US" altLang="zh-CN" dirty="0"/>
               <a:t>2 </a:t>
             </a:r>
@@ -5126,38 +5815,30 @@
               <a:rPr lang="zh-CN" altLang="en-US" dirty="0"/>
               <a:t>战略设计</a:t>
             </a:r>
-          </a:p>
-        </p:txBody>
-      </p:sp>
-      <p:sp>
-        <p:nvSpPr>
-          <p:cNvPr id="3" name="内容占位符 2">
-            <a:extLst>
-              <a:ext uri="{FF2B5EF4-FFF2-40B4-BE49-F238E27FC236}">
-                <a16:creationId xmlns:a16="http://schemas.microsoft.com/office/drawing/2014/main" id="{F7D4A658-EDE1-4BD1-B6DD-49EEEBFF96FA}"/>
-              </a:ext>
-            </a:extLst>
-          </p:cNvPr>
-          <p:cNvSpPr>
-            <a:spLocks noGrp="1"/>
-          </p:cNvSpPr>
-          <p:nvPr>
-            <p:ph idx="1"/>
-          </p:nvPr>
-        </p:nvSpPr>
-        <p:spPr/>
-        <p:txBody>
-          <a:bodyPr/>
-          <a:lstStyle/>
-          <a:p>
-            <a:endParaRPr lang="zh-CN" altLang="en-US"/>
+            <a:endParaRPr lang="en-US" altLang="zh-CN" dirty="0"/>
+          </a:p>
+          <a:p>
+            <a:pPr marL="0" indent="0">
+              <a:buNone/>
+            </a:pPr>
+            <a:endParaRPr lang="en-US" altLang="zh-CN" dirty="0"/>
+          </a:p>
+          <a:p>
+            <a:r>
+              <a:rPr lang="en-US" altLang="zh-CN" dirty="0"/>
+              <a:t>3  </a:t>
+            </a:r>
+            <a:r>
+              <a:rPr lang="zh-CN" altLang="en-US" dirty="0"/>
+              <a:t>战术设计</a:t>
+            </a:r>
           </a:p>
         </p:txBody>
       </p:sp>
     </p:spTree>
     <p:extLst>
       <p:ext uri="{BB962C8B-B14F-4D97-AF65-F5344CB8AC3E}">
-        <p14:creationId xmlns:p14="http://schemas.microsoft.com/office/powerpoint/2010/main" val="130135117"/>
+        <p14:creationId xmlns:p14="http://schemas.microsoft.com/office/powerpoint/2010/main" val="2262979625"/>
       </p:ext>
     </p:extLst>
   </p:cSld>
@@ -5189,7 +5870,7 @@
           <p:cNvPr id="2" name="标题 1">
             <a:extLst>
               <a:ext uri="{FF2B5EF4-FFF2-40B4-BE49-F238E27FC236}">
-                <a16:creationId xmlns:a16="http://schemas.microsoft.com/office/drawing/2014/main" id="{6C0C1EB0-31F2-414E-9125-40E5F1C49A83}"/>
+                <a16:creationId xmlns:a16="http://schemas.microsoft.com/office/drawing/2014/main" id="{4BC5F6CF-C154-48D6-A821-B664D59FEFB3}"/>
               </a:ext>
             </a:extLst>
           </p:cNvPr>
@@ -5207,11 +5888,11 @@
           <a:p>
             <a:r>
               <a:rPr lang="en-US" altLang="zh-CN" dirty="0"/>
-              <a:t>3 </a:t>
-            </a:r>
-            <a:r>
-              <a:rPr lang="zh-CN" altLang="en-US" dirty="0"/>
-              <a:t>战术设计</a:t>
+              <a:t>1 </a:t>
+            </a:r>
+            <a:r>
+              <a:rPr lang="zh-CN" altLang="en-US" dirty="0"/>
+              <a:t>思想</a:t>
             </a:r>
           </a:p>
         </p:txBody>
@@ -5221,7 +5902,7 @@
           <p:cNvPr id="3" name="内容占位符 2">
             <a:extLst>
               <a:ext uri="{FF2B5EF4-FFF2-40B4-BE49-F238E27FC236}">
-                <a16:creationId xmlns:a16="http://schemas.microsoft.com/office/drawing/2014/main" id="{0D9AD77B-7E2F-48F0-BB9E-810314487398}"/>
+                <a16:creationId xmlns:a16="http://schemas.microsoft.com/office/drawing/2014/main" id="{92CA505E-0DC5-4952-8AA7-15610F9EEB24}"/>
               </a:ext>
             </a:extLst>
           </p:cNvPr>
@@ -5244,7 +5925,7 @@
     </p:spTree>
     <p:extLst>
       <p:ext uri="{BB962C8B-B14F-4D97-AF65-F5344CB8AC3E}">
-        <p14:creationId xmlns:p14="http://schemas.microsoft.com/office/powerpoint/2010/main" val="4201465018"/>
+        <p14:creationId xmlns:p14="http://schemas.microsoft.com/office/powerpoint/2010/main" val="249766088"/>
       </p:ext>
     </p:extLst>
   </p:cSld>
@@ -5276,7 +5957,7 @@
           <p:cNvPr id="2" name="标题 1">
             <a:extLst>
               <a:ext uri="{FF2B5EF4-FFF2-40B4-BE49-F238E27FC236}">
-                <a16:creationId xmlns:a16="http://schemas.microsoft.com/office/drawing/2014/main" id="{A2657629-71C7-4E0A-9A4D-22B7D109DCB9}"/>
+                <a16:creationId xmlns:a16="http://schemas.microsoft.com/office/drawing/2014/main" id="{315ABCB3-3377-4B9D-8C1C-9A051DA760FA}"/>
               </a:ext>
             </a:extLst>
           </p:cNvPr>
@@ -5294,11 +5975,11 @@
           <a:p>
             <a:r>
               <a:rPr lang="en-US" altLang="zh-CN" dirty="0"/>
-              <a:t>4 </a:t>
-            </a:r>
-            <a:r>
-              <a:rPr lang="zh-CN" altLang="en-US" dirty="0"/>
-              <a:t>框架</a:t>
+              <a:t>2 </a:t>
+            </a:r>
+            <a:r>
+              <a:rPr lang="zh-CN" altLang="en-US" dirty="0"/>
+              <a:t>战略设计</a:t>
             </a:r>
           </a:p>
         </p:txBody>
@@ -5308,7 +5989,7 @@
           <p:cNvPr id="3" name="内容占位符 2">
             <a:extLst>
               <a:ext uri="{FF2B5EF4-FFF2-40B4-BE49-F238E27FC236}">
-                <a16:creationId xmlns:a16="http://schemas.microsoft.com/office/drawing/2014/main" id="{D59DB735-6BCC-441B-8B1F-AED5480B4370}"/>
+                <a16:creationId xmlns:a16="http://schemas.microsoft.com/office/drawing/2014/main" id="{F7D4A658-EDE1-4BD1-B6DD-49EEEBFF96FA}"/>
               </a:ext>
             </a:extLst>
           </p:cNvPr>
@@ -5324,14 +6005,14 @@
           <a:bodyPr/>
           <a:lstStyle/>
           <a:p>
-            <a:endParaRPr lang="zh-CN" altLang="en-US" dirty="0"/>
+            <a:endParaRPr lang="zh-CN" altLang="en-US"/>
           </a:p>
         </p:txBody>
       </p:sp>
     </p:spTree>
     <p:extLst>
       <p:ext uri="{BB962C8B-B14F-4D97-AF65-F5344CB8AC3E}">
-        <p14:creationId xmlns:p14="http://schemas.microsoft.com/office/powerpoint/2010/main" val="4011406938"/>
+        <p14:creationId xmlns:p14="http://schemas.microsoft.com/office/powerpoint/2010/main" val="130135117"/>
       </p:ext>
     </p:extLst>
   </p:cSld>
@@ -5409,7 +6090,7 @@
           <a:p>
             <a:r>
               <a:rPr lang="zh-CN" altLang="en-US" dirty="0"/>
-              <a:t>禅师和筷子</a:t>
+              <a:t>禅师和筷子的故事</a:t>
             </a:r>
             <a:endParaRPr lang="en-US" altLang="zh-CN" dirty="0"/>
           </a:p>
@@ -5433,7 +6114,7 @@
                 <a:effectLst/>
                 <a:latin typeface="-apple-system"/>
               </a:rPr>
-              <a:t>开车，有建造软件，系统生长，平时用的最多的隐喻应该是挖坑，填坑</a:t>
+              <a:t>开车，建造软件，系统生长，</a:t>
             </a:r>
             <a:r>
               <a:rPr lang="zh-CN" altLang="en-US" dirty="0">
@@ -5442,7 +6123,104 @@
                 </a:solidFill>
                 <a:latin typeface="-apple-system"/>
               </a:rPr>
-              <a:t>，焦油坑，软件工程，软件工艺，码农，工匠</a:t>
+              <a:t>焦油坑，软件工程，软件工艺，码农，工匠，软件蓝领，两顶帽子，</a:t>
+            </a:r>
+            <a:r>
+              <a:rPr lang="zh-CN" altLang="en-US" b="0" i="0" dirty="0">
+                <a:solidFill>
+                  <a:srgbClr val="121212"/>
+                </a:solidFill>
+                <a:effectLst/>
+                <a:latin typeface="-apple-system"/>
+              </a:rPr>
+              <a:t>平时用的最多的隐喻是挖坑，填坑</a:t>
+            </a:r>
+            <a:r>
+              <a:rPr lang="zh-CN" altLang="en-US" dirty="0">
+                <a:solidFill>
+                  <a:srgbClr val="121212"/>
+                </a:solidFill>
+                <a:latin typeface="-apple-system"/>
+              </a:rPr>
+              <a:t>，码农，多瘤程序员，写字楼的农民工</a:t>
+            </a:r>
+            <a:endParaRPr lang="en-US" altLang="zh-CN" dirty="0">
+              <a:solidFill>
+                <a:srgbClr val="121212"/>
+              </a:solidFill>
+              <a:latin typeface="-apple-system"/>
+            </a:endParaRPr>
+          </a:p>
+          <a:p>
+            <a:r>
+              <a:rPr lang="zh-CN" altLang="en-US" dirty="0">
+                <a:solidFill>
+                  <a:srgbClr val="121212"/>
+                </a:solidFill>
+                <a:latin typeface="-apple-system"/>
+              </a:rPr>
+              <a:t>社会现象隐喻：养鱼，开车，备胎</a:t>
+            </a:r>
+            <a:endParaRPr lang="en-US" altLang="zh-CN" dirty="0">
+              <a:solidFill>
+                <a:srgbClr val="121212"/>
+              </a:solidFill>
+              <a:latin typeface="-apple-system"/>
+            </a:endParaRPr>
+          </a:p>
+          <a:p>
+            <a:r>
+              <a:rPr lang="zh-CN" altLang="en-US" dirty="0">
+                <a:solidFill>
+                  <a:srgbClr val="121212"/>
+                </a:solidFill>
+                <a:latin typeface="-apple-system"/>
+              </a:rPr>
+              <a:t>个人观点</a:t>
+            </a:r>
+            <a:r>
+              <a:rPr lang="zh-CN" altLang="en-US" dirty="0">
+                <a:solidFill>
+                  <a:srgbClr val="FF0000"/>
+                </a:solidFill>
+                <a:latin typeface="-apple-system"/>
+              </a:rPr>
+              <a:t>种树</a:t>
+            </a:r>
+            <a:r>
+              <a:rPr lang="en-US" altLang="zh-CN" dirty="0">
+                <a:solidFill>
+                  <a:srgbClr val="121212"/>
+                </a:solidFill>
+                <a:latin typeface="-apple-system"/>
+              </a:rPr>
+              <a:t>:  </a:t>
+            </a:r>
+            <a:r>
+              <a:rPr lang="zh-CN" altLang="en-US" dirty="0">
+                <a:solidFill>
+                  <a:srgbClr val="121212"/>
+                </a:solidFill>
+                <a:latin typeface="-apple-system"/>
+              </a:rPr>
+              <a:t>注重根部营养，看不见的地方</a:t>
+            </a:r>
+            <a:endParaRPr lang="en-US" altLang="zh-CN" dirty="0">
+              <a:solidFill>
+                <a:srgbClr val="121212"/>
+              </a:solidFill>
+              <a:latin typeface="-apple-system"/>
+            </a:endParaRPr>
+          </a:p>
+          <a:p>
+            <a:r>
+              <a:rPr lang="zh-CN" altLang="en-US" dirty="0">
+                <a:solidFill>
+                  <a:srgbClr val="121212"/>
+                </a:solidFill>
+                <a:latin typeface="-apple-system"/>
+              </a:rPr>
+              <a:t>个人最常用：两顶帽子</a:t>
             </a:r>
             <a:endParaRPr lang="zh-CN" altLang="en-US" dirty="0"/>
           </a:p>
@@ -5470,7 +6248,7 @@
         </p:blipFill>
         <p:spPr>
           <a:xfrm>
-            <a:off x="8172450" y="3779561"/>
+            <a:off x="8172450" y="4001294"/>
             <a:ext cx="4019550" cy="3857625"/>
           </a:xfrm>
           <a:prstGeom prst="rect">
@@ -5513,7 +6291,7 @@
           <p:cNvPr id="2" name="标题 1">
             <a:extLst>
               <a:ext uri="{FF2B5EF4-FFF2-40B4-BE49-F238E27FC236}">
-                <a16:creationId xmlns:a16="http://schemas.microsoft.com/office/drawing/2014/main" id="{E4CC363C-9716-4D35-B54A-70863F98DE48}"/>
+                <a16:creationId xmlns:a16="http://schemas.microsoft.com/office/drawing/2014/main" id="{6C0C1EB0-31F2-414E-9125-40E5F1C49A83}"/>
               </a:ext>
             </a:extLst>
           </p:cNvPr>
@@ -5530,20 +6308,12 @@
           <a:lstStyle/>
           <a:p>
             <a:r>
-              <a:rPr lang="en-US" altLang="zh-CN" dirty="0">
-                <a:solidFill>
-                  <a:srgbClr val="FF0000"/>
-                </a:solidFill>
-              </a:rPr>
-              <a:t>DDD</a:t>
-            </a:r>
-            <a:r>
-              <a:rPr lang="zh-CN" altLang="en-US" dirty="0">
-                <a:solidFill>
-                  <a:srgbClr val="FF0000"/>
-                </a:solidFill>
-              </a:rPr>
-              <a:t>场景</a:t>
+              <a:rPr lang="en-US" altLang="zh-CN" dirty="0"/>
+              <a:t>3 </a:t>
+            </a:r>
+            <a:r>
+              <a:rPr lang="zh-CN" altLang="en-US" dirty="0"/>
+              <a:t>战术设计</a:t>
             </a:r>
           </a:p>
         </p:txBody>
@@ -5553,7 +6323,7 @@
           <p:cNvPr id="3" name="内容占位符 2">
             <a:extLst>
               <a:ext uri="{FF2B5EF4-FFF2-40B4-BE49-F238E27FC236}">
-                <a16:creationId xmlns:a16="http://schemas.microsoft.com/office/drawing/2014/main" id="{FBE97840-7576-42B0-8989-D6DF0523930D}"/>
+                <a16:creationId xmlns:a16="http://schemas.microsoft.com/office/drawing/2014/main" id="{0D9AD77B-7E2F-48F0-BB9E-810314487398}"/>
               </a:ext>
             </a:extLst>
           </p:cNvPr>
@@ -5569,71 +6339,14 @@
           <a:bodyPr/>
           <a:lstStyle/>
           <a:p>
-            <a:r>
-              <a:rPr lang="en-US" altLang="zh-CN" dirty="0"/>
-              <a:t>1 </a:t>
-            </a:r>
-            <a:r>
-              <a:rPr lang="zh-CN" altLang="en-US" dirty="0"/>
-              <a:t>统一语言：</a:t>
-            </a:r>
-            <a:r>
-              <a:rPr lang="en-US" altLang="zh-CN" dirty="0" err="1"/>
-              <a:t>PublicInfo</a:t>
-            </a:r>
-            <a:r>
-              <a:rPr lang="zh-CN" altLang="en-US" dirty="0"/>
-              <a:t>，</a:t>
-            </a:r>
-            <a:r>
-              <a:rPr lang="en-US" altLang="zh-CN" dirty="0"/>
-              <a:t>Base</a:t>
-            </a:r>
-            <a:r>
-              <a:rPr lang="zh-CN" altLang="en-US" dirty="0"/>
-              <a:t>，风控，充提，币种币对，用户，管理员，</a:t>
-            </a:r>
-            <a:r>
-              <a:rPr lang="en-US" altLang="zh-CN" dirty="0" err="1"/>
-              <a:t>Waas</a:t>
-            </a:r>
-            <a:endParaRPr lang="en-US" altLang="zh-CN" dirty="0"/>
-          </a:p>
-          <a:p>
-            <a:r>
-              <a:rPr lang="en-US" altLang="zh-CN" dirty="0"/>
-              <a:t>2 </a:t>
-            </a:r>
-            <a:r>
-              <a:rPr lang="zh-CN" altLang="en-US" dirty="0"/>
-              <a:t>账户</a:t>
-            </a:r>
-            <a:r>
-              <a:rPr lang="en-US" altLang="zh-CN" dirty="0"/>
-              <a:t>Account</a:t>
-            </a:r>
-            <a:r>
-              <a:rPr lang="zh-CN" altLang="en-US" dirty="0"/>
-              <a:t>里面操作充值，转账</a:t>
-            </a:r>
-            <a:endParaRPr lang="en-US" altLang="zh-CN" dirty="0"/>
-          </a:p>
-          <a:p>
-            <a:r>
-              <a:rPr lang="en-US" altLang="zh-CN" dirty="0"/>
-              <a:t>3 </a:t>
-            </a:r>
-            <a:r>
-              <a:rPr lang="zh-CN" altLang="en-US" dirty="0"/>
-              <a:t>统一场外订单列表展示</a:t>
-            </a:r>
+            <a:endParaRPr lang="zh-CN" altLang="en-US"/>
           </a:p>
         </p:txBody>
       </p:sp>
     </p:spTree>
     <p:extLst>
       <p:ext uri="{BB962C8B-B14F-4D97-AF65-F5344CB8AC3E}">
-        <p14:creationId xmlns:p14="http://schemas.microsoft.com/office/powerpoint/2010/main" val="1512721867"/>
+        <p14:creationId xmlns:p14="http://schemas.microsoft.com/office/powerpoint/2010/main" val="4201465018"/>
       </p:ext>
     </p:extLst>
   </p:cSld>
@@ -5665,7 +6378,7 @@
           <p:cNvPr id="2" name="标题 1">
             <a:extLst>
               <a:ext uri="{FF2B5EF4-FFF2-40B4-BE49-F238E27FC236}">
-                <a16:creationId xmlns:a16="http://schemas.microsoft.com/office/drawing/2014/main" id="{356EF433-D5CA-44F8-8BA2-46A8AEA459C0}"/>
+                <a16:creationId xmlns:a16="http://schemas.microsoft.com/office/drawing/2014/main" id="{A2657629-71C7-4E0A-9A4D-22B7D109DCB9}"/>
               </a:ext>
             </a:extLst>
           </p:cNvPr>
@@ -5681,7 +6394,14 @@
           <a:bodyPr/>
           <a:lstStyle/>
           <a:p>
-            <a:endParaRPr lang="zh-CN" altLang="en-US"/>
+            <a:r>
+              <a:rPr lang="en-US" altLang="zh-CN" dirty="0"/>
+              <a:t>4 </a:t>
+            </a:r>
+            <a:r>
+              <a:rPr lang="zh-CN" altLang="en-US" dirty="0"/>
+              <a:t>框架</a:t>
+            </a:r>
           </a:p>
         </p:txBody>
       </p:sp>
@@ -5690,7 +6410,7 @@
           <p:cNvPr id="3" name="内容占位符 2">
             <a:extLst>
               <a:ext uri="{FF2B5EF4-FFF2-40B4-BE49-F238E27FC236}">
-                <a16:creationId xmlns:a16="http://schemas.microsoft.com/office/drawing/2014/main" id="{61B7A0C6-6DEF-4722-8A9C-D98740754755}"/>
+                <a16:creationId xmlns:a16="http://schemas.microsoft.com/office/drawing/2014/main" id="{D59DB735-6BCC-441B-8B1F-AED5480B4370}"/>
               </a:ext>
             </a:extLst>
           </p:cNvPr>
@@ -5706,44 +6426,14 @@
           <a:bodyPr/>
           <a:lstStyle/>
           <a:p>
-            <a:endParaRPr lang="zh-CN" altLang="en-US"/>
-          </a:p>
-        </p:txBody>
-      </p:sp>
-      <p:pic>
-        <p:nvPicPr>
-          <p:cNvPr id="5" name="图片 4">
-            <a:extLst>
-              <a:ext uri="{FF2B5EF4-FFF2-40B4-BE49-F238E27FC236}">
-                <a16:creationId xmlns:a16="http://schemas.microsoft.com/office/drawing/2014/main" id="{628D2F50-50A1-4D89-8EEB-6F1E67F3234A}"/>
-              </a:ext>
-            </a:extLst>
-          </p:cNvPr>
-          <p:cNvPicPr>
-            <a:picLocks noChangeAspect="1"/>
-          </p:cNvPicPr>
-          <p:nvPr/>
-        </p:nvPicPr>
-        <p:blipFill>
-          <a:blip r:embed="rId2"/>
-          <a:stretch>
-            <a:fillRect/>
-          </a:stretch>
-        </p:blipFill>
-        <p:spPr>
-          <a:xfrm>
-            <a:off x="3931712" y="1484361"/>
-            <a:ext cx="7422088" cy="5008514"/>
-          </a:xfrm>
-          <a:prstGeom prst="rect">
-            <a:avLst/>
-          </a:prstGeom>
-        </p:spPr>
-      </p:pic>
+            <a:endParaRPr lang="zh-CN" altLang="en-US" dirty="0"/>
+          </a:p>
+        </p:txBody>
+      </p:sp>
     </p:spTree>
     <p:extLst>
       <p:ext uri="{BB962C8B-B14F-4D97-AF65-F5344CB8AC3E}">
-        <p14:creationId xmlns:p14="http://schemas.microsoft.com/office/powerpoint/2010/main" val="4061302330"/>
+        <p14:creationId xmlns:p14="http://schemas.microsoft.com/office/powerpoint/2010/main" val="4011406938"/>
       </p:ext>
     </p:extLst>
   </p:cSld>
@@ -5775,7 +6465,7 @@
           <p:cNvPr id="2" name="标题 1">
             <a:extLst>
               <a:ext uri="{FF2B5EF4-FFF2-40B4-BE49-F238E27FC236}">
-                <a16:creationId xmlns:a16="http://schemas.microsoft.com/office/drawing/2014/main" id="{771CD703-4831-4E19-B16A-EE2EDAEA36DB}"/>
+                <a16:creationId xmlns:a16="http://schemas.microsoft.com/office/drawing/2014/main" id="{E4CC363C-9716-4D35-B54A-70863F98DE48}"/>
               </a:ext>
             </a:extLst>
           </p:cNvPr>
@@ -5797,7 +6487,7 @@
                   <a:srgbClr val="FF0000"/>
                 </a:solidFill>
               </a:rPr>
-              <a:t>Java</a:t>
+              <a:t>DDD</a:t>
             </a:r>
             <a:r>
               <a:rPr lang="zh-CN" altLang="en-US" dirty="0">
@@ -5805,21 +6495,8 @@
                   <a:srgbClr val="FF0000"/>
                 </a:solidFill>
               </a:rPr>
-              <a:t>集合类</a:t>
-            </a:r>
-            <a:r>
-              <a:rPr lang="en-US" altLang="zh-CN" dirty="0">
-                <a:solidFill>
-                  <a:srgbClr val="FF0000"/>
-                </a:solidFill>
-              </a:rPr>
-              <a:t>API</a:t>
-            </a:r>
-            <a:endParaRPr lang="zh-CN" altLang="en-US" dirty="0">
-              <a:solidFill>
-                <a:srgbClr val="FF0000"/>
-              </a:solidFill>
-            </a:endParaRPr>
+              <a:t>场景</a:t>
+            </a:r>
           </a:p>
         </p:txBody>
       </p:sp>
@@ -5828,7 +6505,7 @@
           <p:cNvPr id="3" name="内容占位符 2">
             <a:extLst>
               <a:ext uri="{FF2B5EF4-FFF2-40B4-BE49-F238E27FC236}">
-                <a16:creationId xmlns:a16="http://schemas.microsoft.com/office/drawing/2014/main" id="{44476202-87E8-4FD1-AEA0-E0C733E5EB48}"/>
+                <a16:creationId xmlns:a16="http://schemas.microsoft.com/office/drawing/2014/main" id="{FBE97840-7576-42B0-8989-D6DF0523930D}"/>
               </a:ext>
             </a:extLst>
           </p:cNvPr>
@@ -5844,31 +6521,71 @@
           <a:bodyPr/>
           <a:lstStyle/>
           <a:p>
-            <a:pPr marL="0" indent="0">
-              <a:buNone/>
-            </a:pPr>
-            <a:r>
-              <a:rPr lang="zh-CN" altLang="en-US" dirty="0"/>
-              <a:t>特点：超级复杂，类库核心</a:t>
+            <a:r>
+              <a:rPr lang="en-US" altLang="zh-CN" dirty="0"/>
+              <a:t>1 </a:t>
+            </a:r>
+            <a:r>
+              <a:rPr lang="zh-CN" altLang="en-US" dirty="0"/>
+              <a:t>统一语言：</a:t>
+            </a:r>
+            <a:r>
+              <a:rPr lang="en-US" altLang="zh-CN" dirty="0" err="1"/>
+              <a:t>PublicInfo</a:t>
+            </a:r>
+            <a:r>
+              <a:rPr lang="zh-CN" altLang="en-US" dirty="0"/>
+              <a:t>，</a:t>
+            </a:r>
+            <a:r>
+              <a:rPr lang="en-US" altLang="zh-CN" dirty="0"/>
+              <a:t>Base</a:t>
+            </a:r>
+            <a:r>
+              <a:rPr lang="zh-CN" altLang="en-US" dirty="0"/>
+              <a:t>，风控，充提，币种币对，用户，管理员，</a:t>
+            </a:r>
+            <a:r>
+              <a:rPr lang="en-US" altLang="zh-CN" dirty="0" err="1"/>
+              <a:t>Waas</a:t>
             </a:r>
             <a:endParaRPr lang="en-US" altLang="zh-CN" dirty="0"/>
           </a:p>
           <a:p>
-            <a:pPr marL="0" indent="0">
-              <a:buNone/>
-            </a:pPr>
-            <a:r>
-              <a:rPr lang="zh-CN" altLang="en-US" dirty="0"/>
-              <a:t>解决：接口</a:t>
+            <a:r>
+              <a:rPr lang="en-US" altLang="zh-CN" dirty="0"/>
+              <a:t>2 </a:t>
+            </a:r>
+            <a:r>
+              <a:rPr lang="zh-CN" altLang="en-US" dirty="0"/>
+              <a:t>账户</a:t>
+            </a:r>
+            <a:r>
+              <a:rPr lang="en-US" altLang="zh-CN" dirty="0"/>
+              <a:t>Account</a:t>
+            </a:r>
+            <a:r>
+              <a:rPr lang="zh-CN" altLang="en-US" dirty="0"/>
+              <a:t>里面操作充值，转账</a:t>
             </a:r>
             <a:endParaRPr lang="en-US" altLang="zh-CN" dirty="0"/>
+          </a:p>
+          <a:p>
+            <a:r>
+              <a:rPr lang="en-US" altLang="zh-CN" dirty="0"/>
+              <a:t>3 </a:t>
+            </a:r>
+            <a:r>
+              <a:rPr lang="zh-CN" altLang="en-US" dirty="0"/>
+              <a:t>统一场外订单列表展示</a:t>
+            </a:r>
           </a:p>
         </p:txBody>
       </p:sp>
     </p:spTree>
     <p:extLst>
       <p:ext uri="{BB962C8B-B14F-4D97-AF65-F5344CB8AC3E}">
-        <p14:creationId xmlns:p14="http://schemas.microsoft.com/office/powerpoint/2010/main" val="2042721679"/>
+        <p14:creationId xmlns:p14="http://schemas.microsoft.com/office/powerpoint/2010/main" val="1512721867"/>
       </p:ext>
     </p:extLst>
   </p:cSld>
@@ -5900,7 +6617,7 @@
           <p:cNvPr id="2" name="标题 1">
             <a:extLst>
               <a:ext uri="{FF2B5EF4-FFF2-40B4-BE49-F238E27FC236}">
-                <a16:creationId xmlns:a16="http://schemas.microsoft.com/office/drawing/2014/main" id="{301F2010-52F3-413E-85B9-6E0D2B49F3A6}"/>
+                <a16:creationId xmlns:a16="http://schemas.microsoft.com/office/drawing/2014/main" id="{356EF433-D5CA-44F8-8BA2-46A8AEA459C0}"/>
               </a:ext>
             </a:extLst>
           </p:cNvPr>
@@ -5917,18 +6634,9 @@
           <a:lstStyle/>
           <a:p>
             <a:r>
-              <a:rPr lang="en-US" altLang="zh-CN" dirty="0">
-                <a:solidFill>
-                  <a:srgbClr val="FF0000"/>
-                </a:solidFill>
-              </a:rPr>
-              <a:t>API Design</a:t>
-            </a:r>
-            <a:endParaRPr lang="zh-CN" altLang="en-US" dirty="0">
-              <a:solidFill>
-                <a:srgbClr val="FF0000"/>
-              </a:solidFill>
-            </a:endParaRPr>
+              <a:rPr lang="zh-CN" altLang="en-US" dirty="0"/>
+              <a:t>缺少领域的概念</a:t>
+            </a:r>
           </a:p>
         </p:txBody>
       </p:sp>
@@ -5937,7 +6645,7 @@
           <p:cNvPr id="3" name="内容占位符 2">
             <a:extLst>
               <a:ext uri="{FF2B5EF4-FFF2-40B4-BE49-F238E27FC236}">
-                <a16:creationId xmlns:a16="http://schemas.microsoft.com/office/drawing/2014/main" id="{396C8D06-8A38-422F-A5A0-FA852B3F3E04}"/>
+                <a16:creationId xmlns:a16="http://schemas.microsoft.com/office/drawing/2014/main" id="{61B7A0C6-6DEF-4722-8A9C-D98740754755}"/>
               </a:ext>
             </a:extLst>
           </p:cNvPr>
@@ -5953,14 +6661,47 @@
           <a:bodyPr/>
           <a:lstStyle/>
           <a:p>
-            <a:endParaRPr lang="zh-CN" altLang="en-US"/>
-          </a:p>
-        </p:txBody>
-      </p:sp>
+            <a:r>
+              <a:rPr lang="zh-CN" altLang="en-US" dirty="0"/>
+              <a:t>领域和数据库对象混合</a:t>
+            </a:r>
+          </a:p>
+        </p:txBody>
+      </p:sp>
+      <p:pic>
+        <p:nvPicPr>
+          <p:cNvPr id="5" name="图片 4">
+            <a:extLst>
+              <a:ext uri="{FF2B5EF4-FFF2-40B4-BE49-F238E27FC236}">
+                <a16:creationId xmlns:a16="http://schemas.microsoft.com/office/drawing/2014/main" id="{628D2F50-50A1-4D89-8EEB-6F1E67F3234A}"/>
+              </a:ext>
+            </a:extLst>
+          </p:cNvPr>
+          <p:cNvPicPr>
+            <a:picLocks noChangeAspect="1"/>
+          </p:cNvPicPr>
+          <p:nvPr/>
+        </p:nvPicPr>
+        <p:blipFill>
+          <a:blip r:embed="rId2"/>
+          <a:stretch>
+            <a:fillRect/>
+          </a:stretch>
+        </p:blipFill>
+        <p:spPr>
+          <a:xfrm>
+            <a:off x="4932740" y="365125"/>
+            <a:ext cx="7422088" cy="5008514"/>
+          </a:xfrm>
+          <a:prstGeom prst="rect">
+            <a:avLst/>
+          </a:prstGeom>
+        </p:spPr>
+      </p:pic>
     </p:spTree>
     <p:extLst>
       <p:ext uri="{BB962C8B-B14F-4D97-AF65-F5344CB8AC3E}">
-        <p14:creationId xmlns:p14="http://schemas.microsoft.com/office/powerpoint/2010/main" val="647828668"/>
+        <p14:creationId xmlns:p14="http://schemas.microsoft.com/office/powerpoint/2010/main" val="4061302330"/>
       </p:ext>
     </p:extLst>
   </p:cSld>
@@ -5992,7 +6733,7 @@
           <p:cNvPr id="2" name="标题 1">
             <a:extLst>
               <a:ext uri="{FF2B5EF4-FFF2-40B4-BE49-F238E27FC236}">
-                <a16:creationId xmlns:a16="http://schemas.microsoft.com/office/drawing/2014/main" id="{4EE52ED5-94E8-4D23-8A51-C9636DBA5849}"/>
+                <a16:creationId xmlns:a16="http://schemas.microsoft.com/office/drawing/2014/main" id="{10E8415B-67BE-4606-BE92-03A09609F44C}"/>
               </a:ext>
             </a:extLst>
           </p:cNvPr>
@@ -6009,18 +6750,9 @@
           <a:lstStyle/>
           <a:p>
             <a:r>
-              <a:rPr lang="en-US" altLang="zh-CN" dirty="0">
-                <a:solidFill>
-                  <a:srgbClr val="FF0000"/>
-                </a:solidFill>
-              </a:rPr>
-              <a:t>Refactor</a:t>
-            </a:r>
-            <a:endParaRPr lang="zh-CN" altLang="en-US" dirty="0">
-              <a:solidFill>
-                <a:srgbClr val="FF0000"/>
-              </a:solidFill>
-            </a:endParaRPr>
+              <a:rPr lang="zh-CN" altLang="en-US" dirty="0"/>
+              <a:t>设计的趣味</a:t>
+            </a:r>
           </a:p>
         </p:txBody>
       </p:sp>
@@ -6029,7 +6761,7 @@
           <p:cNvPr id="3" name="内容占位符 2">
             <a:extLst>
               <a:ext uri="{FF2B5EF4-FFF2-40B4-BE49-F238E27FC236}">
-                <a16:creationId xmlns:a16="http://schemas.microsoft.com/office/drawing/2014/main" id="{FCCDAB81-772B-4BEE-AF41-8A54DD095847}"/>
+                <a16:creationId xmlns:a16="http://schemas.microsoft.com/office/drawing/2014/main" id="{BB684A24-6D1C-40A7-B812-FD3FDE6316CB}"/>
               </a:ext>
             </a:extLst>
           </p:cNvPr>
@@ -6047,27 +6779,75 @@
           <a:p>
             <a:r>
               <a:rPr lang="en-US" altLang="zh-CN" dirty="0"/>
-              <a:t>Refactor Domain Model</a:t>
-            </a:r>
-          </a:p>
-          <a:p>
-            <a:r>
-              <a:rPr lang="en-US" altLang="zh-CN" dirty="0"/>
-              <a:t>Refactor Design</a:t>
-            </a:r>
-          </a:p>
-          <a:p>
-            <a:r>
-              <a:rPr lang="en-US" altLang="zh-CN" dirty="0"/>
-              <a:t>Refactor Code</a:t>
-            </a:r>
+              <a:t>1 </a:t>
+            </a:r>
+            <a:r>
+              <a:rPr lang="zh-CN" altLang="en-US" dirty="0"/>
+              <a:t>写代码有意思在于设计</a:t>
+            </a:r>
+            <a:endParaRPr lang="en-US" altLang="zh-CN" dirty="0"/>
+          </a:p>
+          <a:p>
+            <a:r>
+              <a:rPr lang="en-US" altLang="zh-CN" dirty="0"/>
+              <a:t>2 CRUD</a:t>
+            </a:r>
+            <a:r>
+              <a:rPr lang="zh-CN" altLang="en-US" dirty="0"/>
+              <a:t>降低你的品味</a:t>
+            </a:r>
+            <a:endParaRPr lang="en-US" altLang="zh-CN" dirty="0"/>
+          </a:p>
+          <a:p>
+            <a:r>
+              <a:rPr lang="en-US" altLang="zh-CN" dirty="0"/>
+              <a:t>3 </a:t>
+            </a:r>
+            <a:r>
+              <a:rPr lang="zh-CN" altLang="en-US" dirty="0"/>
+              <a:t>同时重视原理和设计 </a:t>
+            </a:r>
+            <a:endParaRPr lang="en-US" altLang="zh-CN" dirty="0"/>
+          </a:p>
+          <a:p>
+            <a:pPr lvl="1"/>
+            <a:r>
+              <a:rPr lang="zh-CN" altLang="en-US" dirty="0"/>
+              <a:t>经典面试题：</a:t>
+            </a:r>
+            <a:r>
+              <a:rPr lang="en-US" altLang="zh-CN" dirty="0"/>
+              <a:t>HashMap</a:t>
+            </a:r>
+            <a:r>
+              <a:rPr lang="zh-CN" altLang="en-US" dirty="0"/>
+              <a:t>原理是什么？</a:t>
+            </a:r>
+            <a:r>
+              <a:rPr lang="en-US" altLang="zh-CN" dirty="0"/>
+              <a:t>(</a:t>
+            </a:r>
+            <a:r>
+              <a:rPr lang="zh-CN" altLang="en-US" dirty="0"/>
+              <a:t>一般缺少设计的回答</a:t>
+            </a:r>
+            <a:r>
+              <a:rPr lang="en-US" altLang="zh-CN" dirty="0"/>
+              <a:t>)</a:t>
+            </a:r>
+          </a:p>
+          <a:p>
+            <a:pPr marL="0" indent="0">
+              <a:buNone/>
+            </a:pPr>
+            <a:endParaRPr lang="zh-CN" altLang="en-US" dirty="0"/>
           </a:p>
         </p:txBody>
       </p:sp>
     </p:spTree>
     <p:extLst>
       <p:ext uri="{BB962C8B-B14F-4D97-AF65-F5344CB8AC3E}">
-        <p14:creationId xmlns:p14="http://schemas.microsoft.com/office/powerpoint/2010/main" val="818195479"/>
+        <p14:creationId xmlns:p14="http://schemas.microsoft.com/office/powerpoint/2010/main" val="513915838"/>
       </p:ext>
     </p:extLst>
   </p:cSld>
@@ -6099,7 +6879,7 @@
           <p:cNvPr id="2" name="标题 1">
             <a:extLst>
               <a:ext uri="{FF2B5EF4-FFF2-40B4-BE49-F238E27FC236}">
-                <a16:creationId xmlns:a16="http://schemas.microsoft.com/office/drawing/2014/main" id="{9D308304-6AF8-49C8-8976-83499E134455}"/>
+                <a16:creationId xmlns:a16="http://schemas.microsoft.com/office/drawing/2014/main" id="{771CD703-4831-4E19-B16A-EE2EDAEA36DB}"/>
               </a:ext>
             </a:extLst>
           </p:cNvPr>
@@ -6121,13 +6901,32 @@
                   <a:srgbClr val="FF0000"/>
                 </a:solidFill>
               </a:rPr>
-              <a:t>AOP Alliance</a:t>
-            </a:r>
-            <a:endParaRPr lang="zh-CN" altLang="en-US" dirty="0">
-              <a:solidFill>
-                <a:srgbClr val="FF0000"/>
-              </a:solidFill>
-            </a:endParaRPr>
+              <a:t>Java</a:t>
+            </a:r>
+            <a:r>
+              <a:rPr lang="zh-CN" altLang="en-US" dirty="0">
+                <a:solidFill>
+                  <a:srgbClr val="FF0000"/>
+                </a:solidFill>
+              </a:rPr>
+              <a:t>集合类</a:t>
+            </a:r>
+            <a:r>
+              <a:rPr lang="en-US" altLang="zh-CN" dirty="0">
+                <a:solidFill>
+                  <a:srgbClr val="FF0000"/>
+                </a:solidFill>
+              </a:rPr>
+              <a:t>API-</a:t>
+            </a:r>
+            <a:r>
+              <a:rPr lang="zh-CN" altLang="en-US" dirty="0">
+                <a:solidFill>
+                  <a:srgbClr val="FF0000"/>
+                </a:solidFill>
+              </a:rPr>
+              <a:t>接口是灵魂</a:t>
+            </a:r>
           </a:p>
         </p:txBody>
       </p:sp>
@@ -6136,7 +6935,7 @@
           <p:cNvPr id="3" name="内容占位符 2">
             <a:extLst>
               <a:ext uri="{FF2B5EF4-FFF2-40B4-BE49-F238E27FC236}">
-                <a16:creationId xmlns:a16="http://schemas.microsoft.com/office/drawing/2014/main" id="{807331EA-3137-4AF6-890D-E7E9D9E930DA}"/>
+                <a16:creationId xmlns:a16="http://schemas.microsoft.com/office/drawing/2014/main" id="{44476202-87E8-4FD1-AEA0-E0C733E5EB48}"/>
               </a:ext>
             </a:extLst>
           </p:cNvPr>
@@ -6152,14 +6951,55 @@
           <a:bodyPr/>
           <a:lstStyle/>
           <a:p>
-            <a:endParaRPr lang="zh-CN" altLang="en-US" dirty="0"/>
+            <a:pPr marL="0" indent="0">
+              <a:buNone/>
+            </a:pPr>
+            <a:r>
+              <a:rPr lang="zh-CN" altLang="en-US" dirty="0"/>
+              <a:t>特点：超级复杂，类库核心</a:t>
+            </a:r>
+            <a:endParaRPr lang="en-US" altLang="zh-CN" dirty="0"/>
+          </a:p>
+          <a:p>
+            <a:pPr marL="0" indent="0">
+              <a:buNone/>
+            </a:pPr>
+            <a:r>
+              <a:rPr lang="zh-CN" altLang="en-US" dirty="0"/>
+              <a:t>解决：接口，</a:t>
+            </a:r>
+            <a:r>
+              <a:rPr lang="en-US" altLang="zh-CN" dirty="0"/>
+              <a:t>apache collections </a:t>
+            </a:r>
+            <a:r>
+              <a:rPr lang="zh-CN" altLang="en-US" dirty="0"/>
+              <a:t>扩展，</a:t>
+            </a:r>
+            <a:r>
+              <a:rPr lang="en-US" altLang="zh-CN" dirty="0"/>
+              <a:t>guava collections</a:t>
+            </a:r>
+            <a:r>
+              <a:rPr lang="zh-CN" altLang="en-US" dirty="0"/>
+              <a:t>扩展思考</a:t>
+            </a:r>
+            <a:r>
+              <a:rPr lang="en-US" altLang="zh-CN" dirty="0"/>
+              <a:t>.JDK</a:t>
+            </a:r>
+            <a:r>
+              <a:rPr lang="zh-CN" altLang="en-US" dirty="0"/>
+              <a:t>官方集合文档</a:t>
+            </a:r>
+            <a:endParaRPr lang="en-US" altLang="zh-CN" dirty="0"/>
           </a:p>
         </p:txBody>
       </p:sp>
     </p:spTree>
     <p:extLst>
       <p:ext uri="{BB962C8B-B14F-4D97-AF65-F5344CB8AC3E}">
-        <p14:creationId xmlns:p14="http://schemas.microsoft.com/office/powerpoint/2010/main" val="792421411"/>
+        <p14:creationId xmlns:p14="http://schemas.microsoft.com/office/powerpoint/2010/main" val="2042721679"/>
       </p:ext>
     </p:extLst>
   </p:cSld>
@@ -6191,7 +7031,7 @@
           <p:cNvPr id="2" name="标题 1">
             <a:extLst>
               <a:ext uri="{FF2B5EF4-FFF2-40B4-BE49-F238E27FC236}">
-                <a16:creationId xmlns:a16="http://schemas.microsoft.com/office/drawing/2014/main" id="{78C52B17-29E6-4506-ACC3-BA2B3F78198D}"/>
+                <a16:creationId xmlns:a16="http://schemas.microsoft.com/office/drawing/2014/main" id="{301F2010-52F3-413E-85B9-6E0D2B49F3A6}"/>
               </a:ext>
             </a:extLst>
           </p:cNvPr>
@@ -6208,12 +7048,12 @@
           <a:lstStyle/>
           <a:p>
             <a:r>
-              <a:rPr lang="en-US" altLang="zh-CN" dirty="0" err="1">
+              <a:rPr lang="en-US" altLang="zh-CN" dirty="0">
                 <a:solidFill>
                   <a:srgbClr val="FF0000"/>
                 </a:solidFill>
               </a:rPr>
-              <a:t>Executor,ExecutorService,Runnable</a:t>
+              <a:t>API Design</a:t>
             </a:r>
             <a:endParaRPr lang="zh-CN" altLang="en-US" dirty="0">
               <a:solidFill>
@@ -6228,7 +7068,7 @@
           <p:cNvPr id="3" name="内容占位符 2">
             <a:extLst>
               <a:ext uri="{FF2B5EF4-FFF2-40B4-BE49-F238E27FC236}">
-                <a16:creationId xmlns:a16="http://schemas.microsoft.com/office/drawing/2014/main" id="{2769B2F3-9F0D-4CD5-95FD-1CEA55669C42}"/>
+                <a16:creationId xmlns:a16="http://schemas.microsoft.com/office/drawing/2014/main" id="{396C8D06-8A38-422F-A5A0-FA852B3F3E04}"/>
               </a:ext>
             </a:extLst>
           </p:cNvPr>
@@ -6245,21 +7085,29 @@
           <a:lstStyle/>
           <a:p>
             <a:r>
-              <a:rPr lang="en-US" altLang="zh-CN" dirty="0"/>
-              <a:t>Task</a:t>
-            </a:r>
-          </a:p>
-          <a:p>
-            <a:r>
               <a:rPr lang="en-US" altLang="zh-CN" dirty="0" err="1"/>
-              <a:t>ThreadPoolExecutor</a:t>
+              <a:t>ThreadLocal</a:t>
             </a:r>
             <a:endParaRPr lang="en-US" altLang="zh-CN" dirty="0"/>
           </a:p>
           <a:p>
+            <a:endParaRPr lang="en-US" altLang="zh-CN" dirty="0"/>
+          </a:p>
+          <a:p>
+            <a:endParaRPr lang="en-US" altLang="zh-CN" dirty="0"/>
+          </a:p>
+          <a:p>
             <a:r>
               <a:rPr lang="en-US" altLang="zh-CN" dirty="0" err="1"/>
-              <a:t>ForkJoinPool</a:t>
+              <a:t>GuavaCache</a:t>
+            </a:r>
+            <a:endParaRPr lang="en-US" altLang="zh-CN" dirty="0"/>
+          </a:p>
+          <a:p>
+            <a:pPr lvl="1"/>
+            <a:r>
+              <a:rPr lang="en-US" altLang="zh-CN" dirty="0"/>
+              <a:t>map</a:t>
             </a:r>
             <a:endParaRPr lang="zh-CN" altLang="en-US" dirty="0"/>
           </a:p>
@@ -6268,7 +7116,7 @@
     </p:spTree>
     <p:extLst>
       <p:ext uri="{BB962C8B-B14F-4D97-AF65-F5344CB8AC3E}">
-        <p14:creationId xmlns:p14="http://schemas.microsoft.com/office/powerpoint/2010/main" val="2763581776"/>
+        <p14:creationId xmlns:p14="http://schemas.microsoft.com/office/powerpoint/2010/main" val="647828668"/>
       </p:ext>
     </p:extLst>
   </p:cSld>
@@ -6300,7 +7148,7 @@
           <p:cNvPr id="2" name="标题 1">
             <a:extLst>
               <a:ext uri="{FF2B5EF4-FFF2-40B4-BE49-F238E27FC236}">
-                <a16:creationId xmlns:a16="http://schemas.microsoft.com/office/drawing/2014/main" id="{B40C3411-10DC-4A33-B173-1901755EE9FF}"/>
+                <a16:creationId xmlns:a16="http://schemas.microsoft.com/office/drawing/2014/main" id="{9D308304-6AF8-49C8-8976-83499E134455}"/>
               </a:ext>
             </a:extLst>
           </p:cNvPr>
@@ -6317,13 +7165,18 @@
           <a:lstStyle/>
           <a:p>
             <a:r>
-              <a:rPr lang="zh-CN" altLang="en-US" dirty="0">
+              <a:rPr lang="en-US" altLang="zh-CN" dirty="0">
                 <a:solidFill>
                   <a:srgbClr val="FF0000"/>
                 </a:solidFill>
               </a:rPr>
-              <a:t>参考</a:t>
-            </a:r>
+              <a:t>AOP Alliance</a:t>
+            </a:r>
+            <a:endParaRPr lang="zh-CN" altLang="en-US" dirty="0">
+              <a:solidFill>
+                <a:srgbClr val="FF0000"/>
+              </a:solidFill>
+            </a:endParaRPr>
           </a:p>
         </p:txBody>
       </p:sp>
@@ -6332,7 +7185,7 @@
           <p:cNvPr id="3" name="内容占位符 2">
             <a:extLst>
               <a:ext uri="{FF2B5EF4-FFF2-40B4-BE49-F238E27FC236}">
-                <a16:creationId xmlns:a16="http://schemas.microsoft.com/office/drawing/2014/main" id="{76FDC58C-4565-4099-BFBC-3100BFA6BF7B}"/>
+                <a16:creationId xmlns:a16="http://schemas.microsoft.com/office/drawing/2014/main" id="{807331EA-3137-4AF6-890D-E7E9D9E930DA}"/>
               </a:ext>
             </a:extLst>
           </p:cNvPr>
@@ -6349,69 +7202,16 @@
           <a:lstStyle/>
           <a:p>
             <a:r>
-              <a:rPr lang="en-US" altLang="zh-CN" dirty="0"/>
-              <a:t>1 </a:t>
-            </a:r>
-            <a:r>
-              <a:rPr lang="zh-CN" altLang="en-US" dirty="0"/>
-              <a:t>面向对象分析与设计</a:t>
-            </a:r>
-            <a:endParaRPr lang="en-US" altLang="zh-CN" dirty="0"/>
-          </a:p>
-          <a:p>
-            <a:r>
-              <a:rPr lang="en-US" altLang="zh-CN" dirty="0"/>
-              <a:t>2 </a:t>
-            </a:r>
-            <a:r>
-              <a:rPr lang="zh-CN" altLang="en-US" dirty="0"/>
-              <a:t>软件设计哲学</a:t>
-            </a:r>
-            <a:endParaRPr lang="en-US" altLang="zh-CN" dirty="0"/>
-          </a:p>
-          <a:p>
-            <a:r>
-              <a:rPr lang="en-US" altLang="zh-CN" dirty="0"/>
-              <a:t>3 </a:t>
-            </a:r>
-            <a:r>
-              <a:rPr lang="zh-CN" altLang="en-US" dirty="0"/>
-              <a:t>领域驱动设计，实现领域驱动设计，领域驱动设计精髓</a:t>
-            </a:r>
-            <a:endParaRPr lang="en-US" altLang="zh-CN" dirty="0"/>
-          </a:p>
-          <a:p>
-            <a:r>
-              <a:rPr lang="en-US" altLang="zh-CN" dirty="0"/>
-              <a:t>4 </a:t>
-            </a:r>
-            <a:r>
-              <a:rPr lang="zh-CN" altLang="en-US" dirty="0"/>
-              <a:t>面向对象启思录</a:t>
-            </a:r>
-            <a:endParaRPr lang="en-US" altLang="zh-CN" dirty="0"/>
-          </a:p>
-          <a:p>
-            <a:r>
-              <a:rPr lang="en-US" altLang="zh-CN" dirty="0"/>
-              <a:t>5 </a:t>
-            </a:r>
-            <a:r>
-              <a:rPr lang="zh-CN" altLang="en-US" dirty="0"/>
-              <a:t>重构</a:t>
-            </a:r>
-            <a:r>
-              <a:rPr lang="en-US" altLang="zh-CN" dirty="0"/>
-              <a:t> </a:t>
-            </a:r>
-            <a:endParaRPr lang="zh-CN" altLang="en-US" dirty="0"/>
+              <a:rPr lang="zh-CN" altLang="en-US" dirty="0"/>
+              <a:t>删除</a:t>
+            </a:r>
           </a:p>
         </p:txBody>
       </p:sp>
     </p:spTree>
     <p:extLst>
       <p:ext uri="{BB962C8B-B14F-4D97-AF65-F5344CB8AC3E}">
-        <p14:creationId xmlns:p14="http://schemas.microsoft.com/office/powerpoint/2010/main" val="1800643236"/>
+        <p14:creationId xmlns:p14="http://schemas.microsoft.com/office/powerpoint/2010/main" val="792421411"/>
       </p:ext>
     </p:extLst>
   </p:cSld>
@@ -6443,7 +7243,7 @@
           <p:cNvPr id="2" name="标题 1">
             <a:extLst>
               <a:ext uri="{FF2B5EF4-FFF2-40B4-BE49-F238E27FC236}">
-                <a16:creationId xmlns:a16="http://schemas.microsoft.com/office/drawing/2014/main" id="{9DD67B34-99E3-4413-924E-6CE9A8A50BDA}"/>
+                <a16:creationId xmlns:a16="http://schemas.microsoft.com/office/drawing/2014/main" id="{78C52B17-29E6-4506-ACC3-BA2B3F78198D}"/>
               </a:ext>
             </a:extLst>
           </p:cNvPr>
@@ -6460,14 +7260,26 @@
           <a:lstStyle/>
           <a:p>
             <a:r>
-              <a:rPr lang="en-US" altLang="zh-CN" dirty="0">
+              <a:rPr lang="en-US" altLang="zh-CN" dirty="0" err="1">
                 <a:solidFill>
                   <a:srgbClr val="FF0000"/>
                 </a:solidFill>
               </a:rPr>
-              <a:t>Thank you!</a:t>
-            </a:r>
-            <a:endParaRPr lang="zh-CN" altLang="en-US" dirty="0"/>
+              <a:t>Executor,ExecutorService,Runnable</a:t>
+            </a:r>
+            <a:r>
+              <a:rPr lang="zh-CN" altLang="en-US">
+                <a:solidFill>
+                  <a:srgbClr val="FF0000"/>
+                </a:solidFill>
+              </a:rPr>
+              <a:t>机制</a:t>
+            </a:r>
+            <a:endParaRPr lang="zh-CN" altLang="en-US" dirty="0">
+              <a:solidFill>
+                <a:srgbClr val="FF0000"/>
+              </a:solidFill>
+            </a:endParaRPr>
           </a:p>
         </p:txBody>
       </p:sp>
@@ -6476,7 +7288,7 @@
           <p:cNvPr id="3" name="内容占位符 2">
             <a:extLst>
               <a:ext uri="{FF2B5EF4-FFF2-40B4-BE49-F238E27FC236}">
-                <a16:creationId xmlns:a16="http://schemas.microsoft.com/office/drawing/2014/main" id="{E6A120D7-8CEB-4155-9E0B-C3E34469A77A}"/>
+                <a16:creationId xmlns:a16="http://schemas.microsoft.com/office/drawing/2014/main" id="{2769B2F3-9F0D-4CD5-95FD-1CEA55669C42}"/>
               </a:ext>
             </a:extLst>
           </p:cNvPr>
@@ -6493,47 +7305,871 @@
           <a:lstStyle/>
           <a:p>
             <a:r>
+              <a:rPr lang="en-US" altLang="zh-CN" b="0" i="0" dirty="0">
+                <a:solidFill>
+                  <a:srgbClr val="121212"/>
+                </a:solidFill>
+                <a:effectLst/>
+                <a:latin typeface="-apple-system"/>
+              </a:rPr>
+              <a:t>Thread, Runnable</a:t>
+            </a:r>
+            <a:r>
+              <a:rPr lang="zh-CN" altLang="en-US" b="0" i="0" dirty="0">
+                <a:solidFill>
+                  <a:srgbClr val="121212"/>
+                </a:solidFill>
+                <a:effectLst/>
+                <a:latin typeface="-apple-system"/>
+              </a:rPr>
+              <a:t>，</a:t>
+            </a:r>
+            <a:r>
+              <a:rPr lang="en-US" altLang="zh-CN" b="0" i="0" dirty="0">
+                <a:solidFill>
+                  <a:srgbClr val="121212"/>
+                </a:solidFill>
+                <a:effectLst/>
+                <a:latin typeface="-apple-system"/>
+              </a:rPr>
+              <a:t>Callable</a:t>
+            </a:r>
+            <a:r>
+              <a:rPr lang="zh-CN" altLang="en-US" b="0" i="0" dirty="0">
+                <a:solidFill>
+                  <a:srgbClr val="121212"/>
+                </a:solidFill>
+                <a:effectLst/>
+                <a:latin typeface="-apple-system"/>
+              </a:rPr>
+              <a:t>，</a:t>
+            </a:r>
+            <a:r>
+              <a:rPr lang="en-US" altLang="zh-CN" b="0" i="0" dirty="0" err="1">
+                <a:solidFill>
+                  <a:srgbClr val="121212"/>
+                </a:solidFill>
+                <a:effectLst/>
+                <a:latin typeface="-apple-system"/>
+              </a:rPr>
+              <a:t>FutureTask</a:t>
+            </a:r>
+            <a:r>
+              <a:rPr lang="zh-CN" altLang="en-US" b="0" i="0" dirty="0">
+                <a:solidFill>
+                  <a:srgbClr val="121212"/>
+                </a:solidFill>
+                <a:effectLst/>
+                <a:latin typeface="-apple-system"/>
+              </a:rPr>
+              <a:t>，到</a:t>
+            </a:r>
+            <a:r>
+              <a:rPr lang="en-US" altLang="zh-CN" b="0" i="0" dirty="0" err="1">
+                <a:solidFill>
+                  <a:srgbClr val="121212"/>
+                </a:solidFill>
+                <a:effectLst/>
+                <a:latin typeface="-apple-system"/>
+              </a:rPr>
+              <a:t>ForkJoinTask</a:t>
+            </a:r>
+            <a:endParaRPr lang="en-US" altLang="zh-CN" b="0" i="0" dirty="0">
+              <a:solidFill>
+                <a:srgbClr val="121212"/>
+              </a:solidFill>
+              <a:effectLst/>
+              <a:latin typeface="-apple-system"/>
+            </a:endParaRPr>
+          </a:p>
+          <a:p>
+            <a:pPr lvl="1"/>
+            <a:r>
+              <a:rPr lang="zh-CN" altLang="en-US">
+                <a:solidFill>
+                  <a:srgbClr val="121212"/>
+                </a:solidFill>
+                <a:latin typeface="-apple-system"/>
+              </a:rPr>
+              <a:t>很多人描述</a:t>
+            </a:r>
+            <a:r>
+              <a:rPr lang="zh-CN" altLang="en-US" dirty="0">
+                <a:solidFill>
+                  <a:srgbClr val="121212"/>
+                </a:solidFill>
+                <a:latin typeface="-apple-system"/>
+              </a:rPr>
+              <a:t>时候经常少了</a:t>
+            </a:r>
+            <a:r>
               <a:rPr lang="en-US" altLang="zh-CN" dirty="0">
-                <a:hlinkClick r:id="rId2"/>
+                <a:solidFill>
+                  <a:srgbClr val="121212"/>
+                </a:solidFill>
+                <a:latin typeface="-apple-system"/>
               </a:rPr>
-              <a:t>https://twitter.com/xiaozhiliaoo</a:t>
+              <a:t>Task</a:t>
+            </a:r>
+            <a:r>
+              <a:rPr lang="zh-CN" altLang="en-US" dirty="0">
+                <a:solidFill>
+                  <a:srgbClr val="121212"/>
+                </a:solidFill>
+                <a:latin typeface="-apple-system"/>
+              </a:rPr>
+              <a:t>概念</a:t>
             </a:r>
             <a:endParaRPr lang="en-US" altLang="zh-CN" dirty="0"/>
           </a:p>
           <a:p>
             <a:r>
               <a:rPr lang="en-US" altLang="zh-CN" dirty="0" err="1"/>
-              <a:t>xiaozhiliaoo@gmail</a:t>
+              <a:t>ThreadPoolExecutor</a:t>
             </a:r>
             <a:endParaRPr lang="en-US" altLang="zh-CN" dirty="0"/>
           </a:p>
           <a:p>
             <a:r>
-              <a:rPr lang="en-US" altLang="zh-CN" dirty="0">
-                <a:hlinkClick r:id="rId3"/>
-              </a:rPr>
-              <a:t>https://github.com/xiaozhiliaoo</a:t>
+              <a:rPr lang="en-US" altLang="zh-CN" dirty="0" err="1"/>
+              <a:t>ForkJoinPool</a:t>
             </a:r>
             <a:endParaRPr lang="en-US" altLang="zh-CN" dirty="0"/>
           </a:p>
           <a:p>
-            <a:endParaRPr lang="zh-CN" altLang="en-US" dirty="0"/>
-          </a:p>
-          <a:p>
-            <a:endParaRPr lang="zh-CN" altLang="en-US" dirty="0"/>
+            <a:r>
+              <a:rPr lang="en-US" altLang="zh-CN" dirty="0" err="1"/>
+              <a:t>TaskExecutor</a:t>
+            </a:r>
+            <a:endParaRPr lang="en-US" altLang="zh-CN" dirty="0"/>
           </a:p>
         </p:txBody>
       </p:sp>
     </p:spTree>
     <p:extLst>
       <p:ext uri="{BB962C8B-B14F-4D97-AF65-F5344CB8AC3E}">
-        <p14:creationId xmlns:p14="http://schemas.microsoft.com/office/powerpoint/2010/main" val="4030345043"/>
+        <p14:creationId xmlns:p14="http://schemas.microsoft.com/office/powerpoint/2010/main" val="2763581776"/>
       </p:ext>
     </p:extLst>
   </p:cSld>
   <p:clrMapOvr>
     <a:masterClrMapping/>
   </p:clrMapOvr>
+</p:sld>
+</file>
+
+<file path=ppt/slides/slide29.xml><?xml version="1.0" encoding="utf-8"?>
+<p:sld xmlns:a="http://schemas.openxmlformats.org/drawingml/2006/main" xmlns:r="http://schemas.openxmlformats.org/officeDocument/2006/relationships" xmlns:p="http://schemas.openxmlformats.org/presentationml/2006/main">
+  <p:cSld>
+    <p:spTree>
+      <p:nvGrpSpPr>
+        <p:cNvPr id="1" name=""/>
+        <p:cNvGrpSpPr/>
+        <p:nvPr/>
+      </p:nvGrpSpPr>
+      <p:grpSpPr>
+        <a:xfrm>
+          <a:off x="0" y="0"/>
+          <a:ext cx="0" cy="0"/>
+          <a:chOff x="0" y="0"/>
+          <a:chExt cx="0" cy="0"/>
+        </a:xfrm>
+      </p:grpSpPr>
+      <p:sp>
+        <p:nvSpPr>
+          <p:cNvPr id="2" name="标题 1">
+            <a:extLst>
+              <a:ext uri="{FF2B5EF4-FFF2-40B4-BE49-F238E27FC236}">
+                <a16:creationId xmlns:a16="http://schemas.microsoft.com/office/drawing/2014/main" id="{75FCEBFC-30FD-400F-A1F1-F6EDD1444552}"/>
+              </a:ext>
+            </a:extLst>
+          </p:cNvPr>
+          <p:cNvSpPr>
+            <a:spLocks noGrp="1"/>
+          </p:cNvSpPr>
+          <p:nvPr>
+            <p:ph type="title"/>
+          </p:nvPr>
+        </p:nvSpPr>
+        <p:spPr/>
+        <p:txBody>
+          <a:bodyPr/>
+          <a:lstStyle/>
+          <a:p>
+            <a:endParaRPr lang="zh-CN" altLang="en-US"/>
+          </a:p>
+        </p:txBody>
+      </p:sp>
+      <p:sp>
+        <p:nvSpPr>
+          <p:cNvPr id="3" name="内容占位符 2">
+            <a:extLst>
+              <a:ext uri="{FF2B5EF4-FFF2-40B4-BE49-F238E27FC236}">
+                <a16:creationId xmlns:a16="http://schemas.microsoft.com/office/drawing/2014/main" id="{FEFC2D48-02B9-4C11-B31A-3B2780995732}"/>
+              </a:ext>
+            </a:extLst>
+          </p:cNvPr>
+          <p:cNvSpPr>
+            <a:spLocks noGrp="1"/>
+          </p:cNvSpPr>
+          <p:nvPr>
+            <p:ph idx="1"/>
+          </p:nvPr>
+        </p:nvSpPr>
+        <p:spPr/>
+        <p:txBody>
+          <a:bodyPr/>
+          <a:lstStyle/>
+          <a:p>
+            <a:endParaRPr lang="zh-CN" altLang="en-US"/>
+          </a:p>
+        </p:txBody>
+      </p:sp>
+      <p:pic>
+        <p:nvPicPr>
+          <p:cNvPr id="5" name="图片 4">
+            <a:extLst>
+              <a:ext uri="{FF2B5EF4-FFF2-40B4-BE49-F238E27FC236}">
+                <a16:creationId xmlns:a16="http://schemas.microsoft.com/office/drawing/2014/main" id="{DA42AE05-27EC-4CE3-90AE-94E9574C2317}"/>
+              </a:ext>
+            </a:extLst>
+          </p:cNvPr>
+          <p:cNvPicPr>
+            <a:picLocks noChangeAspect="1"/>
+          </p:cNvPicPr>
+          <p:nvPr/>
+        </p:nvPicPr>
+        <p:blipFill>
+          <a:blip r:embed="rId2"/>
+          <a:stretch>
+            <a:fillRect/>
+          </a:stretch>
+        </p:blipFill>
+        <p:spPr>
+          <a:xfrm>
+            <a:off x="0" y="2388101"/>
+            <a:ext cx="8686800" cy="2095500"/>
+          </a:xfrm>
+          <a:prstGeom prst="rect">
+            <a:avLst/>
+          </a:prstGeom>
+        </p:spPr>
+      </p:pic>
+      <p:pic>
+        <p:nvPicPr>
+          <p:cNvPr id="7" name="图片 6">
+            <a:extLst>
+              <a:ext uri="{FF2B5EF4-FFF2-40B4-BE49-F238E27FC236}">
+                <a16:creationId xmlns:a16="http://schemas.microsoft.com/office/drawing/2014/main" id="{342F3C28-D39C-432B-8C80-DE9076FC3EAD}"/>
+              </a:ext>
+            </a:extLst>
+          </p:cNvPr>
+          <p:cNvPicPr>
+            <a:picLocks noChangeAspect="1"/>
+          </p:cNvPicPr>
+          <p:nvPr/>
+        </p:nvPicPr>
+        <p:blipFill>
+          <a:blip r:embed="rId3"/>
+          <a:stretch>
+            <a:fillRect/>
+          </a:stretch>
+        </p:blipFill>
+        <p:spPr>
+          <a:xfrm>
+            <a:off x="-77804" y="3804386"/>
+            <a:ext cx="12192000" cy="2168855"/>
+          </a:xfrm>
+          <a:prstGeom prst="rect">
+            <a:avLst/>
+          </a:prstGeom>
+        </p:spPr>
+      </p:pic>
+      <p:pic>
+        <p:nvPicPr>
+          <p:cNvPr id="9" name="图片 8">
+            <a:extLst>
+              <a:ext uri="{FF2B5EF4-FFF2-40B4-BE49-F238E27FC236}">
+                <a16:creationId xmlns:a16="http://schemas.microsoft.com/office/drawing/2014/main" id="{30545996-0CC7-4F96-8AB1-34121A48B24B}"/>
+              </a:ext>
+            </a:extLst>
+          </p:cNvPr>
+          <p:cNvPicPr>
+            <a:picLocks noChangeAspect="1"/>
+          </p:cNvPicPr>
+          <p:nvPr/>
+        </p:nvPicPr>
+        <p:blipFill>
+          <a:blip r:embed="rId4"/>
+          <a:stretch>
+            <a:fillRect/>
+          </a:stretch>
+        </p:blipFill>
+        <p:spPr>
+          <a:xfrm>
+            <a:off x="77804" y="0"/>
+            <a:ext cx="12192000" cy="1072843"/>
+          </a:xfrm>
+          <a:prstGeom prst="rect">
+            <a:avLst/>
+          </a:prstGeom>
+        </p:spPr>
+      </p:pic>
+      <p:pic>
+        <p:nvPicPr>
+          <p:cNvPr id="11" name="图片 10">
+            <a:extLst>
+              <a:ext uri="{FF2B5EF4-FFF2-40B4-BE49-F238E27FC236}">
+                <a16:creationId xmlns:a16="http://schemas.microsoft.com/office/drawing/2014/main" id="{6124EF7E-BD2B-42E4-9BC9-B815738DC64D}"/>
+              </a:ext>
+            </a:extLst>
+          </p:cNvPr>
+          <p:cNvPicPr>
+            <a:picLocks noChangeAspect="1"/>
+          </p:cNvPicPr>
+          <p:nvPr/>
+        </p:nvPicPr>
+        <p:blipFill>
+          <a:blip r:embed="rId5"/>
+          <a:stretch>
+            <a:fillRect/>
+          </a:stretch>
+        </p:blipFill>
+        <p:spPr>
+          <a:xfrm>
+            <a:off x="-77804" y="804576"/>
+            <a:ext cx="12192000" cy="1072082"/>
+          </a:xfrm>
+          <a:prstGeom prst="rect">
+            <a:avLst/>
+          </a:prstGeom>
+        </p:spPr>
+      </p:pic>
+      <p:pic>
+        <p:nvPicPr>
+          <p:cNvPr id="13" name="图片 12">
+            <a:extLst>
+              <a:ext uri="{FF2B5EF4-FFF2-40B4-BE49-F238E27FC236}">
+                <a16:creationId xmlns:a16="http://schemas.microsoft.com/office/drawing/2014/main" id="{ABF9D5BC-2DDD-404F-8D5C-2D8EE21043A5}"/>
+              </a:ext>
+            </a:extLst>
+          </p:cNvPr>
+          <p:cNvPicPr>
+            <a:picLocks noChangeAspect="1"/>
+          </p:cNvPicPr>
+          <p:nvPr/>
+        </p:nvPicPr>
+        <p:blipFill>
+          <a:blip r:embed="rId6"/>
+          <a:stretch>
+            <a:fillRect/>
+          </a:stretch>
+        </p:blipFill>
+        <p:spPr>
+          <a:xfrm>
+            <a:off x="-77804" y="1631495"/>
+            <a:ext cx="12192000" cy="1245704"/>
+          </a:xfrm>
+          <a:prstGeom prst="rect">
+            <a:avLst/>
+          </a:prstGeom>
+        </p:spPr>
+      </p:pic>
+    </p:spTree>
+    <p:extLst>
+      <p:ext uri="{BB962C8B-B14F-4D97-AF65-F5344CB8AC3E}">
+        <p14:creationId xmlns:p14="http://schemas.microsoft.com/office/powerpoint/2010/main" val="603979945"/>
+      </p:ext>
+    </p:extLst>
+  </p:cSld>
+  <p:clrMapOvr>
+    <a:masterClrMapping/>
+  </p:clrMapOvr>
+  <p:timing>
+    <p:tnLst>
+      <p:par>
+        <p:cTn id="1" dur="indefinite" restart="never" nodeType="tmRoot">
+          <p:childTnLst>
+            <p:seq concurrent="1" nextAc="seek">
+              <p:cTn id="2" dur="indefinite" nodeType="mainSeq">
+                <p:childTnLst>
+                  <p:par>
+                    <p:cTn id="3" fill="hold">
+                      <p:stCondLst>
+                        <p:cond delay="indefinite"/>
+                      </p:stCondLst>
+                      <p:childTnLst>
+                        <p:par>
+                          <p:cTn id="4" fill="hold">
+                            <p:stCondLst>
+                              <p:cond delay="0"/>
+                            </p:stCondLst>
+                            <p:childTnLst>
+                              <p:par>
+                                <p:cTn id="5" presetID="2" presetClass="entr" presetSubtype="4" fill="hold" nodeType="clickEffect">
+                                  <p:stCondLst>
+                                    <p:cond delay="0"/>
+                                  </p:stCondLst>
+                                  <p:childTnLst>
+                                    <p:set>
+                                      <p:cBhvr>
+                                        <p:cTn id="6" dur="1" fill="hold">
+                                          <p:stCondLst>
+                                            <p:cond delay="0"/>
+                                          </p:stCondLst>
+                                        </p:cTn>
+                                        <p:tgtEl>
+                                          <p:spTgt spid="9"/>
+                                        </p:tgtEl>
+                                        <p:attrNameLst>
+                                          <p:attrName>style.visibility</p:attrName>
+                                        </p:attrNameLst>
+                                      </p:cBhvr>
+                                      <p:to>
+                                        <p:strVal val="visible"/>
+                                      </p:to>
+                                    </p:set>
+                                    <p:anim calcmode="lin" valueType="num">
+                                      <p:cBhvr additive="base">
+                                        <p:cTn id="7" dur="500" fill="hold"/>
+                                        <p:tgtEl>
+                                          <p:spTgt spid="9"/>
+                                        </p:tgtEl>
+                                        <p:attrNameLst>
+                                          <p:attrName>ppt_x</p:attrName>
+                                        </p:attrNameLst>
+                                      </p:cBhvr>
+                                      <p:tavLst>
+                                        <p:tav tm="0">
+                                          <p:val>
+                                            <p:strVal val="#ppt_x"/>
+                                          </p:val>
+                                        </p:tav>
+                                        <p:tav tm="100000">
+                                          <p:val>
+                                            <p:strVal val="#ppt_x"/>
+                                          </p:val>
+                                        </p:tav>
+                                      </p:tavLst>
+                                    </p:anim>
+                                    <p:anim calcmode="lin" valueType="num">
+                                      <p:cBhvr additive="base">
+                                        <p:cTn id="8" dur="500" fill="hold"/>
+                                        <p:tgtEl>
+                                          <p:spTgt spid="9"/>
+                                        </p:tgtEl>
+                                        <p:attrNameLst>
+                                          <p:attrName>ppt_y</p:attrName>
+                                        </p:attrNameLst>
+                                      </p:cBhvr>
+                                      <p:tavLst>
+                                        <p:tav tm="0">
+                                          <p:val>
+                                            <p:strVal val="1+#ppt_h/2"/>
+                                          </p:val>
+                                        </p:tav>
+                                        <p:tav tm="100000">
+                                          <p:val>
+                                            <p:strVal val="#ppt_y"/>
+                                          </p:val>
+                                        </p:tav>
+                                      </p:tavLst>
+                                    </p:anim>
+                                  </p:childTnLst>
+                                </p:cTn>
+                              </p:par>
+                            </p:childTnLst>
+                          </p:cTn>
+                        </p:par>
+                      </p:childTnLst>
+                    </p:cTn>
+                  </p:par>
+                  <p:par>
+                    <p:cTn id="9" fill="hold">
+                      <p:stCondLst>
+                        <p:cond delay="indefinite"/>
+                      </p:stCondLst>
+                      <p:childTnLst>
+                        <p:par>
+                          <p:cTn id="10" fill="hold">
+                            <p:stCondLst>
+                              <p:cond delay="0"/>
+                            </p:stCondLst>
+                            <p:childTnLst>
+                              <p:par>
+                                <p:cTn id="11" presetID="2" presetClass="entr" presetSubtype="4" fill="hold" nodeType="clickEffect">
+                                  <p:stCondLst>
+                                    <p:cond delay="0"/>
+                                  </p:stCondLst>
+                                  <p:childTnLst>
+                                    <p:set>
+                                      <p:cBhvr>
+                                        <p:cTn id="12" dur="1" fill="hold">
+                                          <p:stCondLst>
+                                            <p:cond delay="0"/>
+                                          </p:stCondLst>
+                                        </p:cTn>
+                                        <p:tgtEl>
+                                          <p:spTgt spid="11"/>
+                                        </p:tgtEl>
+                                        <p:attrNameLst>
+                                          <p:attrName>style.visibility</p:attrName>
+                                        </p:attrNameLst>
+                                      </p:cBhvr>
+                                      <p:to>
+                                        <p:strVal val="visible"/>
+                                      </p:to>
+                                    </p:set>
+                                    <p:anim calcmode="lin" valueType="num">
+                                      <p:cBhvr additive="base">
+                                        <p:cTn id="13" dur="500" fill="hold"/>
+                                        <p:tgtEl>
+                                          <p:spTgt spid="11"/>
+                                        </p:tgtEl>
+                                        <p:attrNameLst>
+                                          <p:attrName>ppt_x</p:attrName>
+                                        </p:attrNameLst>
+                                      </p:cBhvr>
+                                      <p:tavLst>
+                                        <p:tav tm="0">
+                                          <p:val>
+                                            <p:strVal val="#ppt_x"/>
+                                          </p:val>
+                                        </p:tav>
+                                        <p:tav tm="100000">
+                                          <p:val>
+                                            <p:strVal val="#ppt_x"/>
+                                          </p:val>
+                                        </p:tav>
+                                      </p:tavLst>
+                                    </p:anim>
+                                    <p:anim calcmode="lin" valueType="num">
+                                      <p:cBhvr additive="base">
+                                        <p:cTn id="14" dur="500" fill="hold"/>
+                                        <p:tgtEl>
+                                          <p:spTgt spid="11"/>
+                                        </p:tgtEl>
+                                        <p:attrNameLst>
+                                          <p:attrName>ppt_y</p:attrName>
+                                        </p:attrNameLst>
+                                      </p:cBhvr>
+                                      <p:tavLst>
+                                        <p:tav tm="0">
+                                          <p:val>
+                                            <p:strVal val="1+#ppt_h/2"/>
+                                          </p:val>
+                                        </p:tav>
+                                        <p:tav tm="100000">
+                                          <p:val>
+                                            <p:strVal val="#ppt_y"/>
+                                          </p:val>
+                                        </p:tav>
+                                      </p:tavLst>
+                                    </p:anim>
+                                  </p:childTnLst>
+                                </p:cTn>
+                              </p:par>
+                            </p:childTnLst>
+                          </p:cTn>
+                        </p:par>
+                      </p:childTnLst>
+                    </p:cTn>
+                  </p:par>
+                  <p:par>
+                    <p:cTn id="15" fill="hold">
+                      <p:stCondLst>
+                        <p:cond delay="indefinite"/>
+                      </p:stCondLst>
+                      <p:childTnLst>
+                        <p:par>
+                          <p:cTn id="16" fill="hold">
+                            <p:stCondLst>
+                              <p:cond delay="0"/>
+                            </p:stCondLst>
+                            <p:childTnLst>
+                              <p:par>
+                                <p:cTn id="17" presetID="2" presetClass="entr" presetSubtype="4" fill="hold" nodeType="clickEffect">
+                                  <p:stCondLst>
+                                    <p:cond delay="0"/>
+                                  </p:stCondLst>
+                                  <p:childTnLst>
+                                    <p:set>
+                                      <p:cBhvr>
+                                        <p:cTn id="18" dur="1" fill="hold">
+                                          <p:stCondLst>
+                                            <p:cond delay="0"/>
+                                          </p:stCondLst>
+                                        </p:cTn>
+                                        <p:tgtEl>
+                                          <p:spTgt spid="13"/>
+                                        </p:tgtEl>
+                                        <p:attrNameLst>
+                                          <p:attrName>style.visibility</p:attrName>
+                                        </p:attrNameLst>
+                                      </p:cBhvr>
+                                      <p:to>
+                                        <p:strVal val="visible"/>
+                                      </p:to>
+                                    </p:set>
+                                    <p:anim calcmode="lin" valueType="num">
+                                      <p:cBhvr additive="base">
+                                        <p:cTn id="19" dur="500" fill="hold"/>
+                                        <p:tgtEl>
+                                          <p:spTgt spid="13"/>
+                                        </p:tgtEl>
+                                        <p:attrNameLst>
+                                          <p:attrName>ppt_x</p:attrName>
+                                        </p:attrNameLst>
+                                      </p:cBhvr>
+                                      <p:tavLst>
+                                        <p:tav tm="0">
+                                          <p:val>
+                                            <p:strVal val="#ppt_x"/>
+                                          </p:val>
+                                        </p:tav>
+                                        <p:tav tm="100000">
+                                          <p:val>
+                                            <p:strVal val="#ppt_x"/>
+                                          </p:val>
+                                        </p:tav>
+                                      </p:tavLst>
+                                    </p:anim>
+                                    <p:anim calcmode="lin" valueType="num">
+                                      <p:cBhvr additive="base">
+                                        <p:cTn id="20" dur="500" fill="hold"/>
+                                        <p:tgtEl>
+                                          <p:spTgt spid="13"/>
+                                        </p:tgtEl>
+                                        <p:attrNameLst>
+                                          <p:attrName>ppt_y</p:attrName>
+                                        </p:attrNameLst>
+                                      </p:cBhvr>
+                                      <p:tavLst>
+                                        <p:tav tm="0">
+                                          <p:val>
+                                            <p:strVal val="1+#ppt_h/2"/>
+                                          </p:val>
+                                        </p:tav>
+                                        <p:tav tm="100000">
+                                          <p:val>
+                                            <p:strVal val="#ppt_y"/>
+                                          </p:val>
+                                        </p:tav>
+                                      </p:tavLst>
+                                    </p:anim>
+                                  </p:childTnLst>
+                                </p:cTn>
+                              </p:par>
+                            </p:childTnLst>
+                          </p:cTn>
+                        </p:par>
+                      </p:childTnLst>
+                    </p:cTn>
+                  </p:par>
+                  <p:par>
+                    <p:cTn id="21" fill="hold">
+                      <p:stCondLst>
+                        <p:cond delay="indefinite"/>
+                      </p:stCondLst>
+                      <p:childTnLst>
+                        <p:par>
+                          <p:cTn id="22" fill="hold">
+                            <p:stCondLst>
+                              <p:cond delay="0"/>
+                            </p:stCondLst>
+                            <p:childTnLst>
+                              <p:par>
+                                <p:cTn id="23" presetID="2" presetClass="entr" presetSubtype="4" fill="hold" nodeType="clickEffect">
+                                  <p:stCondLst>
+                                    <p:cond delay="0"/>
+                                  </p:stCondLst>
+                                  <p:childTnLst>
+                                    <p:set>
+                                      <p:cBhvr>
+                                        <p:cTn id="24" dur="1" fill="hold">
+                                          <p:stCondLst>
+                                            <p:cond delay="0"/>
+                                          </p:stCondLst>
+                                        </p:cTn>
+                                        <p:tgtEl>
+                                          <p:spTgt spid="5"/>
+                                        </p:tgtEl>
+                                        <p:attrNameLst>
+                                          <p:attrName>style.visibility</p:attrName>
+                                        </p:attrNameLst>
+                                      </p:cBhvr>
+                                      <p:to>
+                                        <p:strVal val="visible"/>
+                                      </p:to>
+                                    </p:set>
+                                    <p:anim calcmode="lin" valueType="num">
+                                      <p:cBhvr additive="base">
+                                        <p:cTn id="25" dur="500" fill="hold"/>
+                                        <p:tgtEl>
+                                          <p:spTgt spid="5"/>
+                                        </p:tgtEl>
+                                        <p:attrNameLst>
+                                          <p:attrName>ppt_x</p:attrName>
+                                        </p:attrNameLst>
+                                      </p:cBhvr>
+                                      <p:tavLst>
+                                        <p:tav tm="0">
+                                          <p:val>
+                                            <p:strVal val="#ppt_x"/>
+                                          </p:val>
+                                        </p:tav>
+                                        <p:tav tm="100000">
+                                          <p:val>
+                                            <p:strVal val="#ppt_x"/>
+                                          </p:val>
+                                        </p:tav>
+                                      </p:tavLst>
+                                    </p:anim>
+                                    <p:anim calcmode="lin" valueType="num">
+                                      <p:cBhvr additive="base">
+                                        <p:cTn id="26" dur="500" fill="hold"/>
+                                        <p:tgtEl>
+                                          <p:spTgt spid="5"/>
+                                        </p:tgtEl>
+                                        <p:attrNameLst>
+                                          <p:attrName>ppt_y</p:attrName>
+                                        </p:attrNameLst>
+                                      </p:cBhvr>
+                                      <p:tavLst>
+                                        <p:tav tm="0">
+                                          <p:val>
+                                            <p:strVal val="1+#ppt_h/2"/>
+                                          </p:val>
+                                        </p:tav>
+                                        <p:tav tm="100000">
+                                          <p:val>
+                                            <p:strVal val="#ppt_y"/>
+                                          </p:val>
+                                        </p:tav>
+                                      </p:tavLst>
+                                    </p:anim>
+                                  </p:childTnLst>
+                                </p:cTn>
+                              </p:par>
+                            </p:childTnLst>
+                          </p:cTn>
+                        </p:par>
+                      </p:childTnLst>
+                    </p:cTn>
+                  </p:par>
+                  <p:par>
+                    <p:cTn id="27" fill="hold">
+                      <p:stCondLst>
+                        <p:cond delay="indefinite"/>
+                      </p:stCondLst>
+                      <p:childTnLst>
+                        <p:par>
+                          <p:cTn id="28" fill="hold">
+                            <p:stCondLst>
+                              <p:cond delay="0"/>
+                            </p:stCondLst>
+                            <p:childTnLst>
+                              <p:par>
+                                <p:cTn id="29" presetID="2" presetClass="entr" presetSubtype="4" fill="hold" nodeType="clickEffect">
+                                  <p:stCondLst>
+                                    <p:cond delay="0"/>
+                                  </p:stCondLst>
+                                  <p:childTnLst>
+                                    <p:set>
+                                      <p:cBhvr>
+                                        <p:cTn id="30" dur="1" fill="hold">
+                                          <p:stCondLst>
+                                            <p:cond delay="0"/>
+                                          </p:stCondLst>
+                                        </p:cTn>
+                                        <p:tgtEl>
+                                          <p:spTgt spid="7"/>
+                                        </p:tgtEl>
+                                        <p:attrNameLst>
+                                          <p:attrName>style.visibility</p:attrName>
+                                        </p:attrNameLst>
+                                      </p:cBhvr>
+                                      <p:to>
+                                        <p:strVal val="visible"/>
+                                      </p:to>
+                                    </p:set>
+                                    <p:anim calcmode="lin" valueType="num">
+                                      <p:cBhvr additive="base">
+                                        <p:cTn id="31" dur="500" fill="hold"/>
+                                        <p:tgtEl>
+                                          <p:spTgt spid="7"/>
+                                        </p:tgtEl>
+                                        <p:attrNameLst>
+                                          <p:attrName>ppt_x</p:attrName>
+                                        </p:attrNameLst>
+                                      </p:cBhvr>
+                                      <p:tavLst>
+                                        <p:tav tm="0">
+                                          <p:val>
+                                            <p:strVal val="#ppt_x"/>
+                                          </p:val>
+                                        </p:tav>
+                                        <p:tav tm="100000">
+                                          <p:val>
+                                            <p:strVal val="#ppt_x"/>
+                                          </p:val>
+                                        </p:tav>
+                                      </p:tavLst>
+                                    </p:anim>
+                                    <p:anim calcmode="lin" valueType="num">
+                                      <p:cBhvr additive="base">
+                                        <p:cTn id="32" dur="500" fill="hold"/>
+                                        <p:tgtEl>
+                                          <p:spTgt spid="7"/>
+                                        </p:tgtEl>
+                                        <p:attrNameLst>
+                                          <p:attrName>ppt_y</p:attrName>
+                                        </p:attrNameLst>
+                                      </p:cBhvr>
+                                      <p:tavLst>
+                                        <p:tav tm="0">
+                                          <p:val>
+                                            <p:strVal val="1+#ppt_h/2"/>
+                                          </p:val>
+                                        </p:tav>
+                                        <p:tav tm="100000">
+                                          <p:val>
+                                            <p:strVal val="#ppt_y"/>
+                                          </p:val>
+                                        </p:tav>
+                                      </p:tavLst>
+                                    </p:anim>
+                                  </p:childTnLst>
+                                </p:cTn>
+                              </p:par>
+                            </p:childTnLst>
+                          </p:cTn>
+                        </p:par>
+                      </p:childTnLst>
+                    </p:cTn>
+                  </p:par>
+                </p:childTnLst>
+              </p:cTn>
+              <p:prevCondLst>
+                <p:cond evt="onPrev" delay="0">
+                  <p:tgtEl>
+                    <p:sldTgt/>
+                  </p:tgtEl>
+                </p:cond>
+              </p:prevCondLst>
+              <p:nextCondLst>
+                <p:cond evt="onNext" delay="0">
+                  <p:tgtEl>
+                    <p:sldTgt/>
+                  </p:tgtEl>
+                </p:cond>
+              </p:nextCondLst>
+            </p:seq>
+          </p:childTnLst>
+        </p:cTn>
+      </p:par>
+    </p:tnLst>
+  </p:timing>
 </p:sld>
 </file>
 
@@ -6559,6 +8195,349 @@
           <p:cNvPr id="2" name="标题 1">
             <a:extLst>
               <a:ext uri="{FF2B5EF4-FFF2-40B4-BE49-F238E27FC236}">
+                <a16:creationId xmlns:a16="http://schemas.microsoft.com/office/drawing/2014/main" id="{4504324A-78B1-4414-93C1-BE7194741694}"/>
+              </a:ext>
+            </a:extLst>
+          </p:cNvPr>
+          <p:cNvSpPr>
+            <a:spLocks noGrp="1"/>
+          </p:cNvSpPr>
+          <p:nvPr>
+            <p:ph type="title"/>
+          </p:nvPr>
+        </p:nvSpPr>
+        <p:spPr/>
+        <p:txBody>
+          <a:bodyPr/>
+          <a:lstStyle/>
+          <a:p>
+            <a:r>
+              <a:rPr lang="zh-CN" altLang="en-US" dirty="0"/>
+              <a:t>进阶的目的是什么？</a:t>
+            </a:r>
+          </a:p>
+        </p:txBody>
+      </p:sp>
+      <p:sp>
+        <p:nvSpPr>
+          <p:cNvPr id="3" name="内容占位符 2">
+            <a:extLst>
+              <a:ext uri="{FF2B5EF4-FFF2-40B4-BE49-F238E27FC236}">
+                <a16:creationId xmlns:a16="http://schemas.microsoft.com/office/drawing/2014/main" id="{4BDD59C4-3D8F-4DAA-B1ED-45E69ADB7D83}"/>
+              </a:ext>
+            </a:extLst>
+          </p:cNvPr>
+          <p:cNvSpPr>
+            <a:spLocks noGrp="1"/>
+          </p:cNvSpPr>
+          <p:nvPr>
+            <p:ph idx="1"/>
+          </p:nvPr>
+        </p:nvSpPr>
+        <p:spPr/>
+        <p:txBody>
+          <a:bodyPr/>
+          <a:lstStyle/>
+          <a:p>
+            <a:r>
+              <a:rPr lang="zh-CN" altLang="en-US" dirty="0"/>
+              <a:t>软件设计目的：减少复杂性</a:t>
+            </a:r>
+            <a:endParaRPr lang="en-US" altLang="zh-CN" dirty="0"/>
+          </a:p>
+          <a:p>
+            <a:r>
+              <a:rPr lang="zh-CN" altLang="en-US" dirty="0"/>
+              <a:t>首要技术目标：攻克软件复杂性</a:t>
+            </a:r>
+          </a:p>
+        </p:txBody>
+      </p:sp>
+    </p:spTree>
+    <p:extLst>
+      <p:ext uri="{BB962C8B-B14F-4D97-AF65-F5344CB8AC3E}">
+        <p14:creationId xmlns:p14="http://schemas.microsoft.com/office/powerpoint/2010/main" val="3769475451"/>
+      </p:ext>
+    </p:extLst>
+  </p:cSld>
+  <p:clrMapOvr>
+    <a:masterClrMapping/>
+  </p:clrMapOvr>
+</p:sld>
+</file>
+
+<file path=ppt/slides/slide30.xml><?xml version="1.0" encoding="utf-8"?>
+<p:sld xmlns:a="http://schemas.openxmlformats.org/drawingml/2006/main" xmlns:r="http://schemas.openxmlformats.org/officeDocument/2006/relationships" xmlns:p="http://schemas.openxmlformats.org/presentationml/2006/main">
+  <p:cSld>
+    <p:spTree>
+      <p:nvGrpSpPr>
+        <p:cNvPr id="1" name=""/>
+        <p:cNvGrpSpPr/>
+        <p:nvPr/>
+      </p:nvGrpSpPr>
+      <p:grpSpPr>
+        <a:xfrm>
+          <a:off x="0" y="0"/>
+          <a:ext cx="0" cy="0"/>
+          <a:chOff x="0" y="0"/>
+          <a:chExt cx="0" cy="0"/>
+        </a:xfrm>
+      </p:grpSpPr>
+      <p:sp>
+        <p:nvSpPr>
+          <p:cNvPr id="2" name="标题 1">
+            <a:extLst>
+              <a:ext uri="{FF2B5EF4-FFF2-40B4-BE49-F238E27FC236}">
+                <a16:creationId xmlns:a16="http://schemas.microsoft.com/office/drawing/2014/main" id="{B40C3411-10DC-4A33-B173-1901755EE9FF}"/>
+              </a:ext>
+            </a:extLst>
+          </p:cNvPr>
+          <p:cNvSpPr>
+            <a:spLocks noGrp="1"/>
+          </p:cNvSpPr>
+          <p:nvPr>
+            <p:ph type="title"/>
+          </p:nvPr>
+        </p:nvSpPr>
+        <p:spPr/>
+        <p:txBody>
+          <a:bodyPr/>
+          <a:lstStyle/>
+          <a:p>
+            <a:r>
+              <a:rPr lang="zh-CN" altLang="en-US" dirty="0">
+                <a:solidFill>
+                  <a:srgbClr val="FF0000"/>
+                </a:solidFill>
+              </a:rPr>
+              <a:t>参考</a:t>
+            </a:r>
+          </a:p>
+        </p:txBody>
+      </p:sp>
+      <p:sp>
+        <p:nvSpPr>
+          <p:cNvPr id="3" name="内容占位符 2">
+            <a:extLst>
+              <a:ext uri="{FF2B5EF4-FFF2-40B4-BE49-F238E27FC236}">
+                <a16:creationId xmlns:a16="http://schemas.microsoft.com/office/drawing/2014/main" id="{76FDC58C-4565-4099-BFBC-3100BFA6BF7B}"/>
+              </a:ext>
+            </a:extLst>
+          </p:cNvPr>
+          <p:cNvSpPr>
+            <a:spLocks noGrp="1"/>
+          </p:cNvSpPr>
+          <p:nvPr>
+            <p:ph idx="1"/>
+          </p:nvPr>
+        </p:nvSpPr>
+        <p:spPr/>
+        <p:txBody>
+          <a:bodyPr/>
+          <a:lstStyle/>
+          <a:p>
+            <a:r>
+              <a:rPr lang="en-US" altLang="zh-CN" dirty="0"/>
+              <a:t>1 </a:t>
+            </a:r>
+            <a:r>
+              <a:rPr lang="zh-CN" altLang="en-US" dirty="0"/>
+              <a:t>面向对象分析与设计第三版</a:t>
+            </a:r>
+            <a:endParaRPr lang="en-US" altLang="zh-CN" dirty="0"/>
+          </a:p>
+          <a:p>
+            <a:r>
+              <a:rPr lang="en-US" altLang="zh-CN" dirty="0"/>
+              <a:t>2 </a:t>
+            </a:r>
+            <a:r>
+              <a:rPr lang="zh-CN" altLang="en-US" dirty="0"/>
+              <a:t>软件设计哲学</a:t>
+            </a:r>
+            <a:endParaRPr lang="en-US" altLang="zh-CN" dirty="0"/>
+          </a:p>
+          <a:p>
+            <a:r>
+              <a:rPr lang="en-US" altLang="zh-CN" dirty="0"/>
+              <a:t>3 </a:t>
+            </a:r>
+            <a:r>
+              <a:rPr lang="zh-CN" altLang="en-US" dirty="0"/>
+              <a:t>领域驱动设计，实现领域驱动设计，领域驱动设计精髓</a:t>
+            </a:r>
+            <a:endParaRPr lang="en-US" altLang="zh-CN" dirty="0"/>
+          </a:p>
+          <a:p>
+            <a:r>
+              <a:rPr lang="en-US" altLang="zh-CN" dirty="0"/>
+              <a:t>4 </a:t>
+            </a:r>
+            <a:r>
+              <a:rPr lang="zh-CN" altLang="en-US" dirty="0"/>
+              <a:t>面向对象启思录</a:t>
+            </a:r>
+            <a:endParaRPr lang="en-US" altLang="zh-CN" dirty="0"/>
+          </a:p>
+          <a:p>
+            <a:r>
+              <a:rPr lang="en-US" altLang="zh-CN" dirty="0"/>
+              <a:t>5 </a:t>
+            </a:r>
+            <a:r>
+              <a:rPr lang="zh-CN" altLang="en-US" dirty="0"/>
+              <a:t>重构</a:t>
+            </a:r>
+            <a:r>
+              <a:rPr lang="en-US" altLang="zh-CN" dirty="0"/>
+              <a:t> </a:t>
+            </a:r>
+            <a:endParaRPr lang="zh-CN" altLang="en-US" dirty="0"/>
+          </a:p>
+        </p:txBody>
+      </p:sp>
+    </p:spTree>
+    <p:extLst>
+      <p:ext uri="{BB962C8B-B14F-4D97-AF65-F5344CB8AC3E}">
+        <p14:creationId xmlns:p14="http://schemas.microsoft.com/office/powerpoint/2010/main" val="1800643236"/>
+      </p:ext>
+    </p:extLst>
+  </p:cSld>
+  <p:clrMapOvr>
+    <a:masterClrMapping/>
+  </p:clrMapOvr>
+</p:sld>
+</file>
+
+<file path=ppt/slides/slide31.xml><?xml version="1.0" encoding="utf-8"?>
+<p:sld xmlns:a="http://schemas.openxmlformats.org/drawingml/2006/main" xmlns:r="http://schemas.openxmlformats.org/officeDocument/2006/relationships" xmlns:p="http://schemas.openxmlformats.org/presentationml/2006/main">
+  <p:cSld>
+    <p:spTree>
+      <p:nvGrpSpPr>
+        <p:cNvPr id="1" name=""/>
+        <p:cNvGrpSpPr/>
+        <p:nvPr/>
+      </p:nvGrpSpPr>
+      <p:grpSpPr>
+        <a:xfrm>
+          <a:off x="0" y="0"/>
+          <a:ext cx="0" cy="0"/>
+          <a:chOff x="0" y="0"/>
+          <a:chExt cx="0" cy="0"/>
+        </a:xfrm>
+      </p:grpSpPr>
+      <p:sp>
+        <p:nvSpPr>
+          <p:cNvPr id="2" name="标题 1">
+            <a:extLst>
+              <a:ext uri="{FF2B5EF4-FFF2-40B4-BE49-F238E27FC236}">
+                <a16:creationId xmlns:a16="http://schemas.microsoft.com/office/drawing/2014/main" id="{9DD67B34-99E3-4413-924E-6CE9A8A50BDA}"/>
+              </a:ext>
+            </a:extLst>
+          </p:cNvPr>
+          <p:cNvSpPr>
+            <a:spLocks noGrp="1"/>
+          </p:cNvSpPr>
+          <p:nvPr>
+            <p:ph type="title"/>
+          </p:nvPr>
+        </p:nvSpPr>
+        <p:spPr/>
+        <p:txBody>
+          <a:bodyPr/>
+          <a:lstStyle/>
+          <a:p>
+            <a:r>
+              <a:rPr lang="en-US" altLang="zh-CN" dirty="0">
+                <a:solidFill>
+                  <a:srgbClr val="FF0000"/>
+                </a:solidFill>
+              </a:rPr>
+              <a:t>Thank you!</a:t>
+            </a:r>
+            <a:endParaRPr lang="zh-CN" altLang="en-US" dirty="0"/>
+          </a:p>
+        </p:txBody>
+      </p:sp>
+      <p:sp>
+        <p:nvSpPr>
+          <p:cNvPr id="3" name="内容占位符 2">
+            <a:extLst>
+              <a:ext uri="{FF2B5EF4-FFF2-40B4-BE49-F238E27FC236}">
+                <a16:creationId xmlns:a16="http://schemas.microsoft.com/office/drawing/2014/main" id="{E6A120D7-8CEB-4155-9E0B-C3E34469A77A}"/>
+              </a:ext>
+            </a:extLst>
+          </p:cNvPr>
+          <p:cNvSpPr>
+            <a:spLocks noGrp="1"/>
+          </p:cNvSpPr>
+          <p:nvPr>
+            <p:ph idx="1"/>
+          </p:nvPr>
+        </p:nvSpPr>
+        <p:spPr/>
+        <p:txBody>
+          <a:bodyPr/>
+          <a:lstStyle/>
+          <a:p>
+            <a:r>
+              <a:rPr lang="en-US" altLang="zh-CN" dirty="0" err="1"/>
+              <a:t>xiaozhiliaoo@gmail</a:t>
+            </a:r>
+            <a:endParaRPr lang="en-US" altLang="zh-CN" dirty="0"/>
+          </a:p>
+          <a:p>
+            <a:r>
+              <a:rPr lang="en-US" altLang="zh-CN" dirty="0">
+                <a:hlinkClick r:id="rId2"/>
+              </a:rPr>
+              <a:t>https://github.com/xiaozhiliaoo</a:t>
+            </a:r>
+            <a:endParaRPr lang="en-US" altLang="zh-CN" dirty="0"/>
+          </a:p>
+          <a:p>
+            <a:endParaRPr lang="zh-CN" altLang="en-US" dirty="0"/>
+          </a:p>
+          <a:p>
+            <a:endParaRPr lang="zh-CN" altLang="en-US" dirty="0"/>
+          </a:p>
+        </p:txBody>
+      </p:sp>
+    </p:spTree>
+    <p:extLst>
+      <p:ext uri="{BB962C8B-B14F-4D97-AF65-F5344CB8AC3E}">
+        <p14:creationId xmlns:p14="http://schemas.microsoft.com/office/powerpoint/2010/main" val="4030345043"/>
+      </p:ext>
+    </p:extLst>
+  </p:cSld>
+  <p:clrMapOvr>
+    <a:masterClrMapping/>
+  </p:clrMapOvr>
+</p:sld>
+</file>
+
+<file path=ppt/slides/slide4.xml><?xml version="1.0" encoding="utf-8"?>
+<p:sld xmlns:a="http://schemas.openxmlformats.org/drawingml/2006/main" xmlns:r="http://schemas.openxmlformats.org/officeDocument/2006/relationships" xmlns:p="http://schemas.openxmlformats.org/presentationml/2006/main">
+  <p:cSld>
+    <p:spTree>
+      <p:nvGrpSpPr>
+        <p:cNvPr id="1" name=""/>
+        <p:cNvGrpSpPr/>
+        <p:nvPr/>
+      </p:nvGrpSpPr>
+      <p:grpSpPr>
+        <a:xfrm>
+          <a:off x="0" y="0"/>
+          <a:ext cx="0" cy="0"/>
+          <a:chOff x="0" y="0"/>
+          <a:chExt cx="0" cy="0"/>
+        </a:xfrm>
+      </p:grpSpPr>
+      <p:sp>
+        <p:nvSpPr>
+          <p:cNvPr id="2" name="标题 1">
+            <a:extLst>
+              <a:ext uri="{FF2B5EF4-FFF2-40B4-BE49-F238E27FC236}">
                 <a16:creationId xmlns:a16="http://schemas.microsoft.com/office/drawing/2014/main" id="{D71660B7-A1BD-417A-91FE-E3C20197ED63}"/>
               </a:ext>
             </a:extLst>
@@ -6624,7 +8603,7 @@
             </a:r>
             <a:r>
               <a:rPr lang="en-US" altLang="zh-CN" dirty="0"/>
-              <a:t>-&gt;SOA-&gt; </a:t>
+              <a:t>-&gt;SOA(Dubbo)-&gt; </a:t>
             </a:r>
             <a:r>
               <a:rPr lang="zh-CN" altLang="en-US" dirty="0"/>
@@ -6833,269 +8812,6 @@
 </p:sld>
 </file>
 
-<file path=ppt/slides/slide4.xml><?xml version="1.0" encoding="utf-8"?>
-<p:sld xmlns:a="http://schemas.openxmlformats.org/drawingml/2006/main" xmlns:r="http://schemas.openxmlformats.org/officeDocument/2006/relationships" xmlns:p="http://schemas.openxmlformats.org/presentationml/2006/main">
-  <p:cSld>
-    <p:spTree>
-      <p:nvGrpSpPr>
-        <p:cNvPr id="1" name=""/>
-        <p:cNvGrpSpPr/>
-        <p:nvPr/>
-      </p:nvGrpSpPr>
-      <p:grpSpPr>
-        <a:xfrm>
-          <a:off x="0" y="0"/>
-          <a:ext cx="0" cy="0"/>
-          <a:chOff x="0" y="0"/>
-          <a:chExt cx="0" cy="0"/>
-        </a:xfrm>
-      </p:grpSpPr>
-      <p:sp>
-        <p:nvSpPr>
-          <p:cNvPr id="2" name="标题 1">
-            <a:extLst>
-              <a:ext uri="{FF2B5EF4-FFF2-40B4-BE49-F238E27FC236}">
-                <a16:creationId xmlns:a16="http://schemas.microsoft.com/office/drawing/2014/main" id="{D31E47CC-5A3A-4475-88D5-0F5DEC78B7B5}"/>
-              </a:ext>
-            </a:extLst>
-          </p:cNvPr>
-          <p:cNvSpPr>
-            <a:spLocks noGrp="1"/>
-          </p:cNvSpPr>
-          <p:nvPr>
-            <p:ph type="title"/>
-          </p:nvPr>
-        </p:nvSpPr>
-        <p:spPr/>
-        <p:txBody>
-          <a:bodyPr/>
-          <a:lstStyle/>
-          <a:p>
-            <a:r>
-              <a:rPr lang="en-US" altLang="zh-CN" dirty="0">
-                <a:solidFill>
-                  <a:srgbClr val="FF0000"/>
-                </a:solidFill>
-              </a:rPr>
-              <a:t>CRUD</a:t>
-            </a:r>
-            <a:endParaRPr lang="zh-CN" altLang="en-US" dirty="0">
-              <a:solidFill>
-                <a:srgbClr val="FF0000"/>
-              </a:solidFill>
-            </a:endParaRPr>
-          </a:p>
-        </p:txBody>
-      </p:sp>
-      <p:sp>
-        <p:nvSpPr>
-          <p:cNvPr id="3" name="内容占位符 2">
-            <a:extLst>
-              <a:ext uri="{FF2B5EF4-FFF2-40B4-BE49-F238E27FC236}">
-                <a16:creationId xmlns:a16="http://schemas.microsoft.com/office/drawing/2014/main" id="{992B02F9-10F0-4D4B-8EC9-286AA6F066A8}"/>
-              </a:ext>
-            </a:extLst>
-          </p:cNvPr>
-          <p:cNvSpPr>
-            <a:spLocks noGrp="1"/>
-          </p:cNvSpPr>
-          <p:nvPr>
-            <p:ph idx="1"/>
-          </p:nvPr>
-        </p:nvSpPr>
-        <p:spPr/>
-        <p:txBody>
-          <a:bodyPr>
-            <a:normAutofit fontScale="55000" lnSpcReduction="20000"/>
-          </a:bodyPr>
-          <a:lstStyle/>
-          <a:p>
-            <a:r>
-              <a:rPr lang="zh-CN" altLang="en-US" dirty="0"/>
-              <a:t>思想：面向过程</a:t>
-            </a:r>
-            <a:endParaRPr lang="en-US" altLang="zh-CN" dirty="0"/>
-          </a:p>
-          <a:p>
-            <a:r>
-              <a:rPr lang="en-US" altLang="zh-CN" dirty="0"/>
-              <a:t>1 </a:t>
-            </a:r>
-            <a:r>
-              <a:rPr lang="zh-CN" altLang="en-US" dirty="0"/>
-              <a:t>命名</a:t>
-            </a:r>
-            <a:endParaRPr lang="en-US" altLang="zh-CN" dirty="0"/>
-          </a:p>
-          <a:p>
-            <a:pPr lvl="1"/>
-            <a:r>
-              <a:rPr lang="en-US" altLang="zh-CN" dirty="0" err="1"/>
-              <a:t>RedisClientTemplate</a:t>
-            </a:r>
-            <a:r>
-              <a:rPr lang="zh-CN" altLang="en-US" dirty="0"/>
-              <a:t>和</a:t>
-            </a:r>
-            <a:r>
-              <a:rPr lang="en-US" altLang="zh-CN" dirty="0" err="1"/>
-              <a:t>RedisClientUtil</a:t>
-            </a:r>
-            <a:r>
-              <a:rPr lang="zh-CN" altLang="en-US" dirty="0"/>
-              <a:t>有什么区别？？</a:t>
-            </a:r>
-            <a:endParaRPr lang="en-US" altLang="zh-CN" dirty="0"/>
-          </a:p>
-          <a:p>
-            <a:pPr lvl="1"/>
-            <a:r>
-              <a:rPr lang="zh-CN" altLang="en-US" dirty="0"/>
-              <a:t>写个工具类？</a:t>
-            </a:r>
-            <a:r>
-              <a:rPr lang="en-US" altLang="zh-CN" dirty="0" err="1"/>
-              <a:t>ThreadFactoryUtil</a:t>
-            </a:r>
-            <a:r>
-              <a:rPr lang="zh-CN" altLang="en-US" dirty="0"/>
-              <a:t>，</a:t>
-            </a:r>
-            <a:r>
-              <a:rPr lang="en-US" altLang="zh-CN" dirty="0" err="1"/>
-              <a:t>FixedThreadBoundedQueueFactoryUtil</a:t>
-            </a:r>
-            <a:r>
-              <a:rPr lang="en-US" altLang="zh-CN" dirty="0" err="1">
-                <a:solidFill>
-                  <a:srgbClr val="FF0000"/>
-                </a:solidFill>
-              </a:rPr>
-              <a:t>s</a:t>
-            </a:r>
-            <a:endParaRPr lang="en-US" altLang="zh-CN" dirty="0">
-              <a:solidFill>
-                <a:srgbClr val="FF0000"/>
-              </a:solidFill>
-            </a:endParaRPr>
-          </a:p>
-          <a:p>
-            <a:pPr lvl="1"/>
-            <a:r>
-              <a:rPr lang="zh-CN" altLang="en-US" dirty="0">
-                <a:solidFill>
-                  <a:srgbClr val="FF0000"/>
-                </a:solidFill>
-              </a:rPr>
-              <a:t>隐喻</a:t>
-            </a:r>
-            <a:endParaRPr lang="en-US" altLang="zh-CN" dirty="0">
-              <a:solidFill>
-                <a:srgbClr val="FF0000"/>
-              </a:solidFill>
-            </a:endParaRPr>
-          </a:p>
-          <a:p>
-            <a:pPr marL="457200" lvl="1" indent="0">
-              <a:buNone/>
-            </a:pPr>
-            <a:r>
-              <a:rPr lang="en-US" altLang="zh-CN" dirty="0"/>
-              <a:t>	</a:t>
-            </a:r>
-          </a:p>
-          <a:p>
-            <a:r>
-              <a:rPr lang="en-US" altLang="zh-CN" dirty="0"/>
-              <a:t>2 </a:t>
-            </a:r>
-            <a:r>
-              <a:rPr lang="zh-CN" altLang="en-US" dirty="0"/>
-              <a:t>方法签名</a:t>
-            </a:r>
-            <a:endParaRPr lang="en-US" altLang="zh-CN" dirty="0"/>
-          </a:p>
-          <a:p>
-            <a:endParaRPr lang="en-US" altLang="zh-CN" dirty="0"/>
-          </a:p>
-          <a:p>
-            <a:r>
-              <a:rPr lang="en-US" altLang="zh-CN" dirty="0"/>
-              <a:t>3  </a:t>
-            </a:r>
-            <a:r>
-              <a:rPr lang="zh-CN" altLang="en-US" dirty="0"/>
-              <a:t>注释的力</a:t>
-            </a:r>
-            <a:endParaRPr lang="en-US" altLang="zh-CN" dirty="0"/>
-          </a:p>
-          <a:p>
-            <a:endParaRPr lang="en-US" altLang="zh-CN" dirty="0"/>
-          </a:p>
-          <a:p>
-            <a:r>
-              <a:rPr lang="en-US" altLang="zh-CN" dirty="0"/>
-              <a:t>3 TDD</a:t>
-            </a:r>
-          </a:p>
-          <a:p>
-            <a:endParaRPr lang="en-US" altLang="zh-CN" dirty="0"/>
-          </a:p>
-          <a:p>
-            <a:r>
-              <a:rPr lang="en-US" altLang="zh-CN" dirty="0"/>
-              <a:t>4  </a:t>
-            </a:r>
-            <a:r>
-              <a:rPr lang="en-US" altLang="zh-CN" dirty="0" err="1"/>
-              <a:t>MybatisPlus</a:t>
-            </a:r>
-            <a:r>
-              <a:rPr lang="zh-CN" altLang="en-US" dirty="0"/>
-              <a:t>真的好吗？</a:t>
-            </a:r>
-            <a:endParaRPr lang="en-US" altLang="zh-CN" dirty="0"/>
-          </a:p>
-          <a:p>
-            <a:endParaRPr lang="en-US" altLang="zh-CN" dirty="0"/>
-          </a:p>
-          <a:p>
-            <a:r>
-              <a:rPr lang="en-US" altLang="zh-CN" dirty="0"/>
-              <a:t>5  Web MVC</a:t>
-            </a:r>
-            <a:r>
-              <a:rPr lang="zh-CN" altLang="en-US" dirty="0"/>
-              <a:t>演进之路</a:t>
-            </a:r>
-            <a:r>
-              <a:rPr lang="en-US" altLang="zh-CN" dirty="0"/>
-              <a:t>(</a:t>
-            </a:r>
-            <a:r>
-              <a:rPr lang="zh-CN" altLang="en-US" dirty="0"/>
-              <a:t>产生贫血对象</a:t>
-            </a:r>
-            <a:r>
-              <a:rPr lang="en-US" altLang="zh-CN" dirty="0"/>
-              <a:t>)</a:t>
-            </a:r>
-          </a:p>
-        </p:txBody>
-      </p:sp>
-    </p:spTree>
-    <p:extLst>
-      <p:ext uri="{BB962C8B-B14F-4D97-AF65-F5344CB8AC3E}">
-        <p14:creationId xmlns:p14="http://schemas.microsoft.com/office/powerpoint/2010/main" val="1358397702"/>
-      </p:ext>
-    </p:extLst>
-  </p:cSld>
-  <p:clrMapOvr>
-    <a:masterClrMapping/>
-  </p:clrMapOvr>
-</p:sld>
-</file>
-
 <file path=ppt/slides/slide5.xml><?xml version="1.0" encoding="utf-8"?>
 <p:sld xmlns:a="http://schemas.openxmlformats.org/drawingml/2006/main" xmlns:r="http://schemas.openxmlformats.org/officeDocument/2006/relationships" xmlns:p="http://schemas.openxmlformats.org/presentationml/2006/main">
   <p:cSld>
@@ -7118,7 +8834,7 @@
           <p:cNvPr id="2" name="标题 1">
             <a:extLst>
               <a:ext uri="{FF2B5EF4-FFF2-40B4-BE49-F238E27FC236}">
-                <a16:creationId xmlns:a16="http://schemas.microsoft.com/office/drawing/2014/main" id="{F68683E4-5A1C-46A8-B198-F5C5661EA7B4}"/>
+                <a16:creationId xmlns:a16="http://schemas.microsoft.com/office/drawing/2014/main" id="{D31E47CC-5A3A-4475-88D5-0F5DEC78B7B5}"/>
               </a:ext>
             </a:extLst>
           </p:cNvPr>
@@ -7142,46 +8858,358 @@
               </a:rPr>
               <a:t>CRUD</a:t>
             </a:r>
+            <a:endParaRPr lang="zh-CN" altLang="en-US" dirty="0">
+              <a:solidFill>
+                <a:srgbClr val="FF0000"/>
+              </a:solidFill>
+            </a:endParaRPr>
+          </a:p>
+        </p:txBody>
+      </p:sp>
+      <p:sp>
+        <p:nvSpPr>
+          <p:cNvPr id="3" name="内容占位符 2">
+            <a:extLst>
+              <a:ext uri="{FF2B5EF4-FFF2-40B4-BE49-F238E27FC236}">
+                <a16:creationId xmlns:a16="http://schemas.microsoft.com/office/drawing/2014/main" id="{992B02F9-10F0-4D4B-8EC9-286AA6F066A8}"/>
+              </a:ext>
+            </a:extLst>
+          </p:cNvPr>
+          <p:cNvSpPr>
+            <a:spLocks noGrp="1"/>
+          </p:cNvSpPr>
+          <p:nvPr>
+            <p:ph idx="1"/>
+          </p:nvPr>
+        </p:nvSpPr>
+        <p:spPr/>
+        <p:txBody>
+          <a:bodyPr>
+            <a:normAutofit fontScale="47500" lnSpcReduction="20000"/>
+          </a:bodyPr>
+          <a:lstStyle/>
+          <a:p>
+            <a:r>
+              <a:rPr lang="zh-CN" altLang="en-US" dirty="0"/>
+              <a:t>思想：数据流组成了系统   </a:t>
+            </a:r>
+            <a:r>
+              <a:rPr lang="en-US" altLang="zh-CN" dirty="0"/>
+              <a:t>CRUD</a:t>
+            </a:r>
+            <a:r>
+              <a:rPr lang="zh-CN" altLang="en-US" dirty="0"/>
+              <a:t>的三层境界</a:t>
+            </a:r>
+            <a:endParaRPr lang="en-US" altLang="zh-CN" dirty="0"/>
+          </a:p>
+          <a:p>
+            <a:r>
+              <a:rPr lang="en-US" altLang="zh-CN" dirty="0"/>
+              <a:t>1 </a:t>
+            </a:r>
+            <a:r>
+              <a:rPr lang="zh-CN" altLang="en-US" dirty="0"/>
+              <a:t>命名的想象</a:t>
+            </a:r>
+            <a:endParaRPr lang="en-US" altLang="zh-CN" dirty="0"/>
+          </a:p>
+          <a:p>
+            <a:pPr lvl="1"/>
+            <a:r>
+              <a:rPr lang="en-US" altLang="zh-CN" dirty="0" err="1"/>
+              <a:t>RedisClientTemplate</a:t>
+            </a:r>
+            <a:r>
+              <a:rPr lang="zh-CN" altLang="en-US" dirty="0"/>
+              <a:t>和</a:t>
+            </a:r>
+            <a:r>
+              <a:rPr lang="en-US" altLang="zh-CN" dirty="0" err="1"/>
+              <a:t>RedisClientUtil</a:t>
+            </a:r>
+            <a:r>
+              <a:rPr lang="zh-CN" altLang="en-US" dirty="0"/>
+              <a:t>有什么区别？？</a:t>
+            </a:r>
+            <a:endParaRPr lang="en-US" altLang="zh-CN" dirty="0"/>
+          </a:p>
+          <a:p>
+            <a:pPr lvl="1"/>
+            <a:r>
+              <a:rPr lang="zh-CN" altLang="en-US" dirty="0"/>
+              <a:t>写个工具类？</a:t>
+            </a:r>
+            <a:r>
+              <a:rPr lang="en-US" altLang="zh-CN" dirty="0" err="1"/>
+              <a:t>ThreadFactoryUtil</a:t>
+            </a:r>
+            <a:r>
+              <a:rPr lang="zh-CN" altLang="en-US" dirty="0"/>
+              <a:t>，</a:t>
+            </a:r>
+            <a:r>
+              <a:rPr lang="en-US" altLang="zh-CN" dirty="0" err="1"/>
+              <a:t>FixedThreadBoundedQueueFactoryUtil</a:t>
+            </a:r>
+            <a:r>
+              <a:rPr lang="en-US" altLang="zh-CN" dirty="0" err="1">
+                <a:solidFill>
+                  <a:srgbClr val="FF0000"/>
+                </a:solidFill>
+              </a:rPr>
+              <a:t>s</a:t>
+            </a:r>
+            <a:r>
+              <a:rPr lang="en-US" altLang="zh-CN" dirty="0">
+                <a:solidFill>
+                  <a:srgbClr val="FF0000"/>
+                </a:solidFill>
+              </a:rPr>
+              <a:t>  </a:t>
+            </a:r>
+            <a:r>
+              <a:rPr lang="zh-CN" altLang="en-US" dirty="0"/>
+              <a:t>你真的懂工厂吗？</a:t>
+            </a:r>
+            <a:r>
+              <a:rPr lang="en-US" altLang="zh-CN" dirty="0"/>
+              <a:t>Executors</a:t>
+            </a:r>
+            <a:r>
+              <a:rPr lang="zh-CN" altLang="en-US" dirty="0"/>
+              <a:t>，</a:t>
+            </a:r>
+            <a:endParaRPr lang="en-US" altLang="zh-CN" dirty="0"/>
+          </a:p>
+          <a:p>
+            <a:pPr lvl="1"/>
+            <a:r>
+              <a:rPr lang="zh-CN" altLang="en-US" dirty="0"/>
+              <a:t>***</a:t>
+            </a:r>
+            <a:r>
+              <a:rPr lang="en-US" altLang="zh-CN" dirty="0"/>
+              <a:t>Service</a:t>
+            </a:r>
+            <a:r>
+              <a:rPr lang="zh-CN" altLang="en-US" dirty="0"/>
+              <a:t>，***</a:t>
+            </a:r>
+            <a:r>
+              <a:rPr lang="en-US" altLang="zh-CN" dirty="0"/>
+              <a:t>Util</a:t>
+            </a:r>
+            <a:r>
+              <a:rPr lang="zh-CN" altLang="en-US" dirty="0"/>
+              <a:t>，***</a:t>
+            </a:r>
+            <a:r>
+              <a:rPr lang="en-US" altLang="zh-CN" dirty="0" err="1"/>
+              <a:t>EnumType</a:t>
+            </a:r>
+            <a:r>
+              <a:rPr lang="en-US" altLang="zh-CN" dirty="0"/>
+              <a:t>  -》  </a:t>
+            </a:r>
+            <a:r>
+              <a:rPr lang="en-US" altLang="zh-CN" dirty="0" err="1"/>
+              <a:t>GatewayInvoker</a:t>
+            </a:r>
+            <a:r>
+              <a:rPr lang="zh-CN" altLang="en-US" dirty="0"/>
+              <a:t>，</a:t>
+            </a:r>
+            <a:r>
+              <a:rPr lang="en-US" altLang="zh-CN" dirty="0" err="1"/>
+              <a:t>HttpEncryptDecryptEngine</a:t>
+            </a:r>
+            <a:r>
+              <a:rPr lang="zh-CN" altLang="en-US" dirty="0"/>
+              <a:t>，</a:t>
+            </a:r>
+            <a:r>
+              <a:rPr lang="en-US" altLang="zh-CN" dirty="0" err="1"/>
+              <a:t>MemoryCacheManager</a:t>
+            </a:r>
+            <a:r>
+              <a:rPr lang="zh-CN" altLang="en-US" dirty="0"/>
+              <a:t>，</a:t>
+            </a:r>
+            <a:r>
+              <a:rPr lang="en-US" altLang="zh-CN" dirty="0" err="1"/>
+              <a:t>EnumStatus</a:t>
+            </a:r>
+            <a:r>
+              <a:rPr lang="zh-CN" altLang="en-US" dirty="0"/>
+              <a:t>，</a:t>
+            </a:r>
+            <a:r>
+              <a:rPr lang="en-US" altLang="zh-CN" dirty="0" err="1"/>
+              <a:t>EnumType</a:t>
+            </a:r>
+            <a:r>
+              <a:rPr lang="zh-CN" altLang="en-US" dirty="0"/>
+              <a:t>，</a:t>
+            </a:r>
+            <a:r>
+              <a:rPr lang="en-US" altLang="zh-CN" dirty="0" err="1"/>
+              <a:t>FunctionHub</a:t>
+            </a:r>
+            <a:endParaRPr lang="en-US" altLang="zh-CN" dirty="0"/>
+          </a:p>
+          <a:p>
+            <a:pPr lvl="1"/>
+            <a:r>
+              <a:rPr lang="en-US" altLang="zh-CN" dirty="0"/>
+              <a:t>Set/Get</a:t>
+            </a:r>
+            <a:r>
+              <a:rPr lang="zh-CN" altLang="en-US" dirty="0"/>
+              <a:t> </a:t>
+            </a:r>
+            <a:r>
+              <a:rPr lang="en-US" altLang="zh-CN" dirty="0"/>
+              <a:t>Lombok</a:t>
+            </a:r>
+            <a:r>
+              <a:rPr lang="zh-CN" altLang="en-US" dirty="0"/>
+              <a:t> </a:t>
+            </a:r>
+            <a:r>
+              <a:rPr lang="en-US" altLang="zh-CN" dirty="0"/>
+              <a:t>-&gt; </a:t>
+            </a:r>
+            <a:r>
+              <a:rPr lang="en-US" altLang="zh-CN" dirty="0" err="1"/>
+              <a:t>moveLeft</a:t>
+            </a:r>
+            <a:r>
+              <a:rPr lang="en-US" altLang="zh-CN" dirty="0"/>
+              <a:t> , </a:t>
+            </a:r>
+            <a:r>
+              <a:rPr lang="en-US" altLang="zh-CN" dirty="0" err="1"/>
+              <a:t>drawX</a:t>
+            </a:r>
+            <a:r>
+              <a:rPr lang="en-US" altLang="zh-CN" dirty="0"/>
+              <a:t> , </a:t>
+            </a:r>
+            <a:r>
+              <a:rPr lang="en-US" altLang="zh-CN" dirty="0" err="1"/>
+              <a:t>clearStatus</a:t>
+            </a:r>
+            <a:r>
+              <a:rPr lang="en-US" altLang="zh-CN" dirty="0"/>
+              <a:t>  </a:t>
+            </a:r>
+          </a:p>
+          <a:p>
+            <a:pPr lvl="1"/>
             <a:r>
               <a:rPr lang="zh-CN" altLang="en-US" dirty="0">
                 <a:solidFill>
                   <a:srgbClr val="FF0000"/>
                 </a:solidFill>
               </a:rPr>
-              <a:t>场景</a:t>
-            </a:r>
-            <a:endParaRPr lang="zh-CN" altLang="en-US" dirty="0"/>
-          </a:p>
-        </p:txBody>
-      </p:sp>
-      <p:sp>
-        <p:nvSpPr>
-          <p:cNvPr id="3" name="内容占位符 2">
-            <a:extLst>
-              <a:ext uri="{FF2B5EF4-FFF2-40B4-BE49-F238E27FC236}">
-                <a16:creationId xmlns:a16="http://schemas.microsoft.com/office/drawing/2014/main" id="{DA1799D5-1A67-4A46-94A6-09801AFF9BB6}"/>
-              </a:ext>
-            </a:extLst>
-          </p:cNvPr>
-          <p:cNvSpPr>
-            <a:spLocks noGrp="1"/>
-          </p:cNvSpPr>
-          <p:nvPr>
-            <p:ph idx="1"/>
-          </p:nvPr>
-        </p:nvSpPr>
-        <p:spPr/>
-        <p:txBody>
-          <a:bodyPr/>
-          <a:lstStyle/>
-          <a:p>
+              <a:t>隐喻文化</a:t>
+            </a:r>
+            <a:endParaRPr lang="en-US" altLang="zh-CN" dirty="0">
+              <a:solidFill>
+                <a:srgbClr val="FF0000"/>
+              </a:solidFill>
+            </a:endParaRPr>
+          </a:p>
+          <a:p>
+            <a:pPr marL="457200" lvl="1" indent="0">
+              <a:buNone/>
+            </a:pPr>
+            <a:r>
+              <a:rPr lang="en-US" altLang="zh-CN" dirty="0"/>
+              <a:t>	</a:t>
+            </a:r>
+          </a:p>
+          <a:p>
+            <a:r>
+              <a:rPr lang="en-US" altLang="zh-CN" dirty="0"/>
+              <a:t>2 </a:t>
+            </a:r>
+            <a:r>
+              <a:rPr lang="zh-CN" altLang="en-US" dirty="0"/>
+              <a:t>方法签名的艺术</a:t>
+            </a:r>
+            <a:endParaRPr lang="en-US" altLang="zh-CN" dirty="0"/>
+          </a:p>
+          <a:p>
+            <a:endParaRPr lang="en-US" altLang="zh-CN" dirty="0"/>
+          </a:p>
+          <a:p>
+            <a:r>
+              <a:rPr lang="en-US" altLang="zh-CN" dirty="0"/>
+              <a:t>3  </a:t>
+            </a:r>
+            <a:r>
+              <a:rPr lang="zh-CN" altLang="en-US" dirty="0"/>
+              <a:t>伟大的注释：优化设计，维护性，职责划分</a:t>
+            </a:r>
+            <a:endParaRPr lang="en-US" altLang="zh-CN" dirty="0"/>
+          </a:p>
+          <a:p>
+            <a:endParaRPr lang="en-US" altLang="zh-CN" dirty="0"/>
+          </a:p>
+          <a:p>
+            <a:r>
+              <a:rPr lang="en-US" altLang="zh-CN" dirty="0"/>
+              <a:t>4 TDD</a:t>
+            </a:r>
+            <a:r>
+              <a:rPr lang="zh-CN" altLang="en-US" dirty="0"/>
+              <a:t>：为什么测试很重要？解耦，扩展性，代码质量保证</a:t>
+            </a:r>
+            <a:endParaRPr lang="en-US" altLang="zh-CN" dirty="0"/>
+          </a:p>
+          <a:p>
+            <a:endParaRPr lang="en-US" altLang="zh-CN" dirty="0"/>
+          </a:p>
+          <a:p>
+            <a:r>
+              <a:rPr lang="en-US" altLang="zh-CN" dirty="0"/>
+              <a:t>5  </a:t>
+            </a:r>
             <a:r>
               <a:rPr lang="en-US" altLang="zh-CN" dirty="0" err="1"/>
-              <a:t>ssm</a:t>
-            </a:r>
-            <a:r>
-              <a:rPr lang="zh-CN" altLang="en-US" dirty="0"/>
-              <a:t>框架</a:t>
+              <a:t>MybatisPlus</a:t>
+            </a:r>
+            <a:r>
+              <a:rPr lang="zh-CN" altLang="en-US" dirty="0"/>
+              <a:t>真的好吗？对系统坏处在哪里？难以产生高质量代码设计</a:t>
+            </a:r>
+            <a:endParaRPr lang="en-US" altLang="zh-CN" dirty="0"/>
+          </a:p>
+          <a:p>
+            <a:endParaRPr lang="en-US" altLang="zh-CN" dirty="0"/>
+          </a:p>
+          <a:p>
+            <a:r>
+              <a:rPr lang="en-US" altLang="zh-CN" dirty="0"/>
+              <a:t>6  Web MVC</a:t>
+            </a:r>
+            <a:r>
+              <a:rPr lang="zh-CN" altLang="en-US" dirty="0"/>
+              <a:t>演进之路</a:t>
+            </a:r>
+            <a:r>
+              <a:rPr lang="en-US" altLang="zh-CN" dirty="0"/>
+              <a:t>(</a:t>
+            </a:r>
+            <a:r>
+              <a:rPr lang="zh-CN" altLang="en-US" dirty="0"/>
+              <a:t>产生贫血对象</a:t>
+            </a:r>
+            <a:r>
+              <a:rPr lang="en-US" altLang="zh-CN" dirty="0"/>
+              <a:t>)</a:t>
             </a:r>
           </a:p>
         </p:txBody>
@@ -7189,7 +9217,7 @@
     </p:spTree>
     <p:extLst>
       <p:ext uri="{BB962C8B-B14F-4D97-AF65-F5344CB8AC3E}">
-        <p14:creationId xmlns:p14="http://schemas.microsoft.com/office/powerpoint/2010/main" val="2993578109"/>
+        <p14:creationId xmlns:p14="http://schemas.microsoft.com/office/powerpoint/2010/main" val="1358397702"/>
       </p:ext>
     </p:extLst>
   </p:cSld>
@@ -7221,7 +9249,7 @@
           <p:cNvPr id="2" name="标题 1">
             <a:extLst>
               <a:ext uri="{FF2B5EF4-FFF2-40B4-BE49-F238E27FC236}">
-                <a16:creationId xmlns:a16="http://schemas.microsoft.com/office/drawing/2014/main" id="{8C525EC3-EB9C-4630-AF5C-F6857EC60CB4}"/>
+                <a16:creationId xmlns:a16="http://schemas.microsoft.com/office/drawing/2014/main" id="{F68683E4-5A1C-46A8-B198-F5C5661EA7B4}"/>
               </a:ext>
             </a:extLst>
           </p:cNvPr>
@@ -7253,6 +9281,22 @@
               </a:rPr>
               <a:t>场景</a:t>
             </a:r>
+            <a:r>
+              <a:rPr lang="en-US" altLang="zh-CN" dirty="0">
+                <a:solidFill>
+                  <a:srgbClr val="FF0000"/>
+                </a:solidFill>
+              </a:rPr>
+              <a:t>1  MVC</a:t>
+            </a:r>
+            <a:r>
+              <a:rPr lang="zh-CN" altLang="en-US" dirty="0">
+                <a:solidFill>
+                  <a:srgbClr val="FF0000"/>
+                </a:solidFill>
+              </a:rPr>
+              <a:t>过程</a:t>
+            </a:r>
           </a:p>
         </p:txBody>
       </p:sp>
@@ -7261,7 +9305,7 @@
           <p:cNvPr id="3" name="内容占位符 2">
             <a:extLst>
               <a:ext uri="{FF2B5EF4-FFF2-40B4-BE49-F238E27FC236}">
-                <a16:creationId xmlns:a16="http://schemas.microsoft.com/office/drawing/2014/main" id="{6273A4E6-F5CC-4DD3-AB8F-8D54FF934358}"/>
+                <a16:creationId xmlns:a16="http://schemas.microsoft.com/office/drawing/2014/main" id="{DA1799D5-1A67-4A46-94A6-09801AFF9BB6}"/>
               </a:ext>
             </a:extLst>
           </p:cNvPr>
@@ -7278,31 +9322,104 @@
           <a:lstStyle/>
           <a:p>
             <a:r>
-              <a:rPr lang="en-US" altLang="zh-CN" dirty="0"/>
-              <a:t>1 </a:t>
-            </a:r>
-            <a:r>
-              <a:rPr lang="zh-CN" altLang="en-US" dirty="0"/>
-              <a:t>修改代码</a:t>
+              <a:rPr lang="en-US" altLang="zh-CN" dirty="0" err="1"/>
+              <a:t>ssm</a:t>
+            </a:r>
+            <a:r>
+              <a:rPr lang="zh-CN" altLang="en-US" dirty="0"/>
+              <a:t>框架</a:t>
             </a:r>
             <a:endParaRPr lang="en-US" altLang="zh-CN" dirty="0"/>
           </a:p>
           <a:p>
             <a:r>
-              <a:rPr lang="en-US" altLang="zh-CN" dirty="0"/>
-              <a:t>2 </a:t>
-            </a:r>
-            <a:r>
-              <a:rPr lang="zh-CN" altLang="en-US" dirty="0"/>
-              <a:t>统一抽象</a:t>
-            </a:r>
-          </a:p>
-        </p:txBody>
-      </p:sp>
+              <a:rPr lang="en-US" altLang="zh-CN" dirty="0" err="1"/>
+              <a:t>servlet+html</a:t>
+            </a:r>
+            <a:endParaRPr lang="en-US" altLang="zh-CN" dirty="0"/>
+          </a:p>
+          <a:p>
+            <a:r>
+              <a:rPr lang="zh-CN" altLang="en-US" dirty="0"/>
+              <a:t> </a:t>
+            </a:r>
+            <a:r>
+              <a:rPr lang="en-US" altLang="zh-CN" dirty="0" err="1"/>
+              <a:t>servlet+jsp</a:t>
+            </a:r>
+            <a:endParaRPr lang="en-US" altLang="zh-CN" dirty="0"/>
+          </a:p>
+          <a:p>
+            <a:r>
+              <a:rPr lang="en-US" altLang="zh-CN" dirty="0"/>
+              <a:t>servlet_+</a:t>
+            </a:r>
+            <a:r>
+              <a:rPr lang="en-US" altLang="zh-CN" dirty="0" err="1"/>
+              <a:t>dao</a:t>
+            </a:r>
+            <a:endParaRPr lang="en-US" altLang="zh-CN" dirty="0"/>
+          </a:p>
+          <a:p>
+            <a:r>
+              <a:rPr lang="en-US" altLang="zh-CN" dirty="0"/>
+              <a:t>Model1</a:t>
+            </a:r>
+          </a:p>
+          <a:p>
+            <a:r>
+              <a:rPr lang="en-US" altLang="zh-CN"/>
+              <a:t>Model2</a:t>
+            </a:r>
+          </a:p>
+          <a:p>
+            <a:endParaRPr lang="en-US" altLang="zh-CN" dirty="0"/>
+          </a:p>
+          <a:p>
+            <a:endParaRPr lang="zh-CN" altLang="en-US" dirty="0"/>
+          </a:p>
+        </p:txBody>
+      </p:sp>
+      <p:pic>
+        <p:nvPicPr>
+          <p:cNvPr id="5" name="图片 4">
+            <a:extLst>
+              <a:ext uri="{FF2B5EF4-FFF2-40B4-BE49-F238E27FC236}">
+                <a16:creationId xmlns:a16="http://schemas.microsoft.com/office/drawing/2014/main" id="{9B4089EF-1713-4AEE-908B-DDFEFA4789FE}"/>
+              </a:ext>
+            </a:extLst>
+          </p:cNvPr>
+          <p:cNvPicPr>
+            <a:picLocks noChangeAspect="1"/>
+          </p:cNvPicPr>
+          <p:nvPr/>
+        </p:nvPicPr>
+        <p:blipFill>
+          <a:blip r:embed="rId3">
+            <a:extLst>
+              <a:ext uri="{28A0092B-C50C-407E-A947-70E740481C1C}">
+                <a14:useLocalDpi xmlns:a14="http://schemas.microsoft.com/office/drawing/2010/main" val="0"/>
+              </a:ext>
+            </a:extLst>
+          </a:blip>
+          <a:stretch>
+            <a:fillRect/>
+          </a:stretch>
+        </p:blipFill>
+        <p:spPr>
+          <a:xfrm>
+            <a:off x="3678174" y="1139707"/>
+            <a:ext cx="6991709" cy="4578585"/>
+          </a:xfrm>
+          <a:prstGeom prst="rect">
+            <a:avLst/>
+          </a:prstGeom>
+        </p:spPr>
+      </p:pic>
     </p:spTree>
     <p:extLst>
       <p:ext uri="{BB962C8B-B14F-4D97-AF65-F5344CB8AC3E}">
-        <p14:creationId xmlns:p14="http://schemas.microsoft.com/office/powerpoint/2010/main" val="3217735404"/>
+        <p14:creationId xmlns:p14="http://schemas.microsoft.com/office/powerpoint/2010/main" val="2993578109"/>
       </p:ext>
     </p:extLst>
   </p:cSld>
@@ -7334,7 +9451,7 @@
           <p:cNvPr id="2" name="标题 1">
             <a:extLst>
               <a:ext uri="{FF2B5EF4-FFF2-40B4-BE49-F238E27FC236}">
-                <a16:creationId xmlns:a16="http://schemas.microsoft.com/office/drawing/2014/main" id="{10632540-7C5A-439B-BA6C-6E4F750712AD}"/>
+                <a16:creationId xmlns:a16="http://schemas.microsoft.com/office/drawing/2014/main" id="{8C525EC3-EB9C-4630-AF5C-F6857EC60CB4}"/>
               </a:ext>
             </a:extLst>
           </p:cNvPr>
@@ -7356,7 +9473,39 @@
                   <a:srgbClr val="FF0000"/>
                 </a:solidFill>
               </a:rPr>
-              <a:t>Pattern</a:t>
+              <a:t>CRUD</a:t>
+            </a:r>
+            <a:r>
+              <a:rPr lang="zh-CN" altLang="en-US" dirty="0">
+                <a:solidFill>
+                  <a:srgbClr val="FF0000"/>
+                </a:solidFill>
+              </a:rPr>
+              <a:t>场景</a:t>
+            </a:r>
+            <a:r>
+              <a:rPr lang="en-US" altLang="zh-CN" dirty="0">
+                <a:solidFill>
+                  <a:srgbClr val="FF0000"/>
+                </a:solidFill>
+              </a:rPr>
+              <a:t>2-</a:t>
+            </a:r>
+            <a:r>
+              <a:rPr lang="zh-CN" altLang="en-US" dirty="0">
+                <a:solidFill>
+                  <a:srgbClr val="FF0000"/>
+                </a:solidFill>
+              </a:rPr>
+              <a:t>如何改代码，重构</a:t>
+            </a:r>
+            <a:r>
+              <a:rPr lang="en-US" altLang="zh-CN" dirty="0">
+                <a:solidFill>
+                  <a:srgbClr val="FF0000"/>
+                </a:solidFill>
+              </a:rPr>
+              <a:t> </a:t>
             </a:r>
             <a:endParaRPr lang="zh-CN" altLang="en-US" dirty="0">
               <a:solidFill>
@@ -7371,7 +9520,7 @@
           <p:cNvPr id="3" name="内容占位符 2">
             <a:extLst>
               <a:ext uri="{FF2B5EF4-FFF2-40B4-BE49-F238E27FC236}">
-                <a16:creationId xmlns:a16="http://schemas.microsoft.com/office/drawing/2014/main" id="{575B95E4-FABC-49FA-8971-51963BC6E3D5}"/>
+                <a16:creationId xmlns:a16="http://schemas.microsoft.com/office/drawing/2014/main" id="{6273A4E6-F5CC-4DD3-AB8F-8D54FF934358}"/>
               </a:ext>
             </a:extLst>
           </p:cNvPr>
@@ -7384,59 +9533,52 @@
         </p:nvSpPr>
         <p:spPr/>
         <p:txBody>
-          <a:bodyPr>
-            <a:normAutofit/>
-          </a:bodyPr>
-          <a:lstStyle/>
-          <a:p>
-            <a:r>
-              <a:rPr lang="zh-CN" altLang="en-US" dirty="0"/>
-              <a:t>思想：复用</a:t>
+          <a:bodyPr/>
+          <a:lstStyle/>
+          <a:p>
+            <a:r>
+              <a:rPr lang="en-US" altLang="zh-CN" dirty="0"/>
+              <a:t> </a:t>
+            </a:r>
+            <a:r>
+              <a:rPr lang="zh-CN" altLang="en-US" dirty="0"/>
+              <a:t>修改代码的技术</a:t>
             </a:r>
             <a:endParaRPr lang="en-US" altLang="zh-CN" dirty="0"/>
           </a:p>
           <a:p>
-            <a:r>
-              <a:rPr lang="en-US" altLang="zh-CN" dirty="0"/>
-              <a:t>SOLID</a:t>
-            </a:r>
-          </a:p>
-          <a:p>
-            <a:r>
-              <a:rPr lang="en-US" altLang="zh-CN" dirty="0"/>
-              <a:t>POSA</a:t>
-            </a:r>
-          </a:p>
-          <a:p>
-            <a:r>
-              <a:rPr lang="en-US" altLang="zh-CN" dirty="0"/>
-              <a:t>POEAA</a:t>
-            </a:r>
-          </a:p>
-          <a:p>
-            <a:r>
-              <a:rPr lang="en-US" altLang="zh-CN" dirty="0"/>
-              <a:t>J2EE Pattern</a:t>
-            </a:r>
-          </a:p>
-          <a:p>
-            <a:r>
-              <a:rPr lang="en-US" altLang="zh-CN" dirty="0"/>
-              <a:t>OOD:GOF23  </a:t>
-            </a:r>
-          </a:p>
-          <a:p>
-            <a:pPr marL="0" indent="0">
-              <a:buNone/>
-            </a:pPr>
             <a:endParaRPr lang="en-US" altLang="zh-CN" dirty="0"/>
+          </a:p>
+          <a:p>
+            <a:r>
+              <a:rPr lang="en-US" altLang="zh-CN" dirty="0"/>
+              <a:t>Refactor Domain Model</a:t>
+            </a:r>
+          </a:p>
+          <a:p>
+            <a:r>
+              <a:rPr lang="en-US" altLang="zh-CN" dirty="0"/>
+              <a:t>Refactor Design</a:t>
+            </a:r>
+          </a:p>
+          <a:p>
+            <a:r>
+              <a:rPr lang="en-US" altLang="zh-CN" dirty="0"/>
+              <a:t>Refactor Code</a:t>
+            </a:r>
+          </a:p>
+          <a:p>
+            <a:endParaRPr lang="en-US" altLang="zh-CN" dirty="0"/>
+          </a:p>
+          <a:p>
+            <a:endParaRPr lang="zh-CN" altLang="en-US" dirty="0"/>
           </a:p>
         </p:txBody>
       </p:sp>
     </p:spTree>
     <p:extLst>
       <p:ext uri="{BB962C8B-B14F-4D97-AF65-F5344CB8AC3E}">
-        <p14:creationId xmlns:p14="http://schemas.microsoft.com/office/powerpoint/2010/main" val="2230224452"/>
+        <p14:creationId xmlns:p14="http://schemas.microsoft.com/office/powerpoint/2010/main" val="3217735404"/>
       </p:ext>
     </p:extLst>
   </p:cSld>
@@ -7468,7 +9610,7 @@
           <p:cNvPr id="2" name="标题 1">
             <a:extLst>
               <a:ext uri="{FF2B5EF4-FFF2-40B4-BE49-F238E27FC236}">
-                <a16:creationId xmlns:a16="http://schemas.microsoft.com/office/drawing/2014/main" id="{FE770754-6373-4E8C-A173-C8C716EE1794}"/>
+                <a16:creationId xmlns:a16="http://schemas.microsoft.com/office/drawing/2014/main" id="{10632540-7C5A-439B-BA6C-6E4F750712AD}"/>
               </a:ext>
             </a:extLst>
           </p:cNvPr>
@@ -7492,22 +9634,6 @@
               </a:rPr>
               <a:t>Pattern</a:t>
             </a:r>
-            <a:r>
-              <a:rPr lang="zh-CN" altLang="en-US" dirty="0">
-                <a:solidFill>
-                  <a:srgbClr val="FF0000"/>
-                </a:solidFill>
-              </a:rPr>
-              <a:t>场景</a:t>
-            </a:r>
-            <a:r>
-              <a:rPr lang="en-US" altLang="zh-CN" dirty="0">
-                <a:solidFill>
-                  <a:srgbClr val="FF0000"/>
-                </a:solidFill>
-              </a:rPr>
-              <a:t>1</a:t>
-            </a:r>
             <a:endParaRPr lang="zh-CN" altLang="en-US" dirty="0">
               <a:solidFill>
                 <a:srgbClr val="FF0000"/>
@@ -7521,7 +9647,7 @@
           <p:cNvPr id="3" name="内容占位符 2">
             <a:extLst>
               <a:ext uri="{FF2B5EF4-FFF2-40B4-BE49-F238E27FC236}">
-                <a16:creationId xmlns:a16="http://schemas.microsoft.com/office/drawing/2014/main" id="{89C6BD96-DF02-4844-BEDA-28E01074D7BB}"/>
+                <a16:creationId xmlns:a16="http://schemas.microsoft.com/office/drawing/2014/main" id="{575B95E4-FABC-49FA-8971-51963BC6E3D5}"/>
               </a:ext>
             </a:extLst>
           </p:cNvPr>
@@ -7534,66 +9660,59 @@
         </p:nvSpPr>
         <p:spPr/>
         <p:txBody>
-          <a:bodyPr/>
-          <a:lstStyle/>
+          <a:bodyPr>
+            <a:normAutofit/>
+          </a:bodyPr>
+          <a:lstStyle/>
+          <a:p>
+            <a:r>
+              <a:rPr lang="zh-CN" altLang="en-US" dirty="0"/>
+              <a:t>思想：复用</a:t>
+            </a:r>
+            <a:endParaRPr lang="en-US" altLang="zh-CN" dirty="0"/>
+          </a:p>
+          <a:p>
+            <a:r>
+              <a:rPr lang="en-US" altLang="zh-CN" dirty="0"/>
+              <a:t>SOLID</a:t>
+            </a:r>
+          </a:p>
+          <a:p>
+            <a:r>
+              <a:rPr lang="en-US" altLang="zh-CN" dirty="0"/>
+              <a:t>POSA</a:t>
+            </a:r>
+          </a:p>
+          <a:p>
+            <a:r>
+              <a:rPr lang="en-US" altLang="zh-CN" dirty="0"/>
+              <a:t>POEAA</a:t>
+            </a:r>
+          </a:p>
+          <a:p>
+            <a:r>
+              <a:rPr lang="en-US" altLang="zh-CN" dirty="0"/>
+              <a:t>J2EE Pattern</a:t>
+            </a:r>
+          </a:p>
+          <a:p>
+            <a:r>
+              <a:rPr lang="en-US" altLang="zh-CN" dirty="0"/>
+              <a:t>OOD:GOF23  </a:t>
+            </a:r>
+          </a:p>
           <a:p>
             <a:pPr marL="0" indent="0">
               <a:buNone/>
             </a:pPr>
             <a:endParaRPr lang="en-US" altLang="zh-CN" dirty="0"/>
           </a:p>
-          <a:p>
-            <a:r>
-              <a:rPr lang="en-US" altLang="zh-CN" dirty="0"/>
-              <a:t>DI</a:t>
-            </a:r>
-            <a:r>
-              <a:rPr lang="zh-CN" altLang="en-US" dirty="0"/>
-              <a:t>，</a:t>
-            </a:r>
-            <a:r>
-              <a:rPr lang="en-US" altLang="zh-CN" dirty="0"/>
-              <a:t>DIP</a:t>
-            </a:r>
-            <a:r>
-              <a:rPr lang="zh-CN" altLang="en-US" dirty="0"/>
-              <a:t>，</a:t>
-            </a:r>
-            <a:r>
-              <a:rPr lang="en-US" altLang="zh-CN" dirty="0"/>
-              <a:t>IOC</a:t>
-            </a:r>
-            <a:r>
-              <a:rPr lang="zh-CN" altLang="en-US" dirty="0"/>
-              <a:t>，依赖注入问题</a:t>
-            </a:r>
-            <a:r>
-              <a:rPr lang="en-US" altLang="zh-CN" dirty="0"/>
-              <a:t>(</a:t>
-            </a:r>
-            <a:r>
-              <a:rPr lang="zh-CN" altLang="en-US" dirty="0"/>
-              <a:t>项目遇到最多，写代码最值得注意的地方</a:t>
-            </a:r>
-            <a:r>
-              <a:rPr lang="en-US" altLang="zh-CN" dirty="0"/>
-              <a:t>)</a:t>
-            </a:r>
-            <a:r>
-              <a:rPr lang="zh-CN" altLang="en-US" dirty="0"/>
-              <a:t>，循环依赖详解</a:t>
-            </a:r>
-            <a:endParaRPr lang="en-US" altLang="zh-CN" dirty="0"/>
-          </a:p>
-          <a:p>
-            <a:endParaRPr lang="zh-CN" altLang="en-US" dirty="0"/>
-          </a:p>
         </p:txBody>
       </p:sp>
     </p:spTree>
     <p:extLst>
       <p:ext uri="{BB962C8B-B14F-4D97-AF65-F5344CB8AC3E}">
-        <p14:creationId xmlns:p14="http://schemas.microsoft.com/office/powerpoint/2010/main" val="2879142616"/>
+        <p14:creationId xmlns:p14="http://schemas.microsoft.com/office/powerpoint/2010/main" val="2230224452"/>
       </p:ext>
     </p:extLst>
   </p:cSld>
@@ -7625,7 +9744,7 @@
           <p:cNvPr id="2" name="标题 1">
             <a:extLst>
               <a:ext uri="{FF2B5EF4-FFF2-40B4-BE49-F238E27FC236}">
-                <a16:creationId xmlns:a16="http://schemas.microsoft.com/office/drawing/2014/main" id="{4670CB31-53FB-4E0F-9B3E-C7AF918280AC}"/>
+                <a16:creationId xmlns:a16="http://schemas.microsoft.com/office/drawing/2014/main" id="{FE770754-6373-4E8C-A173-C8C716EE1794}"/>
               </a:ext>
             </a:extLst>
           </p:cNvPr>
@@ -7663,13 +9782,16 @@
                   <a:srgbClr val="FF0000"/>
                 </a:solidFill>
               </a:rPr>
-              <a:t>2</a:t>
-            </a:r>
-            <a:endParaRPr lang="zh-CN" altLang="en-US" dirty="0">
-              <a:solidFill>
-                <a:srgbClr val="FF0000"/>
-              </a:solidFill>
-            </a:endParaRPr>
+              <a:t>1-</a:t>
+            </a:r>
+            <a:r>
+              <a:rPr lang="zh-CN" altLang="en-US" dirty="0">
+                <a:solidFill>
+                  <a:srgbClr val="FF0000"/>
+                </a:solidFill>
+              </a:rPr>
+              <a:t>依赖管理</a:t>
+            </a:r>
           </a:p>
         </p:txBody>
       </p:sp>
@@ -7678,7 +9800,7 @@
           <p:cNvPr id="3" name="内容占位符 2">
             <a:extLst>
               <a:ext uri="{FF2B5EF4-FFF2-40B4-BE49-F238E27FC236}">
-                <a16:creationId xmlns:a16="http://schemas.microsoft.com/office/drawing/2014/main" id="{3C22F3F7-213F-4065-AADB-E80E5448D7BB}"/>
+                <a16:creationId xmlns:a16="http://schemas.microsoft.com/office/drawing/2014/main" id="{89C6BD96-DF02-4844-BEDA-28E01074D7BB}"/>
               </a:ext>
             </a:extLst>
           </p:cNvPr>
@@ -7694,15 +9816,52 @@
           <a:bodyPr/>
           <a:lstStyle/>
           <a:p>
-            <a:r>
-              <a:rPr lang="en-US" altLang="zh-CN" dirty="0"/>
-              <a:t>Resource Pattern</a:t>
-            </a:r>
-          </a:p>
-          <a:p>
+            <a:pPr marL="0" indent="0">
+              <a:buNone/>
+            </a:pPr>
             <a:endParaRPr lang="en-US" altLang="zh-CN" dirty="0"/>
           </a:p>
           <a:p>
+            <a:r>
+              <a:rPr lang="en-US" altLang="zh-CN" dirty="0"/>
+              <a:t>DI</a:t>
+            </a:r>
+            <a:r>
+              <a:rPr lang="zh-CN" altLang="en-US" dirty="0"/>
+              <a:t>，</a:t>
+            </a:r>
+            <a:r>
+              <a:rPr lang="en-US" altLang="zh-CN" dirty="0"/>
+              <a:t>DIP</a:t>
+            </a:r>
+            <a:r>
+              <a:rPr lang="zh-CN" altLang="en-US" dirty="0"/>
+              <a:t>，</a:t>
+            </a:r>
+            <a:r>
+              <a:rPr lang="en-US" altLang="zh-CN" dirty="0"/>
+              <a:t>IOC</a:t>
+            </a:r>
+            <a:r>
+              <a:rPr lang="zh-CN" altLang="en-US" dirty="0"/>
+              <a:t>，依赖注入问题</a:t>
+            </a:r>
+            <a:r>
+              <a:rPr lang="en-US" altLang="zh-CN" dirty="0"/>
+              <a:t>(</a:t>
+            </a:r>
+            <a:r>
+              <a:rPr lang="zh-CN" altLang="en-US" dirty="0"/>
+              <a:t>项目遇到最多，写代码最值得注意的地方</a:t>
+            </a:r>
+            <a:r>
+              <a:rPr lang="en-US" altLang="zh-CN" dirty="0"/>
+              <a:t>)</a:t>
+            </a:r>
+            <a:r>
+              <a:rPr lang="zh-CN" altLang="en-US" dirty="0"/>
+              <a:t>，循环依赖详解，为什么没有关联注入？注入父类？</a:t>
+            </a:r>
             <a:endParaRPr lang="en-US" altLang="zh-CN" dirty="0"/>
           </a:p>
           <a:p>
@@ -7710,9 +9869,65 @@
           </a:p>
           <a:p>
             <a:r>
-              <a:rPr lang="en-US" altLang="zh-CN" dirty="0"/>
-              <a:t>Cache Pattern</a:t>
-            </a:r>
+              <a:rPr lang="zh-CN" altLang="en-US" dirty="0"/>
+              <a:t>如何开发基础类库？</a:t>
+            </a:r>
+            <a:r>
+              <a:rPr lang="en-US" altLang="zh-CN" dirty="0"/>
+              <a:t>cache</a:t>
+            </a:r>
+            <a:r>
+              <a:rPr lang="zh-CN" altLang="en-US" dirty="0"/>
+              <a:t>，</a:t>
+            </a:r>
+            <a:r>
+              <a:rPr lang="en-US" altLang="zh-CN" dirty="0" err="1"/>
+              <a:t>mq</a:t>
+            </a:r>
+            <a:r>
+              <a:rPr lang="zh-CN" altLang="en-US" dirty="0"/>
+              <a:t>，</a:t>
+            </a:r>
+            <a:r>
+              <a:rPr lang="en-US" altLang="zh-CN" dirty="0"/>
+              <a:t>service register/discover</a:t>
+            </a:r>
+          </a:p>
+          <a:p>
+            <a:endParaRPr lang="en-US" altLang="zh-CN" dirty="0"/>
+          </a:p>
+          <a:p>
+            <a:r>
+              <a:rPr lang="zh-CN" altLang="en-US" dirty="0"/>
+              <a:t>魔法：</a:t>
+            </a:r>
+            <a:r>
+              <a:rPr lang="en-US" altLang="zh-CN" dirty="0"/>
+              <a:t>Spring</a:t>
+            </a:r>
+            <a:r>
+              <a:rPr lang="zh-CN" altLang="en-US" dirty="0"/>
+              <a:t>一直在调用你的代码</a:t>
+            </a:r>
+            <a:r>
+              <a:rPr lang="en-US" altLang="zh-CN" dirty="0"/>
+              <a:t> -》 </a:t>
+            </a:r>
+            <a:r>
+              <a:rPr lang="en-US" altLang="zh-CN" dirty="0" err="1"/>
+              <a:t>Faas</a:t>
+            </a:r>
+            <a:r>
+              <a:rPr lang="en-US" altLang="zh-CN" dirty="0"/>
+              <a:t>  </a:t>
+            </a:r>
+            <a:r>
+              <a:rPr lang="zh-CN" altLang="en-US" dirty="0"/>
+              <a:t>容器的通用设计</a:t>
+            </a:r>
+            <a:endParaRPr lang="en-US" altLang="zh-CN" dirty="0"/>
+          </a:p>
+          <a:p>
             <a:endParaRPr lang="zh-CN" altLang="en-US" dirty="0"/>
           </a:p>
         </p:txBody>
@@ -7720,7 +9935,7 @@
     </p:spTree>
     <p:extLst>
       <p:ext uri="{BB962C8B-B14F-4D97-AF65-F5344CB8AC3E}">
-        <p14:creationId xmlns:p14="http://schemas.microsoft.com/office/powerpoint/2010/main" val="180097172"/>
+        <p14:creationId xmlns:p14="http://schemas.microsoft.com/office/powerpoint/2010/main" val="2879142616"/>
       </p:ext>
     </p:extLst>
   </p:cSld>
